--- a/4305 Final Presentation.pptx
+++ b/4305 Final Presentation.pptx
@@ -5,7 +5,7 @@
     <p:sldMasterId id="2147483696" r:id="rId1"/>
   </p:sldMasterIdLst>
   <p:notesMasterIdLst>
-    <p:notesMasterId r:id="rId24"/>
+    <p:notesMasterId r:id="rId28"/>
   </p:notesMasterIdLst>
   <p:sldIdLst>
     <p:sldId id="260" r:id="rId2"/>
@@ -22,14 +22,18 @@
     <p:sldId id="309" r:id="rId13"/>
     <p:sldId id="289" r:id="rId14"/>
     <p:sldId id="306" r:id="rId15"/>
-    <p:sldId id="312" r:id="rId16"/>
-    <p:sldId id="313" r:id="rId17"/>
-    <p:sldId id="315" r:id="rId18"/>
-    <p:sldId id="316" r:id="rId19"/>
-    <p:sldId id="275" r:id="rId20"/>
-    <p:sldId id="307" r:id="rId21"/>
-    <p:sldId id="276" r:id="rId22"/>
-    <p:sldId id="277" r:id="rId23"/>
+    <p:sldId id="317" r:id="rId16"/>
+    <p:sldId id="322" r:id="rId17"/>
+    <p:sldId id="323" r:id="rId18"/>
+    <p:sldId id="324" r:id="rId19"/>
+    <p:sldId id="325" r:id="rId20"/>
+    <p:sldId id="326" r:id="rId21"/>
+    <p:sldId id="320" r:id="rId22"/>
+    <p:sldId id="318" r:id="rId23"/>
+    <p:sldId id="307" r:id="rId24"/>
+    <p:sldId id="276" r:id="rId25"/>
+    <p:sldId id="319" r:id="rId26"/>
+    <p:sldId id="277" r:id="rId27"/>
   </p:sldIdLst>
   <p:sldSz cx="9144000" cy="6858000" type="screen4x3"/>
   <p:notesSz cx="6858000" cy="9144000"/>
@@ -130,7 +134,7 @@
   </p:defaultTextStyle>
   <p:extLst>
     <p:ext uri="{EFAFB233-063F-42B5-8137-9DF3F51BA10A}">
-      <p15:sldGuideLst xmlns:p15="http://schemas.microsoft.com/office/powerpoint/2012/main">
+      <p15:sldGuideLst xmlns:p15="http://schemas.microsoft.com/office/powerpoint/2012/main" xmlns="">
         <p15:guide id="1" orient="horz" pos="2160">
           <p15:clr>
             <a:srgbClr val="A4A3A4"/>
@@ -13928,145 +13932,65 @@
         </p:nvSpPr>
         <p:spPr/>
         <p:txBody>
-          <a:bodyPr>
-            <a:normAutofit fontScale="90000"/>
-          </a:bodyPr>
-          <a:lstStyle/>
-          <a:p>
+          <a:bodyPr/>
+          <a:lstStyle/>
+          <a:p>
+            <a:r>
+              <a:rPr lang="en-US" dirty="0" smtClean="0"/>
+              <a:t>Other Features</a:t>
+            </a:r>
             <a:r>
               <a:rPr lang="en-US" dirty="0"/>
-              <a:t>Section 4: Implementation</a:t>
-            </a:r>
-            <a:r>
-              <a:rPr lang="en-US" dirty="0" smtClean="0"/>
-              <a:t/>
-            </a:r>
-            <a:br>
-              <a:rPr lang="en-US" dirty="0" smtClean="0"/>
-            </a:br>
-            <a:r>
-              <a:rPr lang="en-US" dirty="0" smtClean="0"/>
-              <a:t>Constructor </a:t>
-            </a:r>
-            <a:endParaRPr lang="en-US" dirty="0"/>
-          </a:p>
-        </p:txBody>
-      </p:sp>
-      <p:pic>
-        <p:nvPicPr>
-          <p:cNvPr id="4" name="Content Placeholder 3"/>
-          <p:cNvPicPr>
-            <a:picLocks noGrp="1" noChangeAspect="1"/>
-          </p:cNvPicPr>
+              <a:t> Considered</a:t>
+            </a:r>
+          </a:p>
+        </p:txBody>
+      </p:sp>
+      <p:sp>
+        <p:nvSpPr>
+          <p:cNvPr id="3" name="Content Placeholder 2"/>
+          <p:cNvSpPr>
+            <a:spLocks noGrp="1"/>
+          </p:cNvSpPr>
           <p:nvPr>
             <p:ph idx="1"/>
           </p:nvPr>
-        </p:nvPicPr>
-        <p:blipFill>
-          <a:blip r:embed="rId2">
-            <a:extLst>
-              <a:ext uri="{28A0092B-C50C-407E-A947-70E740481C1C}">
-                <a14:useLocalDpi xmlns:a14="http://schemas.microsoft.com/office/drawing/2010/main" val="0"/>
-              </a:ext>
-            </a:extLst>
-          </a:blip>
-          <a:stretch>
-            <a:fillRect/>
-          </a:stretch>
-        </p:blipFill>
-        <p:spPr>
-          <a:xfrm>
-            <a:off x="2474534" y="2700177"/>
-            <a:ext cx="5420481" cy="2295845"/>
-          </a:xfrm>
-        </p:spPr>
-      </p:pic>
-      <p:sp>
-        <p:nvSpPr>
-          <p:cNvPr id="5" name="Rectangular Callout 4"/>
-          <p:cNvSpPr/>
-          <p:nvPr/>
-        </p:nvSpPr>
-        <p:spPr>
-          <a:xfrm>
-            <a:off x="2081349" y="1881051"/>
-            <a:ext cx="1837508" cy="612648"/>
-          </a:xfrm>
-          <a:prstGeom prst="wedgeRectCallout">
-            <a:avLst>
-              <a:gd name="adj1" fmla="val 17556"/>
-              <a:gd name="adj2" fmla="val 85243"/>
-            </a:avLst>
-          </a:prstGeom>
-        </p:spPr>
-        <p:style>
-          <a:lnRef idx="2">
-            <a:schemeClr val="accent1"/>
-          </a:lnRef>
-          <a:fillRef idx="1">
-            <a:schemeClr val="lt1"/>
-          </a:fillRef>
-          <a:effectRef idx="0">
-            <a:schemeClr val="accent1"/>
-          </a:effectRef>
-          <a:fontRef idx="minor">
-            <a:schemeClr val="dk1"/>
-          </a:fontRef>
-        </p:style>
-        <p:txBody>
-          <a:bodyPr rtlCol="0" anchor="ctr"/>
-          <a:lstStyle/>
-          <a:p>
-            <a:pPr algn="ctr"/>
+        </p:nvSpPr>
+        <p:spPr/>
+        <p:txBody>
+          <a:bodyPr/>
+          <a:lstStyle/>
+          <a:p>
             <a:r>
               <a:rPr lang="en-US" dirty="0" smtClean="0"/>
-              <a:t>Constructor Method</a:t>
-            </a:r>
-            <a:endParaRPr lang="en-US" dirty="0"/>
-          </a:p>
-        </p:txBody>
-      </p:sp>
-      <p:sp>
-        <p:nvSpPr>
-          <p:cNvPr id="6" name="Rectangular Callout 5"/>
-          <p:cNvSpPr/>
-          <p:nvPr/>
-        </p:nvSpPr>
-        <p:spPr>
-          <a:xfrm>
-            <a:off x="7096180" y="3411147"/>
-            <a:ext cx="1837508" cy="612648"/>
-          </a:xfrm>
-          <a:prstGeom prst="wedgeRectCallout">
-            <a:avLst>
-              <a:gd name="adj1" fmla="val -208984"/>
-              <a:gd name="adj2" fmla="val -66853"/>
-            </a:avLst>
-          </a:prstGeom>
-        </p:spPr>
-        <p:style>
-          <a:lnRef idx="2">
-            <a:schemeClr val="accent1"/>
-          </a:lnRef>
-          <a:fillRef idx="1">
-            <a:schemeClr val="lt1"/>
-          </a:fillRef>
-          <a:effectRef idx="0">
-            <a:schemeClr val="accent1"/>
-          </a:effectRef>
-          <a:fontRef idx="minor">
-            <a:schemeClr val="dk1"/>
-          </a:fontRef>
-        </p:style>
-        <p:txBody>
-          <a:bodyPr rtlCol="0" anchor="ctr"/>
-          <a:lstStyle/>
-          <a:p>
-            <a:pPr algn="ctr"/>
+              <a:t>Sequence number</a:t>
+            </a:r>
+          </a:p>
+          <a:p>
+            <a:pPr lvl="1"/>
             <a:r>
               <a:rPr lang="en-US" dirty="0" smtClean="0"/>
-              <a:t>Verification of number of inputs</a:t>
-            </a:r>
+              <a:t>Sliding window </a:t>
+            </a:r>
+          </a:p>
+          <a:p>
+            <a:pPr lvl="1"/>
+            <a:r>
+              <a:rPr lang="en-US" dirty="0" smtClean="0"/>
+              <a:t>Group ACK</a:t>
+            </a:r>
+          </a:p>
+          <a:p>
+            <a:r>
+              <a:rPr lang="en-US" dirty="0" smtClean="0"/>
+              <a:t>NACK</a:t>
+            </a:r>
+          </a:p>
+          <a:p>
+            <a:endParaRPr lang="en-US" dirty="0" smtClean="0"/>
+          </a:p>
+          <a:p>
+            <a:pPr lvl="1"/>
             <a:endParaRPr lang="en-US" dirty="0"/>
           </a:p>
         </p:txBody>
@@ -14074,7 +13998,7 @@
     </p:spTree>
     <p:extLst>
       <p:ext uri="{BB962C8B-B14F-4D97-AF65-F5344CB8AC3E}">
-        <p14:creationId xmlns:p14="http://schemas.microsoft.com/office/powerpoint/2010/main" val="689429737"/>
+        <p14:creationId xmlns:p14="http://schemas.microsoft.com/office/powerpoint/2010/main" val="2220648227"/>
       </p:ext>
     </p:extLst>
   </p:cSld>
@@ -14101,41 +14025,9 @@
           <a:chExt cx="0" cy="0"/>
         </a:xfrm>
       </p:grpSpPr>
-      <p:sp>
-        <p:nvSpPr>
-          <p:cNvPr id="2" name="Title 1"/>
-          <p:cNvSpPr>
-            <a:spLocks noGrp="1"/>
-          </p:cNvSpPr>
-          <p:nvPr>
-            <p:ph type="title"/>
-          </p:nvPr>
-        </p:nvSpPr>
-        <p:spPr/>
-        <p:txBody>
-          <a:bodyPr>
-            <a:normAutofit fontScale="90000"/>
-          </a:bodyPr>
-          <a:lstStyle/>
-          <a:p>
-            <a:r>
-              <a:rPr lang="en-US" dirty="0" smtClean="0"/>
-              <a:t>Implementation </a:t>
-            </a:r>
-            <a:br>
-              <a:rPr lang="en-US" dirty="0" smtClean="0"/>
-            </a:br>
-            <a:r>
-              <a:rPr lang="en-US" dirty="0" smtClean="0"/>
-              <a:t>Constructor</a:t>
-            </a:r>
-            <a:endParaRPr lang="en-US" dirty="0"/>
-          </a:p>
-        </p:txBody>
-      </p:sp>
       <p:pic>
         <p:nvPicPr>
-          <p:cNvPr id="4" name="Content Placeholder 3"/>
+          <p:cNvPr id="7" name="Content Placeholder 6"/>
           <p:cNvPicPr>
             <a:picLocks noGrp="1" noChangeAspect="1"/>
           </p:cNvPicPr>
@@ -14157,11 +14049,47 @@
         </p:blipFill>
         <p:spPr>
           <a:xfrm>
-            <a:off x="2664155" y="1534885"/>
-            <a:ext cx="4240050" cy="4800600"/>
+            <a:off x="2973098" y="2715284"/>
+            <a:ext cx="3829585" cy="2248214"/>
           </a:xfrm>
         </p:spPr>
       </p:pic>
+      <p:sp>
+        <p:nvSpPr>
+          <p:cNvPr id="2" name="Title 1"/>
+          <p:cNvSpPr>
+            <a:spLocks noGrp="1"/>
+          </p:cNvSpPr>
+          <p:nvPr>
+            <p:ph type="title"/>
+          </p:nvPr>
+        </p:nvSpPr>
+        <p:spPr/>
+        <p:txBody>
+          <a:bodyPr>
+            <a:normAutofit fontScale="90000"/>
+          </a:bodyPr>
+          <a:lstStyle/>
+          <a:p>
+            <a:r>
+              <a:rPr lang="en-US" dirty="0" smtClean="0"/>
+              <a:t>Implementation</a:t>
+            </a:r>
+            <a:r>
+              <a:rPr lang="en-US" dirty="0" smtClean="0"/>
+              <a:t/>
+            </a:r>
+            <a:br>
+              <a:rPr lang="en-US" dirty="0" smtClean="0"/>
+            </a:br>
+            <a:r>
+              <a:rPr lang="en-US" dirty="0" smtClean="0"/>
+              <a:t>Constructor </a:t>
+            </a:r>
+            <a:endParaRPr lang="en-US" dirty="0"/>
+          </a:p>
+        </p:txBody>
+      </p:sp>
       <p:sp>
         <p:nvSpPr>
           <p:cNvPr id="5" name="Rectangular Callout 4"/>
@@ -14170,13 +14098,13 @@
         </p:nvSpPr>
         <p:spPr>
           <a:xfrm>
-            <a:off x="661851" y="1759131"/>
-            <a:ext cx="2072639" cy="612648"/>
+            <a:off x="2704012" y="1881051"/>
+            <a:ext cx="1378131" cy="612648"/>
           </a:xfrm>
           <a:prstGeom prst="wedgeRectCallout">
             <a:avLst>
-              <a:gd name="adj1" fmla="val 55877"/>
-              <a:gd name="adj2" fmla="val 86664"/>
+              <a:gd name="adj1" fmla="val 17556"/>
+              <a:gd name="adj2" fmla="val 85243"/>
             </a:avLst>
           </a:prstGeom>
         </p:spPr>
@@ -14200,22 +14128,13 @@
           <a:p>
             <a:pPr algn="ctr"/>
             <a:r>
-              <a:rPr lang="en-US" dirty="0"/>
-              <a:t>C</a:t>
-            </a:r>
-            <a:r>
-              <a:rPr lang="en-US" dirty="0" smtClean="0"/>
-              <a:t>heck if have </a:t>
-            </a:r>
-            <a:r>
-              <a:rPr lang="en-US" dirty="0" smtClean="0"/>
-              <a:t>minimum </a:t>
-            </a:r>
-            <a:r>
-              <a:rPr lang="en-US" dirty="0" smtClean="0"/>
-              <a:t>size</a:t>
-            </a:r>
-            <a:endParaRPr lang="en-US" dirty="0"/>
+              <a:rPr lang="en-US" dirty="0">
+                <a:solidFill>
+                  <a:prstClr val="black"/>
+                </a:solidFill>
+              </a:rPr>
+              <a:t>Constructor Method</a:t>
+            </a:r>
           </a:p>
         </p:txBody>
       </p:sp>
@@ -14227,13 +14146,13 @@
         </p:nvSpPr>
         <p:spPr>
           <a:xfrm>
-            <a:off x="6692537" y="2982685"/>
-            <a:ext cx="1837508" cy="612648"/>
+            <a:off x="6465135" y="3411147"/>
+            <a:ext cx="1895094" cy="612648"/>
           </a:xfrm>
           <a:prstGeom prst="wedgeRectCallout">
             <a:avLst>
-              <a:gd name="adj1" fmla="val -149268"/>
-              <a:gd name="adj2" fmla="val 133573"/>
+              <a:gd name="adj1" fmla="val -168775"/>
+              <a:gd name="adj2" fmla="val -65076"/>
             </a:avLst>
           </a:prstGeom>
         </p:spPr>
@@ -14257,17 +14176,28 @@
           <a:p>
             <a:pPr algn="ctr"/>
             <a:r>
-              <a:rPr lang="en-US" dirty="0" smtClean="0"/>
-              <a:t>CRC check of header.</a:t>
-            </a:r>
-            <a:endParaRPr lang="en-US" dirty="0"/>
+              <a:rPr lang="en-US" dirty="0" smtClean="0">
+                <a:solidFill>
+                  <a:prstClr val="black"/>
+                </a:solidFill>
+              </a:rPr>
+              <a:t>Verification  of the </a:t>
+            </a:r>
+            <a:r>
+              <a:rPr lang="en-US" dirty="0">
+                <a:solidFill>
+                  <a:prstClr val="black"/>
+                </a:solidFill>
+              </a:rPr>
+              <a:t>number of inputs</a:t>
+            </a:r>
           </a:p>
         </p:txBody>
       </p:sp>
     </p:spTree>
     <p:extLst>
       <p:ext uri="{BB962C8B-B14F-4D97-AF65-F5344CB8AC3E}">
-        <p14:creationId xmlns:p14="http://schemas.microsoft.com/office/powerpoint/2010/main" val="1727467078"/>
+        <p14:creationId xmlns:p14="http://schemas.microsoft.com/office/powerpoint/2010/main" val="3368620986"/>
       </p:ext>
     </p:extLst>
   </p:cSld>
@@ -14294,38 +14224,6 @@
           <a:chExt cx="0" cy="0"/>
         </a:xfrm>
       </p:grpSpPr>
-      <p:sp>
-        <p:nvSpPr>
-          <p:cNvPr id="2" name="Title 1"/>
-          <p:cNvSpPr>
-            <a:spLocks noGrp="1"/>
-          </p:cNvSpPr>
-          <p:nvPr>
-            <p:ph type="title"/>
-          </p:nvPr>
-        </p:nvSpPr>
-        <p:spPr/>
-        <p:txBody>
-          <a:bodyPr>
-            <a:normAutofit fontScale="90000"/>
-          </a:bodyPr>
-          <a:lstStyle/>
-          <a:p>
-            <a:r>
-              <a:rPr lang="en-US" dirty="0" smtClean="0"/>
-              <a:t>Implementation </a:t>
-            </a:r>
-            <a:br>
-              <a:rPr lang="en-US" dirty="0" smtClean="0"/>
-            </a:br>
-            <a:r>
-              <a:rPr lang="en-US" dirty="0" smtClean="0"/>
-              <a:t>Data field</a:t>
-            </a:r>
-            <a:endParaRPr lang="en-US" dirty="0"/>
-          </a:p>
-        </p:txBody>
-      </p:sp>
       <p:pic>
         <p:nvPicPr>
           <p:cNvPr id="7" name="Content Placeholder 6"/>
@@ -14350,26 +14248,58 @@
         </p:blipFill>
         <p:spPr>
           <a:xfrm>
-            <a:off x="2677398" y="1447800"/>
-            <a:ext cx="5014753" cy="4800600"/>
+            <a:off x="4920343" y="355342"/>
+            <a:ext cx="3766457" cy="6208019"/>
           </a:xfrm>
         </p:spPr>
       </p:pic>
       <p:sp>
         <p:nvSpPr>
-          <p:cNvPr id="8" name="Rectangular Callout 7"/>
+          <p:cNvPr id="2" name="Title 1"/>
+          <p:cNvSpPr>
+            <a:spLocks noGrp="1"/>
+          </p:cNvSpPr>
+          <p:nvPr>
+            <p:ph type="title"/>
+          </p:nvPr>
+        </p:nvSpPr>
+        <p:spPr/>
+        <p:txBody>
+          <a:bodyPr>
+            <a:normAutofit fontScale="90000"/>
+          </a:bodyPr>
+          <a:lstStyle/>
+          <a:p>
+            <a:r>
+              <a:rPr lang="en-US" dirty="0" smtClean="0"/>
+              <a:t>Implementation </a:t>
+            </a:r>
+            <a:br>
+              <a:rPr lang="en-US" dirty="0" smtClean="0"/>
+            </a:br>
+            <a:r>
+              <a:rPr lang="en-US" dirty="0" smtClean="0"/>
+              <a:t>Constructor</a:t>
+            </a:r>
+            <a:endParaRPr lang="en-US" dirty="0"/>
+          </a:p>
+        </p:txBody>
+      </p:sp>
+      <p:sp>
+        <p:nvSpPr>
+          <p:cNvPr id="5" name="Rectangular Callout 4"/>
           <p:cNvSpPr/>
           <p:nvPr/>
         </p:nvSpPr>
         <p:spPr>
           <a:xfrm>
-            <a:off x="1210491" y="2821577"/>
-            <a:ext cx="2072639" cy="612648"/>
+            <a:off x="2028483" y="1846216"/>
+            <a:ext cx="2064546" cy="612648"/>
           </a:xfrm>
           <a:prstGeom prst="wedgeRectCallout">
             <a:avLst>
-              <a:gd name="adj1" fmla="val 71843"/>
-              <a:gd name="adj2" fmla="val -5731"/>
+              <a:gd name="adj1" fmla="val 101156"/>
+              <a:gd name="adj2" fmla="val -71474"/>
             </a:avLst>
           </a:prstGeom>
         </p:spPr>
@@ -14393,32 +14323,47 @@
           <a:p>
             <a:pPr algn="ctr"/>
             <a:r>
-              <a:rPr lang="en-US" dirty="0"/>
-              <a:t>M</a:t>
-            </a:r>
-            <a:r>
-              <a:rPr lang="en-US" dirty="0" smtClean="0"/>
-              <a:t>aximum size of data field</a:t>
-            </a:r>
-            <a:endParaRPr lang="en-US" dirty="0"/>
-          </a:p>
-        </p:txBody>
-      </p:sp>
-      <p:sp>
-        <p:nvSpPr>
-          <p:cNvPr id="9" name="Rectangular Callout 8"/>
+              <a:rPr lang="en-US" dirty="0">
+                <a:solidFill>
+                  <a:prstClr val="black"/>
+                </a:solidFill>
+              </a:rPr>
+              <a:t>Check </a:t>
+            </a:r>
+            <a:r>
+              <a:rPr lang="en-US" dirty="0" smtClean="0">
+                <a:solidFill>
+                  <a:prstClr val="black"/>
+                </a:solidFill>
+              </a:rPr>
+              <a:t>for  the minimum </a:t>
+            </a:r>
+            <a:r>
+              <a:rPr lang="en-US" dirty="0">
+                <a:solidFill>
+                  <a:prstClr val="black"/>
+                </a:solidFill>
+              </a:rPr>
+              <a:t>size</a:t>
+            </a:r>
+          </a:p>
+        </p:txBody>
+      </p:sp>
+      <p:sp>
+        <p:nvSpPr>
+          <p:cNvPr id="6" name="Rectangular Callout 5"/>
           <p:cNvSpPr/>
           <p:nvPr/>
         </p:nvSpPr>
         <p:spPr>
           <a:xfrm>
-            <a:off x="1210491" y="5421085"/>
-            <a:ext cx="2072639" cy="612648"/>
+            <a:off x="2028482" y="3643884"/>
+            <a:ext cx="2064547" cy="612648"/>
           </a:xfrm>
           <a:prstGeom prst="wedgeRectCallout">
             <a:avLst>
-              <a:gd name="adj1" fmla="val 71843"/>
-              <a:gd name="adj2" fmla="val -5731"/>
+              <a:gd name="adj1" fmla="val 112673"/>
+              <a:gd name="adj2" fmla="val -164579"/>
             </a:avLst>
           </a:prstGeom>
         </p:spPr>
@@ -14442,28 +14387,47 @@
           <a:p>
             <a:pPr algn="ctr"/>
             <a:r>
-              <a:rPr lang="en-US" dirty="0" smtClean="0"/>
-              <a:t>Creation of CRC</a:t>
-            </a:r>
-            <a:endParaRPr lang="en-US" dirty="0"/>
-          </a:p>
-        </p:txBody>
-      </p:sp>
-      <p:sp>
-        <p:nvSpPr>
-          <p:cNvPr id="10" name="Rectangular Callout 9"/>
+              <a:rPr lang="en-US" dirty="0">
+                <a:solidFill>
+                  <a:prstClr val="black"/>
+                </a:solidFill>
+              </a:rPr>
+              <a:t>CRC check </a:t>
+            </a:r>
+            <a:r>
+              <a:rPr lang="en-US" dirty="0" smtClean="0">
+                <a:solidFill>
+                  <a:prstClr val="black"/>
+                </a:solidFill>
+              </a:rPr>
+              <a:t>the header</a:t>
+            </a:r>
+            <a:r>
+              <a:rPr lang="en-US" dirty="0">
+                <a:solidFill>
+                  <a:prstClr val="black"/>
+                </a:solidFill>
+              </a:rPr>
+              <a:t>.</a:t>
+            </a:r>
+          </a:p>
+        </p:txBody>
+      </p:sp>
+      <p:sp>
+        <p:nvSpPr>
+          <p:cNvPr id="8" name="Rectangular Callout 7"/>
           <p:cNvSpPr/>
           <p:nvPr/>
         </p:nvSpPr>
         <p:spPr>
           <a:xfrm>
-            <a:off x="1435608" y="4195354"/>
-            <a:ext cx="2072639" cy="612648"/>
+            <a:off x="2028483" y="4871139"/>
+            <a:ext cx="2064547" cy="865632"/>
           </a:xfrm>
           <a:prstGeom prst="wedgeRectCallout">
             <a:avLst>
-              <a:gd name="adj1" fmla="val 71843"/>
-              <a:gd name="adj2" fmla="val -5731"/>
+              <a:gd name="adj1" fmla="val 121108"/>
+              <a:gd name="adj2" fmla="val 28381"/>
             </a:avLst>
           </a:prstGeom>
         </p:spPr>
@@ -14487,17 +14451,89 @@
           <a:p>
             <a:pPr algn="ctr"/>
             <a:r>
-              <a:rPr lang="en-US" dirty="0" smtClean="0"/>
-              <a:t>Mapping chars to bits</a:t>
-            </a:r>
-            <a:endParaRPr lang="en-US" dirty="0"/>
+              <a:rPr lang="en-US" dirty="0">
+                <a:solidFill>
+                  <a:prstClr val="black"/>
+                </a:solidFill>
+              </a:rPr>
+              <a:t>CRC check </a:t>
+            </a:r>
+            <a:r>
+              <a:rPr lang="en-US" dirty="0" smtClean="0">
+                <a:solidFill>
+                  <a:prstClr val="black"/>
+                </a:solidFill>
+              </a:rPr>
+              <a:t>the header</a:t>
+            </a:r>
+            <a:r>
+              <a:rPr lang="en-US" dirty="0">
+                <a:solidFill>
+                  <a:prstClr val="black"/>
+                </a:solidFill>
+              </a:rPr>
+              <a:t>.</a:t>
+            </a:r>
+          </a:p>
+        </p:txBody>
+      </p:sp>
+      <p:sp>
+        <p:nvSpPr>
+          <p:cNvPr id="9" name="Rectangular Callout 8"/>
+          <p:cNvSpPr/>
+          <p:nvPr/>
+        </p:nvSpPr>
+        <p:spPr>
+          <a:xfrm>
+            <a:off x="2028483" y="4871138"/>
+            <a:ext cx="2064547" cy="865633"/>
+          </a:xfrm>
+          <a:prstGeom prst="wedgeRectCallout">
+            <a:avLst>
+              <a:gd name="adj1" fmla="val 112672"/>
+              <a:gd name="adj2" fmla="val 117278"/>
+            </a:avLst>
+          </a:prstGeom>
+        </p:spPr>
+        <p:style>
+          <a:lnRef idx="2">
+            <a:schemeClr val="accent1"/>
+          </a:lnRef>
+          <a:fillRef idx="1">
+            <a:schemeClr val="lt1"/>
+          </a:fillRef>
+          <a:effectRef idx="0">
+            <a:schemeClr val="accent1"/>
+          </a:effectRef>
+          <a:fontRef idx="minor">
+            <a:schemeClr val="dk1"/>
+          </a:fontRef>
+        </p:style>
+        <p:txBody>
+          <a:bodyPr rtlCol="0" anchor="ctr"/>
+          <a:lstStyle/>
+          <a:p>
+            <a:pPr algn="ctr"/>
+            <a:r>
+              <a:rPr lang="en-US" dirty="0" smtClean="0">
+                <a:solidFill>
+                  <a:prstClr val="black"/>
+                </a:solidFill>
+              </a:rPr>
+              <a:t>Failed checks result in INVALID frame types</a:t>
+            </a:r>
+            <a:endParaRPr lang="en-US" dirty="0">
+              <a:solidFill>
+                <a:prstClr val="black"/>
+              </a:solidFill>
+            </a:endParaRPr>
           </a:p>
         </p:txBody>
       </p:sp>
     </p:spTree>
     <p:extLst>
       <p:ext uri="{BB962C8B-B14F-4D97-AF65-F5344CB8AC3E}">
-        <p14:creationId xmlns:p14="http://schemas.microsoft.com/office/powerpoint/2010/main" val="2239431129"/>
+        <p14:creationId xmlns:p14="http://schemas.microsoft.com/office/powerpoint/2010/main" val="3754394327"/>
       </p:ext>
     </p:extLst>
   </p:cSld>
@@ -14526,7 +14562,7 @@
       </p:grpSpPr>
       <p:pic>
         <p:nvPicPr>
-          <p:cNvPr id="4" name="Content Placeholder 3"/>
+          <p:cNvPr id="5" name="Content Placeholder 4"/>
           <p:cNvPicPr>
             <a:picLocks noGrp="1" noChangeAspect="1"/>
           </p:cNvPicPr>
@@ -14548,8 +14584,8 @@
         </p:blipFill>
         <p:spPr>
           <a:xfrm>
-            <a:off x="2916174" y="1947455"/>
-            <a:ext cx="6087325" cy="3905795"/>
+            <a:off x="4776263" y="1460643"/>
+            <a:ext cx="3866994" cy="5031867"/>
           </a:xfrm>
         </p:spPr>
       </p:pic>
@@ -14593,13 +14629,13 @@
         </p:nvSpPr>
         <p:spPr>
           <a:xfrm>
-            <a:off x="1027013" y="2806713"/>
-            <a:ext cx="2072639" cy="612648"/>
+            <a:off x="1843424" y="2646533"/>
+            <a:ext cx="2064547" cy="612648"/>
           </a:xfrm>
           <a:prstGeom prst="wedgeRectCallout">
             <a:avLst>
-              <a:gd name="adj1" fmla="val 71843"/>
-              <a:gd name="adj2" fmla="val -5731"/>
+              <a:gd name="adj1" fmla="val 132479"/>
+              <a:gd name="adj2" fmla="val 139969"/>
             </a:avLst>
           </a:prstGeom>
         </p:spPr>
@@ -14623,28 +14659,31 @@
           <a:p>
             <a:pPr algn="ctr"/>
             <a:r>
-              <a:rPr lang="en-US" dirty="0" smtClean="0"/>
-              <a:t>Extract the data size</a:t>
-            </a:r>
-            <a:endParaRPr lang="en-US" dirty="0"/>
-          </a:p>
-        </p:txBody>
-      </p:sp>
-      <p:sp>
-        <p:nvSpPr>
-          <p:cNvPr id="10" name="Rectangular Callout 9"/>
+              <a:rPr lang="en-US" dirty="0">
+                <a:solidFill>
+                  <a:prstClr val="black"/>
+                </a:solidFill>
+              </a:rPr>
+              <a:t>Maximum size of data field</a:t>
+            </a:r>
+          </a:p>
+        </p:txBody>
+      </p:sp>
+      <p:sp>
+        <p:nvSpPr>
+          <p:cNvPr id="9" name="Rectangular Callout 8"/>
           <p:cNvSpPr/>
           <p:nvPr/>
         </p:nvSpPr>
         <p:spPr>
           <a:xfrm>
-            <a:off x="1027013" y="3949178"/>
-            <a:ext cx="2072639" cy="612648"/>
+            <a:off x="1843426" y="5421085"/>
+            <a:ext cx="2064546" cy="612648"/>
           </a:xfrm>
           <a:prstGeom prst="wedgeRectCallout">
             <a:avLst>
-              <a:gd name="adj1" fmla="val 71843"/>
-              <a:gd name="adj2" fmla="val -5731"/>
+              <a:gd name="adj1" fmla="val 132479"/>
+              <a:gd name="adj2" fmla="val 33359"/>
             </a:avLst>
           </a:prstGeom>
         </p:spPr>
@@ -14668,17 +14707,116 @@
           <a:p>
             <a:pPr algn="ctr"/>
             <a:r>
-              <a:rPr lang="en-US" dirty="0" smtClean="0"/>
-              <a:t> Check of size</a:t>
-            </a:r>
-            <a:endParaRPr lang="en-US" dirty="0"/>
+              <a:rPr lang="en-US" dirty="0">
+                <a:solidFill>
+                  <a:prstClr val="black"/>
+                </a:solidFill>
+              </a:rPr>
+              <a:t>Creation of CRC</a:t>
+            </a:r>
+          </a:p>
+        </p:txBody>
+      </p:sp>
+      <p:sp>
+        <p:nvSpPr>
+          <p:cNvPr id="10" name="Rectangular Callout 9"/>
+          <p:cNvSpPr/>
+          <p:nvPr/>
+        </p:nvSpPr>
+        <p:spPr>
+          <a:xfrm>
+            <a:off x="1843426" y="4383676"/>
+            <a:ext cx="2064546" cy="612648"/>
+          </a:xfrm>
+          <a:prstGeom prst="wedgeRectCallout">
+            <a:avLst>
+              <a:gd name="adj1" fmla="val 143552"/>
+              <a:gd name="adj2" fmla="val 42243"/>
+            </a:avLst>
+          </a:prstGeom>
+        </p:spPr>
+        <p:style>
+          <a:lnRef idx="2">
+            <a:schemeClr val="accent1"/>
+          </a:lnRef>
+          <a:fillRef idx="1">
+            <a:schemeClr val="lt1"/>
+          </a:fillRef>
+          <a:effectRef idx="0">
+            <a:schemeClr val="accent1"/>
+          </a:effectRef>
+          <a:fontRef idx="minor">
+            <a:schemeClr val="dk1"/>
+          </a:fontRef>
+        </p:style>
+        <p:txBody>
+          <a:bodyPr rtlCol="0" anchor="ctr"/>
+          <a:lstStyle/>
+          <a:p>
+            <a:pPr algn="ctr"/>
+            <a:r>
+              <a:rPr lang="en-US" dirty="0">
+                <a:solidFill>
+                  <a:prstClr val="black"/>
+                </a:solidFill>
+              </a:rPr>
+              <a:t>Mapping chars to bits</a:t>
+            </a:r>
+          </a:p>
+        </p:txBody>
+      </p:sp>
+      <p:sp>
+        <p:nvSpPr>
+          <p:cNvPr id="11" name="Rectangular Callout 10"/>
+          <p:cNvSpPr/>
+          <p:nvPr/>
+        </p:nvSpPr>
+        <p:spPr>
+          <a:xfrm>
+            <a:off x="1843423" y="2636952"/>
+            <a:ext cx="2064547" cy="612648"/>
+          </a:xfrm>
+          <a:prstGeom prst="wedgeRectCallout">
+            <a:avLst>
+              <a:gd name="adj1" fmla="val 132479"/>
+              <a:gd name="adj2" fmla="val 139969"/>
+            </a:avLst>
+          </a:prstGeom>
+        </p:spPr>
+        <p:style>
+          <a:lnRef idx="2">
+            <a:schemeClr val="accent1"/>
+          </a:lnRef>
+          <a:fillRef idx="1">
+            <a:schemeClr val="lt1"/>
+          </a:fillRef>
+          <a:effectRef idx="0">
+            <a:schemeClr val="accent1"/>
+          </a:effectRef>
+          <a:fontRef idx="minor">
+            <a:schemeClr val="dk1"/>
+          </a:fontRef>
+        </p:style>
+        <p:txBody>
+          <a:bodyPr rtlCol="0" anchor="ctr"/>
+          <a:lstStyle/>
+          <a:p>
+            <a:pPr algn="ctr"/>
+            <a:r>
+              <a:rPr lang="en-US" dirty="0">
+                <a:solidFill>
+                  <a:prstClr val="black"/>
+                </a:solidFill>
+              </a:rPr>
+              <a:t>Maximum size of data field</a:t>
+            </a:r>
           </a:p>
         </p:txBody>
       </p:sp>
     </p:spTree>
     <p:extLst>
       <p:ext uri="{BB962C8B-B14F-4D97-AF65-F5344CB8AC3E}">
-        <p14:creationId xmlns:p14="http://schemas.microsoft.com/office/powerpoint/2010/main" val="289820345"/>
+        <p14:creationId xmlns:p14="http://schemas.microsoft.com/office/powerpoint/2010/main" val="2590323414"/>
       </p:ext>
     </p:extLst>
   </p:cSld>
@@ -14705,6 +14843,35 @@
           <a:chExt cx="0" cy="0"/>
         </a:xfrm>
       </p:grpSpPr>
+      <p:pic>
+        <p:nvPicPr>
+          <p:cNvPr id="5" name="Content Placeholder 4"/>
+          <p:cNvPicPr>
+            <a:picLocks noGrp="1" noChangeAspect="1"/>
+          </p:cNvPicPr>
+          <p:nvPr>
+            <p:ph idx="1"/>
+          </p:nvPr>
+        </p:nvPicPr>
+        <p:blipFill>
+          <a:blip r:embed="rId2">
+            <a:extLst>
+              <a:ext uri="{28A0092B-C50C-407E-A947-70E740481C1C}">
+                <a14:useLocalDpi xmlns:a14="http://schemas.microsoft.com/office/drawing/2010/main" val="0"/>
+              </a:ext>
+            </a:extLst>
+          </a:blip>
+          <a:stretch>
+            <a:fillRect/>
+          </a:stretch>
+        </p:blipFill>
+        <p:spPr>
+          <a:xfrm>
+            <a:off x="5029200" y="1596716"/>
+            <a:ext cx="3511614" cy="4800600"/>
+          </a:xfrm>
+        </p:spPr>
+      </p:pic>
       <p:sp>
         <p:nvSpPr>
           <p:cNvPr id="2" name="Title 1"/>
@@ -14724,7 +14891,14 @@
           <a:p>
             <a:r>
               <a:rPr lang="en-US" dirty="0" smtClean="0"/>
-              <a:t>Interfacing with the Physical Layer</a:t>
+              <a:t>Implementation </a:t>
+            </a:r>
+            <a:br>
+              <a:rPr lang="en-US" dirty="0" smtClean="0"/>
+            </a:br>
+            <a:r>
+              <a:rPr lang="en-US" dirty="0" smtClean="0"/>
+              <a:t>Data field</a:t>
             </a:r>
             <a:endParaRPr lang="en-US" dirty="0"/>
           </a:p>
@@ -14732,90 +14906,168 @@
       </p:sp>
       <p:sp>
         <p:nvSpPr>
-          <p:cNvPr id="3" name="Content Placeholder 2"/>
-          <p:cNvSpPr>
-            <a:spLocks noGrp="1"/>
-          </p:cNvSpPr>
-          <p:nvPr>
-            <p:ph idx="1"/>
-          </p:nvPr>
-        </p:nvSpPr>
-        <p:spPr/>
-        <p:txBody>
-          <a:bodyPr>
-            <a:normAutofit/>
-          </a:bodyPr>
-          <a:lstStyle/>
-          <a:p>
-            <a:r>
-              <a:rPr lang="en-US" dirty="0" smtClean="0"/>
-              <a:t>Teams 1, 2 &amp; 3</a:t>
-            </a:r>
-          </a:p>
-          <a:p>
-            <a:pPr lvl="1"/>
-            <a:r>
-              <a:rPr lang="en-US" dirty="0" smtClean="0"/>
-              <a:t>Length of the frame </a:t>
-            </a:r>
-          </a:p>
-          <a:p>
-            <a:pPr lvl="1"/>
-            <a:r>
-              <a:rPr lang="en-US" dirty="0" smtClean="0"/>
-              <a:t>Format of the bits that are generated by </a:t>
-            </a:r>
-            <a:r>
-              <a:rPr lang="en-US" dirty="0" err="1" smtClean="0"/>
-              <a:t>FrameObj</a:t>
-            </a:r>
-            <a:endParaRPr lang="en-US" dirty="0" smtClean="0"/>
-          </a:p>
-          <a:p>
-            <a:pPr lvl="1"/>
-            <a:r>
-              <a:rPr lang="en-US" dirty="0" smtClean="0"/>
-              <a:t>How to set flags to indicate a new message.</a:t>
-            </a:r>
-          </a:p>
-          <a:p>
-            <a:r>
-              <a:rPr lang="en-US" dirty="0" smtClean="0"/>
-              <a:t>Team 3</a:t>
-            </a:r>
-          </a:p>
-          <a:p>
-            <a:pPr lvl="1"/>
-            <a:r>
-              <a:rPr lang="en-US" dirty="0" smtClean="0"/>
-              <a:t>An additional indicator of whether the message received at the base station is intercellular or intracellular </a:t>
-            </a:r>
-          </a:p>
-          <a:p>
-            <a:pPr marL="402336" lvl="1" indent="0">
-              <a:buNone/>
-            </a:pPr>
-            <a:endParaRPr lang="en-US" dirty="0" smtClean="0"/>
+          <p:cNvPr id="8" name="Rectangular Callout 7"/>
+          <p:cNvSpPr/>
+          <p:nvPr/>
+        </p:nvSpPr>
+        <p:spPr>
+          <a:xfrm>
+            <a:off x="2028484" y="2064308"/>
+            <a:ext cx="2064546" cy="612648"/>
+          </a:xfrm>
+          <a:prstGeom prst="wedgeRectCallout">
+            <a:avLst>
+              <a:gd name="adj1" fmla="val 106116"/>
+              <a:gd name="adj2" fmla="val 111540"/>
+            </a:avLst>
+          </a:prstGeom>
+        </p:spPr>
+        <p:style>
+          <a:lnRef idx="2">
+            <a:schemeClr val="accent1"/>
+          </a:lnRef>
+          <a:fillRef idx="1">
+            <a:schemeClr val="lt1"/>
+          </a:fillRef>
+          <a:effectRef idx="0">
+            <a:schemeClr val="accent1"/>
+          </a:effectRef>
+          <a:fontRef idx="minor">
+            <a:schemeClr val="dk1"/>
+          </a:fontRef>
+        </p:style>
+        <p:txBody>
+          <a:bodyPr rtlCol="0" anchor="ctr"/>
+          <a:lstStyle/>
+          <a:p>
+            <a:pPr algn="ctr"/>
+            <a:r>
+              <a:rPr lang="en-US" dirty="0">
+                <a:solidFill>
+                  <a:prstClr val="black"/>
+                </a:solidFill>
+              </a:rPr>
+              <a:t>Extract the data size</a:t>
+            </a:r>
+          </a:p>
+        </p:txBody>
+      </p:sp>
+      <p:sp>
+        <p:nvSpPr>
+          <p:cNvPr id="10" name="Rectangular Callout 9"/>
+          <p:cNvSpPr/>
+          <p:nvPr/>
+        </p:nvSpPr>
+        <p:spPr>
+          <a:xfrm>
+            <a:off x="2028483" y="3614057"/>
+            <a:ext cx="2064545" cy="914400"/>
+          </a:xfrm>
+          <a:prstGeom prst="wedgeRectCallout">
+            <a:avLst>
+              <a:gd name="adj1" fmla="val 106643"/>
+              <a:gd name="adj2" fmla="val 14860"/>
+            </a:avLst>
+          </a:prstGeom>
+        </p:spPr>
+        <p:style>
+          <a:lnRef idx="2">
+            <a:schemeClr val="accent1"/>
+          </a:lnRef>
+          <a:fillRef idx="1">
+            <a:schemeClr val="lt1"/>
+          </a:fillRef>
+          <a:effectRef idx="0">
+            <a:schemeClr val="accent1"/>
+          </a:effectRef>
+          <a:fontRef idx="minor">
+            <a:schemeClr val="dk1"/>
+          </a:fontRef>
+        </p:style>
+        <p:txBody>
+          <a:bodyPr rtlCol="0" anchor="ctr"/>
+          <a:lstStyle/>
+          <a:p>
+            <a:pPr algn="ctr"/>
+            <a:r>
+              <a:rPr lang="en-US" dirty="0" smtClean="0">
+                <a:solidFill>
+                  <a:prstClr val="black"/>
+                </a:solidFill>
+              </a:rPr>
+              <a:t>The dimensions of the input limit the data size</a:t>
+            </a:r>
+            <a:endParaRPr lang="en-US" dirty="0">
+              <a:solidFill>
+                <a:prstClr val="black"/>
+              </a:solidFill>
+            </a:endParaRPr>
+          </a:p>
+        </p:txBody>
+      </p:sp>
+      <p:sp>
+        <p:nvSpPr>
+          <p:cNvPr id="7" name="Rectangular Callout 6"/>
+          <p:cNvSpPr/>
+          <p:nvPr/>
+        </p:nvSpPr>
+        <p:spPr>
+          <a:xfrm>
+            <a:off x="2028484" y="5181599"/>
+            <a:ext cx="2064545" cy="620487"/>
+          </a:xfrm>
+          <a:prstGeom prst="wedgeRectCallout">
+            <a:avLst>
+              <a:gd name="adj1" fmla="val 107170"/>
+              <a:gd name="adj2" fmla="val -101779"/>
+            </a:avLst>
+          </a:prstGeom>
+        </p:spPr>
+        <p:style>
+          <a:lnRef idx="2">
+            <a:schemeClr val="accent1"/>
+          </a:lnRef>
+          <a:fillRef idx="1">
+            <a:schemeClr val="lt1"/>
+          </a:fillRef>
+          <a:effectRef idx="0">
+            <a:schemeClr val="accent1"/>
+          </a:effectRef>
+          <a:fontRef idx="minor">
+            <a:schemeClr val="dk1"/>
+          </a:fontRef>
+        </p:style>
+        <p:txBody>
+          <a:bodyPr rtlCol="0" anchor="ctr"/>
+          <a:lstStyle/>
+          <a:p>
+            <a:pPr algn="ctr"/>
+            <a:r>
+              <a:rPr lang="en-US" dirty="0">
+                <a:solidFill>
+                  <a:prstClr val="black"/>
+                </a:solidFill>
+              </a:rPr>
+              <a:t>Maximum size of data field</a:t>
+            </a:r>
+            <a:endParaRPr lang="en-US" dirty="0">
+              <a:solidFill>
+                <a:prstClr val="black"/>
+              </a:solidFill>
+            </a:endParaRPr>
           </a:p>
         </p:txBody>
       </p:sp>
     </p:spTree>
     <p:extLst>
       <p:ext uri="{BB962C8B-B14F-4D97-AF65-F5344CB8AC3E}">
-        <p14:creationId xmlns:p14="http://schemas.microsoft.com/office/powerpoint/2010/main" val="1309664747"/>
+        <p14:creationId xmlns:p14="http://schemas.microsoft.com/office/powerpoint/2010/main" val="1403102588"/>
       </p:ext>
     </p:extLst>
   </p:cSld>
   <p:clrMapOvr>
     <a:masterClrMapping/>
   </p:clrMapOvr>
-  <p:timing>
-    <p:tnLst>
-      <p:par>
-        <p:cTn id="1" dur="indefinite" restart="never" nodeType="tmRoot"/>
-      </p:par>
-    </p:tnLst>
-  </p:timing>
 </p:sld>
 </file>
 
@@ -14891,17 +15143,6 @@
               </a:rPr>
               <a:t>Purpose</a:t>
             </a:r>
-            <a:r>
-              <a:rPr lang="en-US" sz="2000" dirty="0" smtClean="0">
-                <a:latin typeface="Arial" panose="020B0604020202020204" pitchFamily="34" charset="0"/>
-                <a:cs typeface="Arial" panose="020B0604020202020204" pitchFamily="34" charset="0"/>
-              </a:rPr>
-              <a:t>(alternate title)</a:t>
-            </a:r>
-            <a:endParaRPr lang="en-US" sz="2000" dirty="0">
-              <a:latin typeface="Arial" panose="020B0604020202020204" pitchFamily="34" charset="0"/>
-              <a:cs typeface="Arial" panose="020B0604020202020204" pitchFamily="34" charset="0"/>
-            </a:endParaRPr>
           </a:p>
           <a:p>
             <a:r>
@@ -14909,38 +15150,28 @@
                 <a:latin typeface="Arial" panose="020B0604020202020204" pitchFamily="34" charset="0"/>
                 <a:cs typeface="Arial" panose="020B0604020202020204" pitchFamily="34" charset="0"/>
               </a:rPr>
-              <a:t>Proposed Diagram</a:t>
-            </a:r>
-            <a:r>
-              <a:rPr lang="en-US" sz="2000" dirty="0" smtClean="0">
+              <a:t>Data Transmission in the MAC Layer</a:t>
+            </a:r>
+          </a:p>
+          <a:p>
+            <a:r>
+              <a:rPr lang="en-US" sz="2400" dirty="0" err="1" smtClean="0">
                 <a:latin typeface="Arial" panose="020B0604020202020204" pitchFamily="34" charset="0"/>
                 <a:cs typeface="Arial" panose="020B0604020202020204" pitchFamily="34" charset="0"/>
               </a:rPr>
-              <a:t>(Data Transmission in the MAC Layer?)</a:t>
-            </a:r>
-          </a:p>
-          <a:p>
+              <a:t>Matlab</a:t>
+            </a:r>
             <a:r>
               <a:rPr lang="en-US" sz="2400" dirty="0" smtClean="0">
                 <a:latin typeface="Arial" panose="020B0604020202020204" pitchFamily="34" charset="0"/>
                 <a:cs typeface="Arial" panose="020B0604020202020204" pitchFamily="34" charset="0"/>
               </a:rPr>
-              <a:t>Implementation (</a:t>
-            </a:r>
-            <a:r>
-              <a:rPr lang="en-US" sz="2000" dirty="0" err="1" smtClean="0">
-                <a:latin typeface="Arial" panose="020B0604020202020204" pitchFamily="34" charset="0"/>
-                <a:cs typeface="Arial" panose="020B0604020202020204" pitchFamily="34" charset="0"/>
-              </a:rPr>
-              <a:t>Matlab</a:t>
-            </a:r>
-            <a:r>
-              <a:rPr lang="en-US" sz="2000" dirty="0" smtClean="0">
-                <a:latin typeface="Arial" panose="020B0604020202020204" pitchFamily="34" charset="0"/>
-                <a:cs typeface="Arial" panose="020B0604020202020204" pitchFamily="34" charset="0"/>
-              </a:rPr>
-              <a:t> Code?)</a:t>
-            </a:r>
+              <a:t> Code</a:t>
+            </a:r>
+            <a:endParaRPr lang="en-US" sz="2000" dirty="0" smtClean="0">
+              <a:latin typeface="Arial" panose="020B0604020202020204" pitchFamily="34" charset="0"/>
+              <a:cs typeface="Arial" panose="020B0604020202020204" pitchFamily="34" charset="0"/>
+            </a:endParaRPr>
           </a:p>
           <a:p>
             <a:r>
@@ -14948,28 +15179,7 @@
                 <a:latin typeface="Arial" panose="020B0604020202020204" pitchFamily="34" charset="0"/>
                 <a:cs typeface="Arial" panose="020B0604020202020204" pitchFamily="34" charset="0"/>
               </a:rPr>
-              <a:t>Interfacing </a:t>
-            </a:r>
-            <a:r>
-              <a:rPr lang="en-US" sz="2000" dirty="0" smtClean="0">
-                <a:latin typeface="Arial" panose="020B0604020202020204" pitchFamily="34" charset="0"/>
-                <a:cs typeface="Arial" panose="020B0604020202020204" pitchFamily="34" charset="0"/>
-              </a:rPr>
-              <a:t>(alternate </a:t>
-            </a:r>
-            <a:r>
-              <a:rPr lang="en-US" sz="2000" dirty="0">
-                <a:latin typeface="Arial" panose="020B0604020202020204" pitchFamily="34" charset="0"/>
-                <a:cs typeface="Arial" panose="020B0604020202020204" pitchFamily="34" charset="0"/>
-              </a:rPr>
-              <a:t>title</a:t>
-            </a:r>
-            <a:r>
-              <a:rPr lang="en-US" sz="2000" dirty="0" smtClean="0">
-                <a:latin typeface="Arial" panose="020B0604020202020204" pitchFamily="34" charset="0"/>
-                <a:cs typeface="Arial" panose="020B0604020202020204" pitchFamily="34" charset="0"/>
-              </a:rPr>
-              <a:t>)</a:t>
+              <a:t>Interfacing with the other Modules</a:t>
             </a:r>
           </a:p>
           <a:p>
@@ -14978,27 +15188,7 @@
                 <a:latin typeface="Arial" panose="020B0604020202020204" pitchFamily="34" charset="0"/>
                 <a:cs typeface="Arial" panose="020B0604020202020204" pitchFamily="34" charset="0"/>
               </a:rPr>
-              <a:t>Recorded Demonstration (</a:t>
-            </a:r>
-            <a:r>
-              <a:rPr lang="en-US" sz="2000" dirty="0" smtClean="0"/>
-              <a:t>‘End-to-End</a:t>
-            </a:r>
-            <a:r>
-              <a:rPr lang="en-US" sz="2000" dirty="0"/>
-              <a:t>’ or </a:t>
-            </a:r>
-            <a:r>
-              <a:rPr lang="en-US" sz="2000" dirty="0" smtClean="0"/>
-              <a:t>Point-to-Point </a:t>
-            </a:r>
-            <a:r>
-              <a:rPr lang="en-US" sz="2000" dirty="0"/>
-              <a:t>Simulation of Data Transmission and ACK </a:t>
-            </a:r>
-            <a:r>
-              <a:rPr lang="en-US" sz="2000" dirty="0" smtClean="0"/>
-              <a:t>Response?)</a:t>
+              <a:t>‘End-to-End’ Simulation of Data Transmission and ACK Response</a:t>
             </a:r>
             <a:endParaRPr lang="en-US" sz="2000" dirty="0" smtClean="0">
               <a:latin typeface="Arial" panose="020B0604020202020204" pitchFamily="34" charset="0"/>
@@ -15011,30 +15201,9 @@
                 <a:latin typeface="Arial" panose="020B0604020202020204" pitchFamily="34" charset="0"/>
                 <a:cs typeface="Arial" panose="020B0604020202020204" pitchFamily="34" charset="0"/>
               </a:rPr>
-              <a:t>Lesson Learned (</a:t>
-            </a:r>
-            <a:r>
-              <a:rPr lang="en-US" sz="2000" dirty="0" smtClean="0"/>
-              <a:t>The Limitations </a:t>
-            </a:r>
-            <a:r>
-              <a:rPr lang="en-US" sz="2000" dirty="0"/>
-              <a:t>of the MAC </a:t>
-            </a:r>
-            <a:r>
-              <a:rPr lang="en-US" sz="2000" dirty="0" smtClean="0"/>
-              <a:t>Layer?)</a:t>
-            </a:r>
-            <a:endParaRPr lang="en-US" sz="2000" dirty="0" smtClean="0">
-              <a:latin typeface="Arial" panose="020B0604020202020204" pitchFamily="34" charset="0"/>
-              <a:cs typeface="Arial" panose="020B0604020202020204" pitchFamily="34" charset="0"/>
-            </a:endParaRPr>
-          </a:p>
-          <a:p>
-            <a:endParaRPr lang="en-US" sz="2400" dirty="0">
-              <a:latin typeface="Arial" panose="020B0604020202020204" pitchFamily="34" charset="0"/>
-              <a:cs typeface="Arial" panose="020B0604020202020204" pitchFamily="34" charset="0"/>
-            </a:endParaRPr>
+              <a:t>The Limitations of the MAC Layer</a:t>
+            </a:r>
+            <a:endParaRPr lang="en-US" sz="2000" dirty="0" smtClean="0"/>
           </a:p>
         </p:txBody>
       </p:sp>
@@ -15126,6 +15295,34 @@
           <a:chExt cx="0" cy="0"/>
         </a:xfrm>
       </p:grpSpPr>
+      <p:pic>
+        <p:nvPicPr>
+          <p:cNvPr id="7" name="Content Placeholder 6"/>
+          <p:cNvPicPr>
+            <a:picLocks noGrp="1" noChangeAspect="1"/>
+          </p:cNvPicPr>
+          <p:nvPr>
+            <p:ph idx="1"/>
+          </p:nvPr>
+        </p:nvPicPr>
+        <p:blipFill rotWithShape="1">
+          <a:blip r:embed="rId2">
+            <a:extLst>
+              <a:ext uri="{28A0092B-C50C-407E-A947-70E740481C1C}">
+                <a14:useLocalDpi xmlns:a14="http://schemas.microsoft.com/office/drawing/2010/main" val="0"/>
+              </a:ext>
+            </a:extLst>
+          </a:blip>
+          <a:srcRect t="13127" r="-2212" b="2772"/>
+          <a:stretch/>
+        </p:blipFill>
+        <p:spPr>
+          <a:xfrm>
+            <a:off x="3771724" y="1458686"/>
+            <a:ext cx="5219876" cy="5061857"/>
+          </a:xfrm>
+        </p:spPr>
+      </p:pic>
       <p:sp>
         <p:nvSpPr>
           <p:cNvPr id="2" name="Title 1"/>
@@ -15138,12 +15335,395 @@
         </p:nvSpPr>
         <p:spPr/>
         <p:txBody>
+          <a:bodyPr>
+            <a:normAutofit fontScale="90000"/>
+          </a:bodyPr>
+          <a:lstStyle/>
+          <a:p>
+            <a:r>
+              <a:rPr lang="en-US" dirty="0" smtClean="0"/>
+              <a:t>Implementation </a:t>
+            </a:r>
+            <a:br>
+              <a:rPr lang="en-US" dirty="0" smtClean="0"/>
+            </a:br>
+            <a:r>
+              <a:rPr lang="en-US" dirty="0" smtClean="0"/>
+              <a:t>Receiving a Frame</a:t>
+            </a:r>
+            <a:endParaRPr lang="en-US" dirty="0"/>
+          </a:p>
+        </p:txBody>
+      </p:sp>
+      <p:sp>
+        <p:nvSpPr>
+          <p:cNvPr id="9" name="Rectangular Callout 8"/>
+          <p:cNvSpPr/>
+          <p:nvPr/>
+        </p:nvSpPr>
+        <p:spPr>
+          <a:xfrm>
+            <a:off x="1582170" y="1756029"/>
+            <a:ext cx="2064546" cy="612648"/>
+          </a:xfrm>
+          <a:prstGeom prst="wedgeRectCallout">
+            <a:avLst>
+              <a:gd name="adj1" fmla="val 62435"/>
+              <a:gd name="adj2" fmla="val -45932"/>
+            </a:avLst>
+          </a:prstGeom>
+        </p:spPr>
+        <p:style>
+          <a:lnRef idx="2">
+            <a:schemeClr val="accent1"/>
+          </a:lnRef>
+          <a:fillRef idx="1">
+            <a:schemeClr val="lt1"/>
+          </a:fillRef>
+          <a:effectRef idx="0">
+            <a:schemeClr val="accent1"/>
+          </a:effectRef>
+          <a:fontRef idx="minor">
+            <a:schemeClr val="dk1"/>
+          </a:fontRef>
+        </p:style>
+        <p:txBody>
+          <a:bodyPr rtlCol="0" anchor="ctr"/>
+          <a:lstStyle/>
+          <a:p>
+            <a:pPr algn="ctr"/>
+            <a:r>
+              <a:rPr lang="en-US" dirty="0">
+                <a:solidFill>
+                  <a:prstClr val="black"/>
+                </a:solidFill>
+              </a:rPr>
+              <a:t>Check The </a:t>
+            </a:r>
+            <a:r>
+              <a:rPr lang="en-US" dirty="0" err="1">
+                <a:solidFill>
+                  <a:prstClr val="black"/>
+                </a:solidFill>
+              </a:rPr>
+              <a:t>FrameType</a:t>
+            </a:r>
+            <a:endParaRPr lang="en-US" dirty="0">
+              <a:solidFill>
+                <a:prstClr val="black"/>
+              </a:solidFill>
+            </a:endParaRPr>
+          </a:p>
+        </p:txBody>
+      </p:sp>
+      <p:sp>
+        <p:nvSpPr>
+          <p:cNvPr id="11" name="Rectangular Callout 10"/>
+          <p:cNvSpPr/>
+          <p:nvPr/>
+        </p:nvSpPr>
+        <p:spPr>
+          <a:xfrm>
+            <a:off x="1582170" y="2677886"/>
+            <a:ext cx="2064546" cy="521154"/>
+          </a:xfrm>
+          <a:prstGeom prst="wedgeRectCallout">
+            <a:avLst>
+              <a:gd name="adj1" fmla="val 73455"/>
+              <a:gd name="adj2" fmla="val -57667"/>
+            </a:avLst>
+          </a:prstGeom>
+        </p:spPr>
+        <p:style>
+          <a:lnRef idx="2">
+            <a:schemeClr val="accent1"/>
+          </a:lnRef>
+          <a:fillRef idx="1">
+            <a:schemeClr val="lt1"/>
+          </a:fillRef>
+          <a:effectRef idx="0">
+            <a:schemeClr val="accent1"/>
+          </a:effectRef>
+          <a:fontRef idx="minor">
+            <a:schemeClr val="dk1"/>
+          </a:fontRef>
+        </p:style>
+        <p:txBody>
+          <a:bodyPr rtlCol="0" anchor="ctr"/>
+          <a:lstStyle/>
+          <a:p>
+            <a:pPr algn="ctr"/>
+            <a:r>
+              <a:rPr lang="en-US" dirty="0">
+                <a:solidFill>
+                  <a:prstClr val="black"/>
+                </a:solidFill>
+              </a:rPr>
+              <a:t>Verify the data CRC</a:t>
+            </a:r>
+          </a:p>
+        </p:txBody>
+      </p:sp>
+      <p:sp>
+        <p:nvSpPr>
+          <p:cNvPr id="12" name="Rectangular Callout 11"/>
+          <p:cNvSpPr/>
+          <p:nvPr/>
+        </p:nvSpPr>
+        <p:spPr>
+          <a:xfrm>
+            <a:off x="1551384" y="5958294"/>
+            <a:ext cx="2095332" cy="399505"/>
+          </a:xfrm>
+          <a:prstGeom prst="wedgeRectCallout">
+            <a:avLst>
+              <a:gd name="adj1" fmla="val 62316"/>
+              <a:gd name="adj2" fmla="val -9530"/>
+            </a:avLst>
+          </a:prstGeom>
+        </p:spPr>
+        <p:style>
+          <a:lnRef idx="2">
+            <a:schemeClr val="accent1"/>
+          </a:lnRef>
+          <a:fillRef idx="1">
+            <a:schemeClr val="lt1"/>
+          </a:fillRef>
+          <a:effectRef idx="0">
+            <a:schemeClr val="accent1"/>
+          </a:effectRef>
+          <a:fontRef idx="minor">
+            <a:schemeClr val="dk1"/>
+          </a:fontRef>
+        </p:style>
+        <p:txBody>
+          <a:bodyPr rtlCol="0" anchor="ctr"/>
+          <a:lstStyle/>
+          <a:p>
+            <a:pPr algn="ctr"/>
+            <a:r>
+              <a:rPr lang="en-US" dirty="0">
+                <a:solidFill>
+                  <a:prstClr val="black"/>
+                </a:solidFill>
+              </a:rPr>
+              <a:t>Drop Invalid Frame</a:t>
+            </a:r>
+          </a:p>
+        </p:txBody>
+      </p:sp>
+      <p:sp>
+        <p:nvSpPr>
+          <p:cNvPr id="8" name="Rectangular Callout 7"/>
+          <p:cNvSpPr/>
+          <p:nvPr/>
+        </p:nvSpPr>
+        <p:spPr>
+          <a:xfrm>
+            <a:off x="1582170" y="3994623"/>
+            <a:ext cx="2095332" cy="612648"/>
+          </a:xfrm>
+          <a:prstGeom prst="wedgeRectCallout">
+            <a:avLst>
+              <a:gd name="adj1" fmla="val 87131"/>
+              <a:gd name="adj2" fmla="val -96438"/>
+            </a:avLst>
+          </a:prstGeom>
+        </p:spPr>
+        <p:style>
+          <a:lnRef idx="2">
+            <a:schemeClr val="accent1"/>
+          </a:lnRef>
+          <a:fillRef idx="1">
+            <a:schemeClr val="lt1"/>
+          </a:fillRef>
+          <a:effectRef idx="0">
+            <a:schemeClr val="accent1"/>
+          </a:effectRef>
+          <a:fontRef idx="minor">
+            <a:schemeClr val="dk1"/>
+          </a:fontRef>
+        </p:style>
+        <p:txBody>
+          <a:bodyPr rtlCol="0" anchor="ctr"/>
+          <a:lstStyle/>
+          <a:p>
+            <a:pPr algn="ctr"/>
+            <a:r>
+              <a:rPr lang="en-US" dirty="0">
+                <a:solidFill>
+                  <a:prstClr val="black"/>
+                </a:solidFill>
+              </a:rPr>
+              <a:t>Create </a:t>
+            </a:r>
+            <a:r>
+              <a:rPr lang="en-US" dirty="0" smtClean="0">
+                <a:solidFill>
+                  <a:prstClr val="black"/>
+                </a:solidFill>
+              </a:rPr>
+              <a:t>only one  </a:t>
+            </a:r>
+            <a:r>
+              <a:rPr lang="en-US" dirty="0">
+                <a:solidFill>
+                  <a:prstClr val="black"/>
+                </a:solidFill>
+              </a:rPr>
+              <a:t>ACK to send back</a:t>
+            </a:r>
+          </a:p>
+        </p:txBody>
+      </p:sp>
+    </p:spTree>
+    <p:extLst>
+      <p:ext uri="{BB962C8B-B14F-4D97-AF65-F5344CB8AC3E}">
+        <p14:creationId xmlns:p14="http://schemas.microsoft.com/office/powerpoint/2010/main" val="3835076324"/>
+      </p:ext>
+    </p:extLst>
+  </p:cSld>
+  <p:clrMapOvr>
+    <a:masterClrMapping/>
+  </p:clrMapOvr>
+</p:sld>
+</file>
+
+<file path=ppt/slides/slide21.xml><?xml version="1.0" encoding="utf-8"?>
+<p:sld xmlns:a="http://schemas.openxmlformats.org/drawingml/2006/main" xmlns:r="http://schemas.openxmlformats.org/officeDocument/2006/relationships" xmlns:p="http://schemas.openxmlformats.org/presentationml/2006/main">
+  <p:cSld>
+    <p:spTree>
+      <p:nvGrpSpPr>
+        <p:cNvPr id="1" name=""/>
+        <p:cNvGrpSpPr/>
+        <p:nvPr/>
+      </p:nvGrpSpPr>
+      <p:grpSpPr>
+        <a:xfrm>
+          <a:off x="0" y="0"/>
+          <a:ext cx="0" cy="0"/>
+          <a:chOff x="0" y="0"/>
+          <a:chExt cx="0" cy="0"/>
+        </a:xfrm>
+      </p:grpSpPr>
+      <p:sp>
+        <p:nvSpPr>
+          <p:cNvPr id="2" name="Title 1"/>
+          <p:cNvSpPr>
+            <a:spLocks noGrp="1"/>
+          </p:cNvSpPr>
+          <p:nvPr>
+            <p:ph type="title"/>
+          </p:nvPr>
+        </p:nvSpPr>
+        <p:spPr/>
+        <p:txBody>
           <a:bodyPr/>
           <a:lstStyle/>
           <a:p>
             <a:r>
               <a:rPr lang="en-US" dirty="0" smtClean="0"/>
-              <a:t>Initializing the network</a:t>
+              <a:t>Interfacing Diagram</a:t>
+            </a:r>
+            <a:endParaRPr lang="en-US" dirty="0"/>
+          </a:p>
+        </p:txBody>
+      </p:sp>
+      <p:pic>
+        <p:nvPicPr>
+          <p:cNvPr id="2050" name="Picture 2" descr="C:\Users\MINE\Downloads\Interface_final.png"/>
+          <p:cNvPicPr>
+            <a:picLocks noChangeAspect="1" noChangeArrowheads="1"/>
+          </p:cNvPicPr>
+          <p:nvPr/>
+        </p:nvPicPr>
+        <p:blipFill>
+          <a:blip r:embed="rId2">
+            <a:extLst>
+              <a:ext uri="{28A0092B-C50C-407E-A947-70E740481C1C}">
+                <a14:useLocalDpi xmlns:a14="http://schemas.microsoft.com/office/drawing/2010/main" val="0"/>
+              </a:ext>
+            </a:extLst>
+          </a:blip>
+          <a:srcRect/>
+          <a:stretch>
+            <a:fillRect/>
+          </a:stretch>
+        </p:blipFill>
+        <p:spPr bwMode="auto">
+          <a:xfrm>
+            <a:off x="1431244" y="1472351"/>
+            <a:ext cx="7516813" cy="5089013"/>
+          </a:xfrm>
+          <a:prstGeom prst="rect">
+            <a:avLst/>
+          </a:prstGeom>
+          <a:noFill/>
+          <a:extLst>
+            <a:ext uri="{909E8E84-426E-40DD-AFC4-6F175D3DCCD1}">
+              <a14:hiddenFill xmlns:a14="http://schemas.microsoft.com/office/drawing/2010/main">
+                <a:solidFill>
+                  <a:srgbClr val="FFFFFF"/>
+                </a:solidFill>
+              </a14:hiddenFill>
+            </a:ext>
+          </a:extLst>
+        </p:spPr>
+      </p:pic>
+    </p:spTree>
+    <p:extLst>
+      <p:ext uri="{BB962C8B-B14F-4D97-AF65-F5344CB8AC3E}">
+        <p14:creationId xmlns:p14="http://schemas.microsoft.com/office/powerpoint/2010/main" val="2328289787"/>
+      </p:ext>
+    </p:extLst>
+  </p:cSld>
+  <p:clrMapOvr>
+    <a:masterClrMapping/>
+  </p:clrMapOvr>
+</p:sld>
+</file>
+
+<file path=ppt/slides/slide22.xml><?xml version="1.0" encoding="utf-8"?>
+<p:sld xmlns:a="http://schemas.openxmlformats.org/drawingml/2006/main" xmlns:r="http://schemas.openxmlformats.org/officeDocument/2006/relationships" xmlns:p="http://schemas.openxmlformats.org/presentationml/2006/main">
+  <p:cSld>
+    <p:spTree>
+      <p:nvGrpSpPr>
+        <p:cNvPr id="1" name=""/>
+        <p:cNvGrpSpPr/>
+        <p:nvPr/>
+      </p:nvGrpSpPr>
+      <p:grpSpPr>
+        <a:xfrm>
+          <a:off x="0" y="0"/>
+          <a:ext cx="0" cy="0"/>
+          <a:chOff x="0" y="0"/>
+          <a:chExt cx="0" cy="0"/>
+        </a:xfrm>
+      </p:grpSpPr>
+      <p:sp>
+        <p:nvSpPr>
+          <p:cNvPr id="2" name="Title 1"/>
+          <p:cNvSpPr>
+            <a:spLocks noGrp="1"/>
+          </p:cNvSpPr>
+          <p:nvPr>
+            <p:ph type="title"/>
+          </p:nvPr>
+        </p:nvSpPr>
+        <p:spPr/>
+        <p:txBody>
+          <a:bodyPr>
+            <a:normAutofit fontScale="90000"/>
+          </a:bodyPr>
+          <a:lstStyle/>
+          <a:p>
+            <a:r>
+              <a:rPr lang="en-US" dirty="0" smtClean="0"/>
+              <a:t>Interfacing with the Physical </a:t>
+            </a:r>
+            <a:r>
+              <a:rPr lang="en-US" dirty="0" smtClean="0"/>
+              <a:t>Modules</a:t>
             </a:r>
             <a:endParaRPr lang="en-US" dirty="0"/>
           </a:p>
@@ -15161,7 +15741,177 @@
         </p:nvSpPr>
         <p:spPr/>
         <p:txBody>
-          <a:bodyPr/>
+          <a:bodyPr>
+            <a:normAutofit lnSpcReduction="10000"/>
+          </a:bodyPr>
+          <a:lstStyle/>
+          <a:p>
+            <a:r>
+              <a:rPr lang="en-US" dirty="0" smtClean="0"/>
+              <a:t>Teams 1, 2 &amp; 3</a:t>
+            </a:r>
+          </a:p>
+          <a:p>
+            <a:pPr lvl="1"/>
+            <a:r>
+              <a:rPr lang="en-US" dirty="0" smtClean="0"/>
+              <a:t>Format </a:t>
+            </a:r>
+            <a:r>
+              <a:rPr lang="en-US" dirty="0" smtClean="0"/>
+              <a:t>of the bits that are generated by </a:t>
+            </a:r>
+            <a:r>
+              <a:rPr lang="en-US" dirty="0" err="1" smtClean="0"/>
+              <a:t>FrameObj</a:t>
+            </a:r>
+            <a:endParaRPr lang="en-US" dirty="0" smtClean="0"/>
+          </a:p>
+          <a:p>
+            <a:pPr lvl="2"/>
+            <a:r>
+              <a:rPr lang="en-US" dirty="0"/>
+              <a:t>Length of the frame </a:t>
+            </a:r>
+            <a:endParaRPr lang="en-US" dirty="0" smtClean="0"/>
+          </a:p>
+          <a:p>
+            <a:pPr lvl="2"/>
+            <a:r>
+              <a:rPr lang="en-US" dirty="0" smtClean="0"/>
+              <a:t>Order of the bits</a:t>
+            </a:r>
+            <a:endParaRPr lang="en-US" dirty="0" smtClean="0"/>
+          </a:p>
+          <a:p>
+            <a:pPr lvl="1"/>
+            <a:r>
+              <a:rPr lang="en-US" dirty="0" smtClean="0"/>
+              <a:t>How to exchange data between the layers</a:t>
+            </a:r>
+          </a:p>
+          <a:p>
+            <a:pPr lvl="2"/>
+            <a:r>
+              <a:rPr lang="en-US" dirty="0" smtClean="0"/>
+              <a:t>Flags to indicate new messages</a:t>
+            </a:r>
+          </a:p>
+          <a:p>
+            <a:pPr lvl="2"/>
+            <a:r>
+              <a:rPr lang="en-US" dirty="0" smtClean="0"/>
+              <a:t>Callbacks </a:t>
+            </a:r>
+            <a:endParaRPr lang="en-US" dirty="0" smtClean="0"/>
+          </a:p>
+          <a:p>
+            <a:r>
+              <a:rPr lang="en-US" dirty="0" smtClean="0"/>
+              <a:t>Team 3</a:t>
+            </a:r>
+          </a:p>
+          <a:p>
+            <a:pPr lvl="1"/>
+            <a:r>
+              <a:rPr lang="en-US" dirty="0" smtClean="0"/>
+              <a:t>Additional processing to route the message</a:t>
+            </a:r>
+            <a:endParaRPr lang="en-US" dirty="0" smtClean="0"/>
+          </a:p>
+          <a:p>
+            <a:pPr marL="402336" lvl="1" indent="0">
+              <a:buNone/>
+            </a:pPr>
+            <a:endParaRPr lang="en-US" dirty="0" smtClean="0"/>
+          </a:p>
+        </p:txBody>
+      </p:sp>
+    </p:spTree>
+    <p:extLst>
+      <p:ext uri="{BB962C8B-B14F-4D97-AF65-F5344CB8AC3E}">
+        <p14:creationId xmlns:p14="http://schemas.microsoft.com/office/powerpoint/2010/main" val="1764690841"/>
+      </p:ext>
+    </p:extLst>
+  </p:cSld>
+  <p:clrMapOvr>
+    <a:masterClrMapping/>
+  </p:clrMapOvr>
+  <p:timing>
+    <p:tnLst>
+      <p:par>
+        <p:cTn id="1" dur="indefinite" restart="never" nodeType="tmRoot"/>
+      </p:par>
+    </p:tnLst>
+  </p:timing>
+</p:sld>
+</file>
+
+<file path=ppt/slides/slide23.xml><?xml version="1.0" encoding="utf-8"?>
+<p:sld xmlns:a="http://schemas.openxmlformats.org/drawingml/2006/main" xmlns:r="http://schemas.openxmlformats.org/officeDocument/2006/relationships" xmlns:p="http://schemas.openxmlformats.org/presentationml/2006/main">
+  <p:cSld>
+    <p:spTree>
+      <p:nvGrpSpPr>
+        <p:cNvPr id="1" name=""/>
+        <p:cNvGrpSpPr/>
+        <p:nvPr/>
+      </p:nvGrpSpPr>
+      <p:grpSpPr>
+        <a:xfrm>
+          <a:off x="0" y="0"/>
+          <a:ext cx="0" cy="0"/>
+          <a:chOff x="0" y="0"/>
+          <a:chExt cx="0" cy="0"/>
+        </a:xfrm>
+      </p:grpSpPr>
+      <p:sp>
+        <p:nvSpPr>
+          <p:cNvPr id="2" name="Title 1"/>
+          <p:cNvSpPr>
+            <a:spLocks noGrp="1"/>
+          </p:cNvSpPr>
+          <p:nvPr>
+            <p:ph type="title"/>
+          </p:nvPr>
+        </p:nvSpPr>
+        <p:spPr/>
+        <p:txBody>
+          <a:bodyPr>
+            <a:normAutofit fontScale="90000"/>
+          </a:bodyPr>
+          <a:lstStyle/>
+          <a:p>
+            <a:r>
+              <a:rPr lang="en-US" dirty="0" smtClean="0"/>
+              <a:t>Interfacing with the </a:t>
+            </a:r>
+            <a:r>
+              <a:rPr lang="en-US" dirty="0" smtClean="0"/>
+              <a:t>N</a:t>
+            </a:r>
+            <a:r>
+              <a:rPr lang="en-US" dirty="0" smtClean="0"/>
+              <a:t>etwork Modules</a:t>
+            </a:r>
+            <a:endParaRPr lang="en-US" dirty="0"/>
+          </a:p>
+        </p:txBody>
+      </p:sp>
+      <p:sp>
+        <p:nvSpPr>
+          <p:cNvPr id="3" name="Content Placeholder 2"/>
+          <p:cNvSpPr>
+            <a:spLocks noGrp="1"/>
+          </p:cNvSpPr>
+          <p:nvPr>
+            <p:ph idx="1"/>
+          </p:nvPr>
+        </p:nvSpPr>
+        <p:spPr/>
+        <p:txBody>
+          <a:bodyPr>
+            <a:normAutofit lnSpcReduction="10000"/>
+          </a:bodyPr>
           <a:lstStyle/>
           <a:p>
             <a:r>
@@ -15173,14 +15923,40 @@
             <a:pPr lvl="1"/>
             <a:r>
               <a:rPr lang="en-US" dirty="0" smtClean="0"/>
-              <a:t>We share the same ACK </a:t>
+              <a:t>The ACK frame is reused </a:t>
             </a:r>
           </a:p>
           <a:p>
             <a:pPr lvl="1"/>
             <a:r>
+              <a:rPr lang="en-US" dirty="0"/>
+              <a:t>T</a:t>
+            </a:r>
+            <a:r>
               <a:rPr lang="en-US" dirty="0" smtClean="0"/>
-              <a:t>They use the same basic frame configuration as the basis for their Polling and Request frames.  </a:t>
+              <a:t>he </a:t>
+            </a:r>
+            <a:r>
+              <a:rPr lang="en-US" dirty="0" smtClean="0"/>
+              <a:t>same basic frame </a:t>
+            </a:r>
+            <a:r>
+              <a:rPr lang="en-US" dirty="0" smtClean="0"/>
+              <a:t>construction is used</a:t>
+            </a:r>
+          </a:p>
+          <a:p>
+            <a:pPr lvl="2"/>
+            <a:r>
+              <a:rPr lang="en-US" dirty="0" smtClean="0"/>
+              <a:t>Polling Frame</a:t>
+            </a:r>
+          </a:p>
+          <a:p>
+            <a:pPr lvl="2"/>
+            <a:r>
+              <a:rPr lang="en-US" dirty="0" smtClean="0"/>
+              <a:t>Request Frame</a:t>
             </a:r>
             <a:endParaRPr lang="en-US" dirty="0"/>
           </a:p>
@@ -15193,9 +15969,52 @@
           <a:p>
             <a:pPr lvl="1"/>
             <a:r>
+              <a:rPr lang="en-US" dirty="0" smtClean="0"/>
+              <a:t>The address </a:t>
+            </a:r>
+            <a:r>
               <a:rPr lang="en-US" dirty="0"/>
-              <a:t>Use address table from team 5 to determine which physical resource will send the frame.</a:t>
-            </a:r>
+              <a:t>table </a:t>
+            </a:r>
+            <a:r>
+              <a:rPr lang="en-US" dirty="0" smtClean="0"/>
+              <a:t>determines </a:t>
+            </a:r>
+            <a:r>
+              <a:rPr lang="en-US" dirty="0"/>
+              <a:t>which physical resource will </a:t>
+            </a:r>
+            <a:r>
+              <a:rPr lang="en-US" dirty="0" smtClean="0"/>
+              <a:t>route </a:t>
+            </a:r>
+            <a:r>
+              <a:rPr lang="en-US" dirty="0"/>
+              <a:t>the </a:t>
+            </a:r>
+            <a:r>
+              <a:rPr lang="en-US" dirty="0" smtClean="0"/>
+              <a:t>frames.</a:t>
+            </a:r>
+          </a:p>
+          <a:p>
+            <a:pPr lvl="1"/>
+            <a:r>
+              <a:rPr lang="en-US" dirty="0"/>
+              <a:t>The same basic frame construction is used</a:t>
+            </a:r>
+          </a:p>
+          <a:p>
+            <a:pPr lvl="2"/>
+            <a:r>
+              <a:rPr lang="en-US" dirty="0" smtClean="0"/>
+              <a:t>Table Frame</a:t>
+            </a:r>
+            <a:endParaRPr lang="en-US" dirty="0"/>
+          </a:p>
+          <a:p>
+            <a:pPr lvl="1"/>
+            <a:endParaRPr lang="en-US" dirty="0"/>
           </a:p>
           <a:p>
             <a:endParaRPr lang="en-US" dirty="0" smtClean="0"/>
@@ -15226,7 +16045,7 @@
 </p:sld>
 </file>
 
-<file path=ppt/slides/slide21.xml><?xml version="1.0" encoding="utf-8"?>
+<file path=ppt/slides/slide24.xml><?xml version="1.0" encoding="utf-8"?>
 <p:sld xmlns:a="http://schemas.openxmlformats.org/drawingml/2006/main" xmlns:r="http://schemas.openxmlformats.org/officeDocument/2006/relationships" xmlns:p="http://schemas.openxmlformats.org/presentationml/2006/main">
   <p:cSld>
     <p:spTree>
@@ -15243,9 +16062,271 @@
           <a:chExt cx="0" cy="0"/>
         </a:xfrm>
       </p:grpSpPr>
-      <p:sp>
-        <p:nvSpPr>
-          <p:cNvPr id="2" name="Title 1"/>
+      <p:graphicFrame>
+        <p:nvGraphicFramePr>
+          <p:cNvPr id="10" name="Table 9"/>
+          <p:cNvGraphicFramePr>
+            <a:graphicFrameLocks noGrp="1"/>
+          </p:cNvGraphicFramePr>
+          <p:nvPr>
+            <p:extLst>
+              <p:ext uri="{D42A27DB-BD31-4B8C-83A1-F6EECF244321}">
+                <p14:modId xmlns:p14="http://schemas.microsoft.com/office/powerpoint/2010/main" val="1198363326"/>
+              </p:ext>
+            </p:extLst>
+          </p:nvPr>
+        </p:nvGraphicFramePr>
+        <p:xfrm>
+          <a:off x="1556656" y="2394857"/>
+          <a:ext cx="4147457" cy="1960880"/>
+        </p:xfrm>
+        <a:graphic>
+          <a:graphicData uri="http://schemas.openxmlformats.org/drawingml/2006/table">
+            <a:tbl>
+              <a:tblPr firstRow="1" bandRow="1">
+                <a:tableStyleId>{5C22544A-7EE6-4342-B048-85BDC9FD1C3A}</a:tableStyleId>
+              </a:tblPr>
+              <a:tblGrid>
+                <a:gridCol w="1959429"/>
+                <a:gridCol w="2188028"/>
+              </a:tblGrid>
+              <a:tr h="275046">
+                <a:tc>
+                  <a:txBody>
+                    <a:bodyPr/>
+                    <a:lstStyle/>
+                    <a:p>
+                      <a:r>
+                        <a:rPr lang="en-US" dirty="0" smtClean="0"/>
+                        <a:t>Frame Type</a:t>
+                      </a:r>
+                      <a:r>
+                        <a:rPr lang="en-US" baseline="0" dirty="0" smtClean="0"/>
+                        <a:t> </a:t>
+                      </a:r>
+                      <a:endParaRPr lang="en-US" dirty="0"/>
+                    </a:p>
+                  </a:txBody>
+                  <a:tcPr/>
+                </a:tc>
+                <a:tc>
+                  <a:txBody>
+                    <a:bodyPr/>
+                    <a:lstStyle/>
+                    <a:p>
+                      <a:r>
+                        <a:rPr lang="en-US" dirty="0" smtClean="0"/>
+                        <a:t>Number Received</a:t>
+                      </a:r>
+                      <a:endParaRPr lang="en-US" dirty="0"/>
+                    </a:p>
+                  </a:txBody>
+                  <a:tcPr/>
+                </a:tc>
+              </a:tr>
+              <a:tr h="370840">
+                <a:tc>
+                  <a:txBody>
+                    <a:bodyPr/>
+                    <a:lstStyle/>
+                    <a:p>
+                      <a:pPr marL="0" marR="0" indent="0" algn="l" defTabSz="914400" rtl="0" eaLnBrk="1" fontAlgn="auto" latinLnBrk="0" hangingPunct="1">
+                        <a:lnSpc>
+                          <a:spcPct val="100000"/>
+                        </a:lnSpc>
+                        <a:spcBef>
+                          <a:spcPts val="0"/>
+                        </a:spcBef>
+                        <a:spcAft>
+                          <a:spcPts val="0"/>
+                        </a:spcAft>
+                        <a:buClrTx/>
+                        <a:buSzTx/>
+                        <a:buFontTx/>
+                        <a:buNone/>
+                        <a:tabLst/>
+                        <a:defRPr/>
+                      </a:pPr>
+                      <a:r>
+                        <a:rPr lang="en-US" dirty="0" smtClean="0"/>
+                        <a:t>ACKFRAME</a:t>
+                      </a:r>
+                    </a:p>
+                  </a:txBody>
+                  <a:tcPr/>
+                </a:tc>
+                <a:tc>
+                  <a:txBody>
+                    <a:bodyPr/>
+                    <a:lstStyle/>
+                    <a:p>
+                      <a:r>
+                        <a:rPr lang="en-US" dirty="0" smtClean="0"/>
+                        <a:t>2</a:t>
+                      </a:r>
+                      <a:endParaRPr lang="en-US" dirty="0"/>
+                    </a:p>
+                  </a:txBody>
+                  <a:tcPr/>
+                </a:tc>
+              </a:tr>
+              <a:tr h="370840">
+                <a:tc>
+                  <a:txBody>
+                    <a:bodyPr/>
+                    <a:lstStyle/>
+                    <a:p>
+                      <a:pPr marL="0" marR="0" indent="0" algn="l" defTabSz="914400" rtl="0" eaLnBrk="1" fontAlgn="auto" latinLnBrk="0" hangingPunct="1">
+                        <a:lnSpc>
+                          <a:spcPct val="100000"/>
+                        </a:lnSpc>
+                        <a:spcBef>
+                          <a:spcPts val="0"/>
+                        </a:spcBef>
+                        <a:spcAft>
+                          <a:spcPts val="0"/>
+                        </a:spcAft>
+                        <a:buClrTx/>
+                        <a:buSzTx/>
+                        <a:buFontTx/>
+                        <a:buNone/>
+                        <a:tabLst/>
+                        <a:defRPr/>
+                      </a:pPr>
+                      <a:r>
+                        <a:rPr lang="en-US" dirty="0" smtClean="0"/>
+                        <a:t>DATAFRAME</a:t>
+                      </a:r>
+                    </a:p>
+                    <a:p>
+                      <a:pPr marL="285750" indent="-285750">
+                        <a:buFont typeface="Arial" panose="020B0604020202020204" pitchFamily="34" charset="0"/>
+                        <a:buChar char="•"/>
+                      </a:pPr>
+                      <a:r>
+                        <a:rPr lang="en-US" sz="1600" dirty="0" smtClean="0"/>
+                        <a:t>Correct CRC</a:t>
+                      </a:r>
+                    </a:p>
+                    <a:p>
+                      <a:pPr marL="285750" indent="-285750">
+                        <a:buFont typeface="Arial" panose="020B0604020202020204" pitchFamily="34" charset="0"/>
+                        <a:buChar char="•"/>
+                      </a:pPr>
+                      <a:r>
+                        <a:rPr lang="en-US" sz="1600" dirty="0" smtClean="0"/>
+                        <a:t>Corrupt CRC</a:t>
+                      </a:r>
+                      <a:endParaRPr lang="en-US" sz="1600" dirty="0"/>
+                    </a:p>
+                  </a:txBody>
+                  <a:tcPr/>
+                </a:tc>
+                <a:tc>
+                  <a:txBody>
+                    <a:bodyPr/>
+                    <a:lstStyle/>
+                    <a:p>
+                      <a:r>
+                        <a:rPr lang="en-US" dirty="0" smtClean="0"/>
+                        <a:t>102</a:t>
+                      </a:r>
+                    </a:p>
+                    <a:p>
+                      <a:pPr marL="285750" indent="-285750">
+                        <a:buFont typeface="Arial" panose="020B0604020202020204" pitchFamily="34" charset="0"/>
+                        <a:buChar char="•"/>
+                      </a:pPr>
+                      <a:r>
+                        <a:rPr lang="en-US" sz="1600" dirty="0" smtClean="0"/>
+                        <a:t>100</a:t>
+                      </a:r>
+                    </a:p>
+                    <a:p>
+                      <a:pPr marL="285750" indent="-285750">
+                        <a:buFont typeface="Arial" panose="020B0604020202020204" pitchFamily="34" charset="0"/>
+                        <a:buChar char="•"/>
+                      </a:pPr>
+                      <a:r>
+                        <a:rPr lang="en-US" sz="1600" dirty="0" smtClean="0"/>
+                        <a:t>2</a:t>
+                      </a:r>
+                    </a:p>
+                  </a:txBody>
+                  <a:tcPr/>
+                </a:tc>
+              </a:tr>
+              <a:tr h="370840">
+                <a:tc>
+                  <a:txBody>
+                    <a:bodyPr/>
+                    <a:lstStyle/>
+                    <a:p>
+                      <a:pPr marL="0" marR="0" indent="0" algn="l" defTabSz="914400" rtl="0" eaLnBrk="1" fontAlgn="auto" latinLnBrk="0" hangingPunct="1">
+                        <a:lnSpc>
+                          <a:spcPct val="100000"/>
+                        </a:lnSpc>
+                        <a:spcBef>
+                          <a:spcPts val="0"/>
+                        </a:spcBef>
+                        <a:spcAft>
+                          <a:spcPts val="0"/>
+                        </a:spcAft>
+                        <a:buClrTx/>
+                        <a:buSzTx/>
+                        <a:buFontTx/>
+                        <a:buNone/>
+                        <a:tabLst/>
+                        <a:defRPr/>
+                      </a:pPr>
+                      <a:r>
+                        <a:rPr lang="en-US" dirty="0" smtClean="0"/>
+                        <a:t>INVALID</a:t>
+                      </a:r>
+                      <a:endParaRPr lang="en-US" dirty="0"/>
+                    </a:p>
+                  </a:txBody>
+                  <a:tcPr/>
+                </a:tc>
+                <a:tc>
+                  <a:txBody>
+                    <a:bodyPr/>
+                    <a:lstStyle/>
+                    <a:p>
+                      <a:pPr marL="0" marR="0" indent="0" algn="l" defTabSz="914400" rtl="0" eaLnBrk="1" fontAlgn="auto" latinLnBrk="0" hangingPunct="1">
+                        <a:lnSpc>
+                          <a:spcPct val="100000"/>
+                        </a:lnSpc>
+                        <a:spcBef>
+                          <a:spcPts val="0"/>
+                        </a:spcBef>
+                        <a:spcAft>
+                          <a:spcPts val="0"/>
+                        </a:spcAft>
+                        <a:buClrTx/>
+                        <a:buSzTx/>
+                        <a:buFontTx/>
+                        <a:buNone/>
+                        <a:tabLst/>
+                        <a:defRPr/>
+                      </a:pPr>
+                      <a:r>
+                        <a:rPr lang="en-US" dirty="0" smtClean="0"/>
+                        <a:t>3466</a:t>
+                      </a:r>
+                      <a:endParaRPr lang="en-US" dirty="0"/>
+                    </a:p>
+                  </a:txBody>
+                  <a:tcPr/>
+                </a:tc>
+              </a:tr>
+            </a:tbl>
+          </a:graphicData>
+        </a:graphic>
+      </p:graphicFrame>
+      <p:sp>
+        <p:nvSpPr>
+          <p:cNvPr id="7" name="Title 6"/>
           <p:cNvSpPr>
             <a:spLocks noGrp="1"/>
           </p:cNvSpPr>
@@ -15253,12 +16334,7 @@
             <p:ph type="title"/>
           </p:nvPr>
         </p:nvSpPr>
-        <p:spPr>
-          <a:xfrm>
-            <a:off x="1435608" y="274638"/>
-            <a:ext cx="7498080" cy="6213248"/>
-          </a:xfrm>
-        </p:spPr>
+        <p:spPr/>
         <p:txBody>
           <a:bodyPr>
             <a:normAutofit/>
@@ -15266,1179 +16342,20 @@
           <a:lstStyle/>
           <a:p>
             <a:r>
+              <a:rPr lang="en-US" dirty="0" err="1" smtClean="0"/>
+              <a:t>FrameType</a:t>
+            </a:r>
+            <a:r>
               <a:rPr lang="en-US" dirty="0" smtClean="0"/>
-              <a:t>‘End-to-End’ or Point-to-Point Simulation of Data Transmission and ACK Response</a:t>
+              <a:t> Functionality</a:t>
             </a:r>
             <a:endParaRPr lang="en-US" dirty="0"/>
           </a:p>
         </p:txBody>
       </p:sp>
-    </p:spTree>
-    <p:extLst>
-      <p:ext uri="{BB962C8B-B14F-4D97-AF65-F5344CB8AC3E}">
-        <p14:creationId xmlns:p14="http://schemas.microsoft.com/office/powerpoint/2010/main" val="2720606277"/>
-      </p:ext>
-    </p:extLst>
-  </p:cSld>
-  <p:clrMapOvr>
-    <a:masterClrMapping/>
-  </p:clrMapOvr>
-  <p:timing>
-    <p:tnLst>
-      <p:par>
-        <p:cTn id="1" dur="indefinite" restart="never" nodeType="tmRoot"/>
-      </p:par>
-    </p:tnLst>
-  </p:timing>
-</p:sld>
-</file>
-
-<file path=ppt/slides/slide22.xml><?xml version="1.0" encoding="utf-8"?>
-<p:sld xmlns:a="http://schemas.openxmlformats.org/drawingml/2006/main" xmlns:r="http://schemas.openxmlformats.org/officeDocument/2006/relationships" xmlns:p="http://schemas.openxmlformats.org/presentationml/2006/main">
-  <p:cSld>
-    <p:spTree>
-      <p:nvGrpSpPr>
-        <p:cNvPr id="1" name=""/>
-        <p:cNvGrpSpPr/>
-        <p:nvPr/>
-      </p:nvGrpSpPr>
-      <p:grpSpPr>
-        <a:xfrm>
-          <a:off x="0" y="0"/>
-          <a:ext cx="0" cy="0"/>
-          <a:chOff x="0" y="0"/>
-          <a:chExt cx="0" cy="0"/>
-        </a:xfrm>
-      </p:grpSpPr>
-      <p:sp>
-        <p:nvSpPr>
-          <p:cNvPr id="2" name="Title 1"/>
-          <p:cNvSpPr>
-            <a:spLocks noGrp="1"/>
-          </p:cNvSpPr>
-          <p:nvPr>
-            <p:ph type="title"/>
-          </p:nvPr>
-        </p:nvSpPr>
-        <p:spPr/>
-        <p:txBody>
-          <a:bodyPr>
-            <a:normAutofit fontScale="90000"/>
-          </a:bodyPr>
-          <a:lstStyle/>
-          <a:p>
-            <a:r>
-              <a:rPr lang="en-US" dirty="0" smtClean="0"/>
-              <a:t>The Limitations of the MAC Layer</a:t>
-            </a:r>
-            <a:endParaRPr lang="en-US" dirty="0"/>
-          </a:p>
-        </p:txBody>
-      </p:sp>
-      <p:sp>
-        <p:nvSpPr>
-          <p:cNvPr id="3" name="Content Placeholder 2"/>
-          <p:cNvSpPr>
-            <a:spLocks noGrp="1"/>
-          </p:cNvSpPr>
-          <p:nvPr>
-            <p:ph idx="1"/>
-          </p:nvPr>
-        </p:nvSpPr>
-        <p:spPr/>
-        <p:txBody>
-          <a:bodyPr/>
-          <a:lstStyle/>
-          <a:p>
-            <a:r>
-              <a:rPr lang="en-US" dirty="0" smtClean="0"/>
-              <a:t>The Physical layer is very important, we cannot compensate for poor data transmission</a:t>
-            </a:r>
-          </a:p>
-          <a:p>
-            <a:r>
-              <a:rPr lang="en-US" dirty="0" smtClean="0"/>
-              <a:t>Hamming distance of the frame type are very important</a:t>
-            </a:r>
-          </a:p>
-          <a:p>
-            <a:r>
-              <a:rPr lang="en-US" dirty="0" smtClean="0"/>
-              <a:t>More data types needed for the control messages in the system than for transmitting data</a:t>
-            </a:r>
-            <a:r>
-              <a:rPr lang="en-US" dirty="0" smtClean="0"/>
-              <a:t>.</a:t>
-            </a:r>
-          </a:p>
-          <a:p>
-            <a:r>
-              <a:rPr lang="en-US" dirty="0" smtClean="0"/>
-              <a:t>Verification of range and </a:t>
-            </a:r>
-            <a:r>
-              <a:rPr lang="en-US" smtClean="0"/>
-              <a:t>possible values</a:t>
-            </a:r>
-            <a:endParaRPr lang="en-US" dirty="0"/>
-          </a:p>
-        </p:txBody>
-      </p:sp>
-    </p:spTree>
-    <p:extLst>
-      <p:ext uri="{BB962C8B-B14F-4D97-AF65-F5344CB8AC3E}">
-        <p14:creationId xmlns:p14="http://schemas.microsoft.com/office/powerpoint/2010/main" val="567683459"/>
-      </p:ext>
-    </p:extLst>
-  </p:cSld>
-  <p:clrMapOvr>
-    <a:masterClrMapping/>
-  </p:clrMapOvr>
-  <p:timing>
-    <p:tnLst>
-      <p:par>
-        <p:cTn id="1" dur="indefinite" restart="never" nodeType="tmRoot"/>
-      </p:par>
-    </p:tnLst>
-  </p:timing>
-</p:sld>
-</file>
-
-<file path=ppt/slides/slide3.xml><?xml version="1.0" encoding="utf-8"?>
-<p:sld xmlns:a="http://schemas.openxmlformats.org/drawingml/2006/main" xmlns:r="http://schemas.openxmlformats.org/officeDocument/2006/relationships" xmlns:p="http://schemas.openxmlformats.org/presentationml/2006/main">
-  <p:cSld>
-    <p:spTree>
-      <p:nvGrpSpPr>
-        <p:cNvPr id="1" name=""/>
-        <p:cNvGrpSpPr/>
-        <p:nvPr/>
-      </p:nvGrpSpPr>
-      <p:grpSpPr>
-        <a:xfrm>
-          <a:off x="0" y="0"/>
-          <a:ext cx="0" cy="0"/>
-          <a:chOff x="0" y="0"/>
-          <a:chExt cx="0" cy="0"/>
-        </a:xfrm>
-      </p:grpSpPr>
-      <p:sp>
-        <p:nvSpPr>
-          <p:cNvPr id="2" name="Title 1"/>
-          <p:cNvSpPr>
-            <a:spLocks noGrp="1"/>
-          </p:cNvSpPr>
-          <p:nvPr>
-            <p:ph type="title"/>
-          </p:nvPr>
-        </p:nvSpPr>
-        <p:spPr/>
-        <p:txBody>
-          <a:bodyPr/>
-          <a:lstStyle/>
-          <a:p>
-            <a:r>
-              <a:rPr lang="en-US" dirty="0" smtClean="0"/>
-              <a:t>Section 2: Purpose</a:t>
-            </a:r>
-            <a:endParaRPr lang="en-US" dirty="0"/>
-          </a:p>
-        </p:txBody>
-      </p:sp>
-      <p:sp>
-        <p:nvSpPr>
-          <p:cNvPr id="3" name="Content Placeholder 2"/>
-          <p:cNvSpPr>
-            <a:spLocks noGrp="1"/>
-          </p:cNvSpPr>
-          <p:nvPr>
-            <p:ph idx="1"/>
-          </p:nvPr>
-        </p:nvSpPr>
-        <p:spPr/>
-        <p:txBody>
-          <a:bodyPr/>
-          <a:lstStyle/>
-          <a:p>
-            <a:r>
-              <a:rPr lang="en-US" dirty="0"/>
-              <a:t>Establishing end-to-end network resource allocation management in simplex mode</a:t>
-            </a:r>
-            <a:r>
-              <a:rPr lang="en-US" dirty="0" smtClean="0"/>
-              <a:t>.</a:t>
-            </a:r>
-          </a:p>
-          <a:p>
-            <a:pPr marL="82296" indent="0">
-              <a:buNone/>
-            </a:pPr>
-            <a:endParaRPr lang="en-US" dirty="0" smtClean="0"/>
-          </a:p>
-          <a:p>
-            <a:r>
-              <a:rPr lang="en-US" dirty="0" smtClean="0"/>
-              <a:t>Exchanging </a:t>
-            </a:r>
-            <a:r>
-              <a:rPr lang="en-US" dirty="0"/>
-              <a:t>of control information and message/ACK forwarding between the UEs and the BS units</a:t>
-            </a:r>
-            <a:r>
-              <a:rPr lang="en-US" dirty="0" smtClean="0"/>
-              <a:t>.</a:t>
-            </a:r>
-            <a:endParaRPr lang="en-US" dirty="0"/>
-          </a:p>
-        </p:txBody>
-      </p:sp>
-    </p:spTree>
-    <p:extLst>
-      <p:ext uri="{BB962C8B-B14F-4D97-AF65-F5344CB8AC3E}">
-        <p14:creationId xmlns:p14="http://schemas.microsoft.com/office/powerpoint/2010/main" val="1467797198"/>
-      </p:ext>
-    </p:extLst>
-  </p:cSld>
-  <p:clrMapOvr>
-    <a:masterClrMapping/>
-  </p:clrMapOvr>
-  <p:timing>
-    <p:tnLst>
-      <p:par>
-        <p:cTn id="1" dur="indefinite" restart="never" nodeType="tmRoot"/>
-      </p:par>
-    </p:tnLst>
-  </p:timing>
-</p:sld>
-</file>
-
-<file path=ppt/slides/slide4.xml><?xml version="1.0" encoding="utf-8"?>
-<p:sld xmlns:a="http://schemas.openxmlformats.org/drawingml/2006/main" xmlns:r="http://schemas.openxmlformats.org/officeDocument/2006/relationships" xmlns:p="http://schemas.openxmlformats.org/presentationml/2006/main">
-  <p:cSld>
-    <p:spTree>
-      <p:nvGrpSpPr>
-        <p:cNvPr id="1" name=""/>
-        <p:cNvGrpSpPr/>
-        <p:nvPr/>
-      </p:nvGrpSpPr>
-      <p:grpSpPr>
-        <a:xfrm>
-          <a:off x="0" y="0"/>
-          <a:ext cx="0" cy="0"/>
-          <a:chOff x="0" y="0"/>
-          <a:chExt cx="0" cy="0"/>
-        </a:xfrm>
-      </p:grpSpPr>
-      <p:sp>
-        <p:nvSpPr>
-          <p:cNvPr id="2" name="Title 1"/>
-          <p:cNvSpPr>
-            <a:spLocks noGrp="1"/>
-          </p:cNvSpPr>
-          <p:nvPr>
-            <p:ph type="title"/>
-          </p:nvPr>
-        </p:nvSpPr>
-        <p:spPr/>
-        <p:txBody>
-          <a:bodyPr>
-            <a:normAutofit fontScale="90000"/>
-          </a:bodyPr>
-          <a:lstStyle/>
-          <a:p>
-            <a:r>
-              <a:rPr lang="en-US" dirty="0" smtClean="0"/>
-              <a:t>Data Transmission in the MAC layer</a:t>
-            </a:r>
-            <a:endParaRPr lang="en-US" dirty="0"/>
-          </a:p>
-        </p:txBody>
-      </p:sp>
-      <p:sp>
-        <p:nvSpPr>
-          <p:cNvPr id="3" name="Content Placeholder 2"/>
-          <p:cNvSpPr>
-            <a:spLocks noGrp="1"/>
-          </p:cNvSpPr>
-          <p:nvPr>
-            <p:ph idx="1"/>
-          </p:nvPr>
-        </p:nvSpPr>
-        <p:spPr/>
-        <p:txBody>
-          <a:bodyPr/>
-          <a:lstStyle/>
-          <a:p>
-            <a:r>
-              <a:rPr lang="en-US" dirty="0" smtClean="0"/>
-              <a:t>The Evolution of the MAC Frame</a:t>
-            </a:r>
-          </a:p>
-          <a:p>
-            <a:r>
-              <a:rPr lang="en-US" dirty="0" smtClean="0"/>
-              <a:t>State Machine for the Frame Transmission</a:t>
-            </a:r>
-          </a:p>
-          <a:p>
-            <a:r>
-              <a:rPr lang="en-US" dirty="0" smtClean="0"/>
-              <a:t>ACK Timeout</a:t>
-            </a:r>
-          </a:p>
-          <a:p>
-            <a:r>
-              <a:rPr lang="en-US" dirty="0" smtClean="0"/>
-              <a:t>Something else?? (no NAK?) </a:t>
-            </a:r>
-            <a:endParaRPr lang="en-US" dirty="0"/>
-          </a:p>
-          <a:p>
-            <a:endParaRPr lang="en-US" dirty="0" smtClean="0"/>
-          </a:p>
-          <a:p>
-            <a:endParaRPr lang="en-US" dirty="0" smtClean="0"/>
-          </a:p>
-          <a:p>
-            <a:endParaRPr lang="en-US" dirty="0"/>
-          </a:p>
-        </p:txBody>
-      </p:sp>
-    </p:spTree>
-    <p:extLst>
-      <p:ext uri="{BB962C8B-B14F-4D97-AF65-F5344CB8AC3E}">
-        <p14:creationId xmlns:p14="http://schemas.microsoft.com/office/powerpoint/2010/main" val="1467797198"/>
-      </p:ext>
-    </p:extLst>
-  </p:cSld>
-  <p:clrMapOvr>
-    <a:masterClrMapping/>
-  </p:clrMapOvr>
-  <p:timing>
-    <p:tnLst>
-      <p:par>
-        <p:cTn id="1" dur="indefinite" restart="never" nodeType="tmRoot"/>
-      </p:par>
-    </p:tnLst>
-  </p:timing>
-</p:sld>
-</file>
-
-<file path=ppt/slides/slide5.xml><?xml version="1.0" encoding="utf-8"?>
-<p:sld xmlns:a="http://schemas.openxmlformats.org/drawingml/2006/main" xmlns:r="http://schemas.openxmlformats.org/officeDocument/2006/relationships" xmlns:p="http://schemas.openxmlformats.org/presentationml/2006/main">
-  <p:cSld>
-    <p:spTree>
-      <p:nvGrpSpPr>
-        <p:cNvPr id="1" name=""/>
-        <p:cNvGrpSpPr/>
-        <p:nvPr/>
-      </p:nvGrpSpPr>
-      <p:grpSpPr>
-        <a:xfrm>
-          <a:off x="0" y="0"/>
-          <a:ext cx="0" cy="0"/>
-          <a:chOff x="0" y="0"/>
-          <a:chExt cx="0" cy="0"/>
-        </a:xfrm>
-      </p:grpSpPr>
-      <p:sp>
-        <p:nvSpPr>
-          <p:cNvPr id="2" name="Title 1"/>
-          <p:cNvSpPr>
-            <a:spLocks noGrp="1"/>
-          </p:cNvSpPr>
-          <p:nvPr>
-            <p:ph type="title"/>
-          </p:nvPr>
-        </p:nvSpPr>
-        <p:spPr/>
-        <p:txBody>
-          <a:bodyPr>
-            <a:normAutofit fontScale="90000"/>
-          </a:bodyPr>
-          <a:lstStyle/>
-          <a:p>
-            <a:r>
-              <a:rPr lang="en-US" dirty="0" smtClean="0"/>
-              <a:t>The evolution of </a:t>
-            </a:r>
-            <a:r>
-              <a:rPr lang="en-US" dirty="0"/>
-              <a:t>the MAC Frame</a:t>
-            </a:r>
-          </a:p>
-        </p:txBody>
-      </p:sp>
-      <p:sp>
-        <p:nvSpPr>
-          <p:cNvPr id="20" name="Rectangle 7"/>
-          <p:cNvSpPr>
-            <a:spLocks noGrp="1" noChangeArrowheads="1"/>
-          </p:cNvSpPr>
-          <p:nvPr>
-            <p:ph idx="1"/>
-          </p:nvPr>
-        </p:nvSpPr>
-        <p:spPr>
-          <a:xfrm>
-            <a:off x="1422399" y="1447800"/>
-            <a:ext cx="7511289" cy="2971800"/>
-          </a:xfrm>
-        </p:spPr>
-        <p:txBody>
-          <a:bodyPr>
-            <a:normAutofit lnSpcReduction="10000"/>
-          </a:bodyPr>
-          <a:lstStyle/>
-          <a:p>
-            <a:r>
-              <a:rPr lang="en-US" dirty="0"/>
-              <a:t>The package format must be small enough that it is easy to handle </a:t>
-            </a:r>
-          </a:p>
-          <a:p>
-            <a:r>
-              <a:rPr lang="en-US" dirty="0"/>
-              <a:t>It must also convey useful information</a:t>
-            </a:r>
-          </a:p>
-          <a:p>
-            <a:pPr lvl="1"/>
-            <a:r>
-              <a:rPr lang="en-US" dirty="0"/>
-              <a:t>Receiver UE</a:t>
-            </a:r>
-          </a:p>
-          <a:p>
-            <a:pPr lvl="1"/>
-            <a:r>
-              <a:rPr lang="en-US" dirty="0"/>
-              <a:t>Sender UE</a:t>
-            </a:r>
-          </a:p>
-          <a:p>
-            <a:pPr lvl="1"/>
-            <a:r>
-              <a:rPr lang="en-US" dirty="0"/>
-              <a:t>Data</a:t>
-            </a:r>
-          </a:p>
-        </p:txBody>
-      </p:sp>
-      <p:sp>
-        <p:nvSpPr>
-          <p:cNvPr id="21" name="Rectangle 20"/>
-          <p:cNvSpPr/>
-          <p:nvPr/>
-        </p:nvSpPr>
-        <p:spPr>
-          <a:xfrm>
-            <a:off x="2383971" y="5142898"/>
-            <a:ext cx="1349830" cy="868434"/>
-          </a:xfrm>
-          <a:prstGeom prst="rect">
-            <a:avLst/>
-          </a:prstGeom>
-          <a:solidFill>
-            <a:schemeClr val="accent6">
-              <a:lumMod val="20000"/>
-              <a:lumOff val="80000"/>
-            </a:schemeClr>
-          </a:solidFill>
-          <a:ln>
-            <a:solidFill>
-              <a:schemeClr val="tx1"/>
-            </a:solidFill>
-          </a:ln>
-        </p:spPr>
-        <p:style>
-          <a:lnRef idx="2">
-            <a:schemeClr val="accent6"/>
-          </a:lnRef>
-          <a:fillRef idx="1">
-            <a:schemeClr val="lt1"/>
-          </a:fillRef>
-          <a:effectRef idx="0">
-            <a:schemeClr val="accent6"/>
-          </a:effectRef>
-          <a:fontRef idx="minor">
-            <a:schemeClr val="dk1"/>
-          </a:fontRef>
-        </p:style>
-        <p:txBody>
-          <a:bodyPr rtlCol="0" anchor="ctr"/>
-          <a:lstStyle/>
-          <a:p>
-            <a:pPr algn="ctr"/>
-            <a:r>
-              <a:rPr lang="en-US" dirty="0" smtClean="0"/>
-              <a:t>Receiver UE</a:t>
-            </a:r>
-          </a:p>
-          <a:p>
-            <a:pPr algn="ctr"/>
-            <a:r>
-              <a:rPr lang="en-US" dirty="0" smtClean="0"/>
-              <a:t>1 byte </a:t>
-            </a:r>
-            <a:endParaRPr lang="en-US" dirty="0"/>
-          </a:p>
-        </p:txBody>
-      </p:sp>
-      <p:sp>
-        <p:nvSpPr>
-          <p:cNvPr id="22" name="Rectangle 21"/>
-          <p:cNvSpPr/>
-          <p:nvPr/>
-        </p:nvSpPr>
-        <p:spPr>
-          <a:xfrm>
-            <a:off x="3733801" y="5142897"/>
-            <a:ext cx="1306285" cy="868434"/>
-          </a:xfrm>
-          <a:prstGeom prst="rect">
-            <a:avLst/>
-          </a:prstGeom>
-          <a:solidFill>
-            <a:schemeClr val="tx2">
-              <a:lumMod val="20000"/>
-              <a:lumOff val="80000"/>
-            </a:schemeClr>
-          </a:solidFill>
-          <a:ln>
-            <a:solidFill>
-              <a:schemeClr val="tx1"/>
-            </a:solidFill>
-          </a:ln>
-        </p:spPr>
-        <p:style>
-          <a:lnRef idx="2">
-            <a:schemeClr val="accent6"/>
-          </a:lnRef>
-          <a:fillRef idx="1">
-            <a:schemeClr val="lt1"/>
-          </a:fillRef>
-          <a:effectRef idx="0">
-            <a:schemeClr val="accent6"/>
-          </a:effectRef>
-          <a:fontRef idx="minor">
-            <a:schemeClr val="dk1"/>
-          </a:fontRef>
-        </p:style>
-        <p:txBody>
-          <a:bodyPr rtlCol="0" anchor="ctr"/>
-          <a:lstStyle/>
-          <a:p>
-            <a:pPr algn="ctr"/>
-            <a:r>
-              <a:rPr lang="en-US" dirty="0" smtClean="0"/>
-              <a:t>Sender UE</a:t>
-            </a:r>
-          </a:p>
-          <a:p>
-            <a:pPr algn="ctr"/>
-            <a:r>
-              <a:rPr lang="en-US" dirty="0" smtClean="0"/>
-              <a:t>1 byte </a:t>
-            </a:r>
-            <a:endParaRPr lang="en-US" dirty="0"/>
-          </a:p>
-        </p:txBody>
-      </p:sp>
-      <p:sp>
-        <p:nvSpPr>
-          <p:cNvPr id="23" name="Rectangle 22"/>
-          <p:cNvSpPr/>
-          <p:nvPr/>
-        </p:nvSpPr>
-        <p:spPr>
-          <a:xfrm>
-            <a:off x="5040086" y="5142898"/>
-            <a:ext cx="3852333" cy="868434"/>
-          </a:xfrm>
-          <a:prstGeom prst="rect">
-            <a:avLst/>
-          </a:prstGeom>
-          <a:solidFill>
-            <a:schemeClr val="bg1">
-              <a:lumMod val="95000"/>
-            </a:schemeClr>
-          </a:solidFill>
-          <a:ln>
-            <a:solidFill>
-              <a:schemeClr val="tx1"/>
-            </a:solidFill>
-          </a:ln>
-        </p:spPr>
-        <p:style>
-          <a:lnRef idx="2">
-            <a:schemeClr val="accent6"/>
-          </a:lnRef>
-          <a:fillRef idx="1">
-            <a:schemeClr val="lt1"/>
-          </a:fillRef>
-          <a:effectRef idx="0">
-            <a:schemeClr val="accent6"/>
-          </a:effectRef>
-          <a:fontRef idx="minor">
-            <a:schemeClr val="dk1"/>
-          </a:fontRef>
-        </p:style>
-        <p:txBody>
-          <a:bodyPr rtlCol="0" anchor="ctr"/>
-          <a:lstStyle/>
-          <a:p>
-            <a:pPr algn="ctr"/>
-            <a:r>
-              <a:rPr lang="en-US" dirty="0" smtClean="0"/>
-              <a:t>Data</a:t>
-            </a:r>
-          </a:p>
-        </p:txBody>
-      </p:sp>
-    </p:spTree>
-    <p:extLst>
-      <p:ext uri="{BB962C8B-B14F-4D97-AF65-F5344CB8AC3E}">
-        <p14:creationId xmlns:p14="http://schemas.microsoft.com/office/powerpoint/2010/main" val="2524205937"/>
-      </p:ext>
-    </p:extLst>
-  </p:cSld>
-  <p:clrMapOvr>
-    <a:masterClrMapping/>
-  </p:clrMapOvr>
-  <p:timing>
-    <p:tnLst>
-      <p:par>
-        <p:cTn id="1" dur="indefinite" restart="never" nodeType="tmRoot"/>
-      </p:par>
-    </p:tnLst>
-  </p:timing>
-</p:sld>
-</file>
-
-<file path=ppt/slides/slide6.xml><?xml version="1.0" encoding="utf-8"?>
-<p:sld xmlns:a="http://schemas.openxmlformats.org/drawingml/2006/main" xmlns:r="http://schemas.openxmlformats.org/officeDocument/2006/relationships" xmlns:p="http://schemas.openxmlformats.org/presentationml/2006/main">
-  <p:cSld>
-    <p:spTree>
-      <p:nvGrpSpPr>
-        <p:cNvPr id="1" name=""/>
-        <p:cNvGrpSpPr/>
-        <p:nvPr/>
-      </p:nvGrpSpPr>
-      <p:grpSpPr>
-        <a:xfrm>
-          <a:off x="0" y="0"/>
-          <a:ext cx="0" cy="0"/>
-          <a:chOff x="0" y="0"/>
-          <a:chExt cx="0" cy="0"/>
-        </a:xfrm>
-      </p:grpSpPr>
-      <p:sp>
-        <p:nvSpPr>
-          <p:cNvPr id="2" name="Title 1"/>
-          <p:cNvSpPr>
-            <a:spLocks noGrp="1"/>
-          </p:cNvSpPr>
-          <p:nvPr>
-            <p:ph type="title"/>
-          </p:nvPr>
-        </p:nvSpPr>
-        <p:spPr/>
-        <p:txBody>
-          <a:bodyPr>
-            <a:normAutofit fontScale="90000"/>
-          </a:bodyPr>
-          <a:lstStyle/>
-          <a:p>
-            <a:r>
-              <a:rPr lang="en-US" dirty="0" smtClean="0"/>
-              <a:t>The evolution of </a:t>
-            </a:r>
-            <a:r>
-              <a:rPr lang="en-US" dirty="0"/>
-              <a:t>the MAC Frame</a:t>
-            </a:r>
-          </a:p>
-        </p:txBody>
-      </p:sp>
-      <p:sp>
-        <p:nvSpPr>
-          <p:cNvPr id="21" name="Rectangle 20"/>
-          <p:cNvSpPr/>
-          <p:nvPr/>
-        </p:nvSpPr>
-        <p:spPr>
-          <a:xfrm>
-            <a:off x="2721429" y="5142898"/>
-            <a:ext cx="1382484" cy="868434"/>
-          </a:xfrm>
-          <a:prstGeom prst="rect">
-            <a:avLst/>
-          </a:prstGeom>
-          <a:solidFill>
-            <a:schemeClr val="accent6">
-              <a:lumMod val="20000"/>
-              <a:lumOff val="80000"/>
-            </a:schemeClr>
-          </a:solidFill>
-          <a:ln>
-            <a:solidFill>
-              <a:schemeClr val="tx1"/>
-            </a:solidFill>
-          </a:ln>
-        </p:spPr>
-        <p:style>
-          <a:lnRef idx="2">
-            <a:schemeClr val="accent6"/>
-          </a:lnRef>
-          <a:fillRef idx="1">
-            <a:schemeClr val="lt1"/>
-          </a:fillRef>
-          <a:effectRef idx="0">
-            <a:schemeClr val="accent6"/>
-          </a:effectRef>
-          <a:fontRef idx="minor">
-            <a:schemeClr val="dk1"/>
-          </a:fontRef>
-        </p:style>
-        <p:txBody>
-          <a:bodyPr rtlCol="0" anchor="ctr"/>
-          <a:lstStyle/>
-          <a:p>
-            <a:pPr algn="ctr"/>
-            <a:r>
-              <a:rPr lang="en-US" dirty="0" smtClean="0"/>
-              <a:t>Receiver UE</a:t>
-            </a:r>
-          </a:p>
-          <a:p>
-            <a:pPr algn="ctr"/>
-            <a:r>
-              <a:rPr lang="en-US" dirty="0" smtClean="0"/>
-              <a:t>1 byte </a:t>
-            </a:r>
-            <a:endParaRPr lang="en-US" dirty="0"/>
-          </a:p>
-        </p:txBody>
-      </p:sp>
-      <p:sp>
-        <p:nvSpPr>
-          <p:cNvPr id="22" name="Rectangle 21"/>
-          <p:cNvSpPr/>
-          <p:nvPr/>
-        </p:nvSpPr>
-        <p:spPr>
-          <a:xfrm>
-            <a:off x="4103913" y="5142897"/>
-            <a:ext cx="1266371" cy="868434"/>
-          </a:xfrm>
-          <a:prstGeom prst="rect">
-            <a:avLst/>
-          </a:prstGeom>
-          <a:solidFill>
-            <a:schemeClr val="tx2">
-              <a:lumMod val="20000"/>
-              <a:lumOff val="80000"/>
-            </a:schemeClr>
-          </a:solidFill>
-          <a:ln>
-            <a:solidFill>
-              <a:schemeClr val="tx1"/>
-            </a:solidFill>
-          </a:ln>
-        </p:spPr>
-        <p:style>
-          <a:lnRef idx="2">
-            <a:schemeClr val="accent6"/>
-          </a:lnRef>
-          <a:fillRef idx="1">
-            <a:schemeClr val="lt1"/>
-          </a:fillRef>
-          <a:effectRef idx="0">
-            <a:schemeClr val="accent6"/>
-          </a:effectRef>
-          <a:fontRef idx="minor">
-            <a:schemeClr val="dk1"/>
-          </a:fontRef>
-        </p:style>
-        <p:txBody>
-          <a:bodyPr rtlCol="0" anchor="ctr"/>
-          <a:lstStyle/>
-          <a:p>
-            <a:pPr algn="ctr"/>
-            <a:r>
-              <a:rPr lang="en-US" dirty="0" smtClean="0"/>
-              <a:t>Sender UE</a:t>
-            </a:r>
-          </a:p>
-          <a:p>
-            <a:pPr algn="ctr"/>
-            <a:r>
-              <a:rPr lang="en-US" dirty="0" smtClean="0"/>
-              <a:t>1 byte </a:t>
-            </a:r>
-            <a:endParaRPr lang="en-US" dirty="0"/>
-          </a:p>
-        </p:txBody>
-      </p:sp>
-      <p:sp>
-        <p:nvSpPr>
-          <p:cNvPr id="23" name="Rectangle 22"/>
-          <p:cNvSpPr/>
-          <p:nvPr/>
-        </p:nvSpPr>
-        <p:spPr>
-          <a:xfrm>
-            <a:off x="5370285" y="5142898"/>
-            <a:ext cx="3522134" cy="868434"/>
-          </a:xfrm>
-          <a:prstGeom prst="rect">
-            <a:avLst/>
-          </a:prstGeom>
-          <a:solidFill>
-            <a:schemeClr val="bg1">
-              <a:lumMod val="95000"/>
-            </a:schemeClr>
-          </a:solidFill>
-          <a:ln>
-            <a:solidFill>
-              <a:schemeClr val="tx1"/>
-            </a:solidFill>
-          </a:ln>
-        </p:spPr>
-        <p:style>
-          <a:lnRef idx="2">
-            <a:schemeClr val="accent6"/>
-          </a:lnRef>
-          <a:fillRef idx="1">
-            <a:schemeClr val="lt1"/>
-          </a:fillRef>
-          <a:effectRef idx="0">
-            <a:schemeClr val="accent6"/>
-          </a:effectRef>
-          <a:fontRef idx="minor">
-            <a:schemeClr val="dk1"/>
-          </a:fontRef>
-        </p:style>
-        <p:txBody>
-          <a:bodyPr rtlCol="0" anchor="ctr"/>
-          <a:lstStyle/>
-          <a:p>
-            <a:pPr algn="ctr"/>
-            <a:r>
-              <a:rPr lang="en-US" dirty="0" smtClean="0"/>
-              <a:t>Data</a:t>
-            </a:r>
-          </a:p>
-        </p:txBody>
-      </p:sp>
-      <p:sp>
-        <p:nvSpPr>
-          <p:cNvPr id="7" name="Rectangle 6"/>
-          <p:cNvSpPr/>
-          <p:nvPr/>
-        </p:nvSpPr>
-        <p:spPr>
-          <a:xfrm>
-            <a:off x="3163508" y="3794331"/>
-            <a:ext cx="1062566" cy="885368"/>
-          </a:xfrm>
-          <a:prstGeom prst="rect">
-            <a:avLst/>
-          </a:prstGeom>
-          <a:solidFill>
-            <a:schemeClr val="bg1"/>
-          </a:solidFill>
-          <a:ln>
-            <a:solidFill>
-              <a:schemeClr val="bg1"/>
-            </a:solidFill>
-          </a:ln>
-        </p:spPr>
-        <p:style>
-          <a:lnRef idx="2">
-            <a:schemeClr val="accent2"/>
-          </a:lnRef>
-          <a:fillRef idx="1">
-            <a:schemeClr val="lt1"/>
-          </a:fillRef>
-          <a:effectRef idx="0">
-            <a:schemeClr val="accent2"/>
-          </a:effectRef>
-          <a:fontRef idx="minor">
-            <a:schemeClr val="dk1"/>
-          </a:fontRef>
-        </p:style>
-        <p:txBody>
-          <a:bodyPr rtlCol="0" anchor="ctr"/>
-          <a:lstStyle/>
-          <a:p>
-            <a:pPr algn="ctr"/>
-            <a:r>
-              <a:rPr lang="en-US" dirty="0" smtClean="0"/>
-              <a:t>Option 1</a:t>
-            </a:r>
-            <a:endParaRPr lang="en-US" dirty="0"/>
-          </a:p>
-        </p:txBody>
-      </p:sp>
-      <p:sp>
-        <p:nvSpPr>
-          <p:cNvPr id="8" name="Rectangle 7"/>
-          <p:cNvSpPr/>
-          <p:nvPr/>
-        </p:nvSpPr>
-        <p:spPr>
-          <a:xfrm>
-            <a:off x="1968584" y="3812471"/>
-            <a:ext cx="1166501" cy="867228"/>
-          </a:xfrm>
-          <a:prstGeom prst="rect">
-            <a:avLst/>
-          </a:prstGeom>
-          <a:solidFill>
-            <a:srgbClr val="F6D0FE"/>
-          </a:solidFill>
-          <a:ln/>
-        </p:spPr>
-        <p:style>
-          <a:lnRef idx="2">
-            <a:schemeClr val="accent2"/>
-          </a:lnRef>
-          <a:fillRef idx="1">
-            <a:schemeClr val="lt1"/>
-          </a:fillRef>
-          <a:effectRef idx="0">
-            <a:schemeClr val="accent2"/>
-          </a:effectRef>
-          <a:fontRef idx="minor">
-            <a:schemeClr val="dk1"/>
-          </a:fontRef>
-        </p:style>
-        <p:txBody>
-          <a:bodyPr rtlCol="0" anchor="ctr"/>
-          <a:lstStyle/>
-          <a:p>
-            <a:pPr algn="ctr"/>
-            <a:r>
-              <a:rPr lang="en-US" dirty="0" smtClean="0"/>
-              <a:t>Routing Path </a:t>
-            </a:r>
-          </a:p>
-          <a:p>
-            <a:pPr algn="ctr"/>
-            <a:r>
-              <a:rPr lang="en-US" dirty="0" smtClean="0"/>
-              <a:t>1 bytes </a:t>
-            </a:r>
-            <a:endParaRPr lang="en-US" dirty="0"/>
-          </a:p>
-        </p:txBody>
-      </p:sp>
-      <p:sp>
-        <p:nvSpPr>
-          <p:cNvPr id="9" name="Down Arrow 8"/>
-          <p:cNvSpPr/>
-          <p:nvPr/>
-        </p:nvSpPr>
-        <p:spPr>
-          <a:xfrm rot="1524949">
-            <a:off x="2047592" y="4802141"/>
-            <a:ext cx="583114" cy="499666"/>
-          </a:xfrm>
-          <a:prstGeom prst="downArrow">
-            <a:avLst/>
-          </a:prstGeom>
-        </p:spPr>
-        <p:style>
-          <a:lnRef idx="2">
-            <a:schemeClr val="accent2">
-              <a:shade val="50000"/>
-            </a:schemeClr>
-          </a:lnRef>
-          <a:fillRef idx="1">
-            <a:schemeClr val="accent2"/>
-          </a:fillRef>
-          <a:effectRef idx="0">
-            <a:schemeClr val="accent2"/>
-          </a:effectRef>
-          <a:fontRef idx="minor">
-            <a:schemeClr val="lt1"/>
-          </a:fontRef>
-        </p:style>
-        <p:txBody>
-          <a:bodyPr rtlCol="0" anchor="ctr"/>
-          <a:lstStyle/>
-          <a:p>
-            <a:pPr algn="ctr"/>
-            <a:endParaRPr lang="en-US"/>
-          </a:p>
-        </p:txBody>
-      </p:sp>
-      <p:sp>
-        <p:nvSpPr>
-          <p:cNvPr id="14" name="Rectangle 13"/>
-          <p:cNvSpPr/>
-          <p:nvPr/>
-        </p:nvSpPr>
-        <p:spPr>
-          <a:xfrm>
-            <a:off x="4307718" y="3692727"/>
-            <a:ext cx="1062566" cy="965200"/>
-          </a:xfrm>
-          <a:prstGeom prst="rect">
-            <a:avLst/>
-          </a:prstGeom>
-          <a:solidFill>
-            <a:schemeClr val="bg1"/>
-          </a:solidFill>
-          <a:ln>
-            <a:solidFill>
-              <a:schemeClr val="bg1"/>
-            </a:solidFill>
-          </a:ln>
-        </p:spPr>
-        <p:style>
-          <a:lnRef idx="2">
-            <a:schemeClr val="accent2"/>
-          </a:lnRef>
-          <a:fillRef idx="1">
-            <a:schemeClr val="lt1"/>
-          </a:fillRef>
-          <a:effectRef idx="0">
-            <a:schemeClr val="accent2"/>
-          </a:effectRef>
-          <a:fontRef idx="minor">
-            <a:schemeClr val="dk1"/>
-          </a:fontRef>
-        </p:style>
-        <p:txBody>
-          <a:bodyPr rtlCol="0" anchor="ctr"/>
-          <a:lstStyle/>
-          <a:p>
-            <a:pPr algn="ctr"/>
-            <a:r>
-              <a:rPr lang="en-US" dirty="0" smtClean="0"/>
-              <a:t>Option 1</a:t>
-            </a:r>
-            <a:endParaRPr lang="en-US" dirty="0"/>
-          </a:p>
-        </p:txBody>
-      </p:sp>
-      <p:sp>
-        <p:nvSpPr>
-          <p:cNvPr id="15" name="Rectangle 14"/>
-          <p:cNvSpPr/>
-          <p:nvPr/>
-        </p:nvSpPr>
-        <p:spPr>
-          <a:xfrm>
-            <a:off x="2936118" y="3707246"/>
-            <a:ext cx="1371600" cy="965200"/>
-          </a:xfrm>
-          <a:prstGeom prst="rect">
-            <a:avLst/>
-          </a:prstGeom>
-          <a:solidFill>
-            <a:schemeClr val="accent1">
-              <a:lumMod val="20000"/>
-              <a:lumOff val="80000"/>
-            </a:schemeClr>
-          </a:solidFill>
-          <a:ln/>
-        </p:spPr>
-        <p:style>
-          <a:lnRef idx="2">
-            <a:schemeClr val="accent2"/>
-          </a:lnRef>
-          <a:fillRef idx="1">
-            <a:schemeClr val="lt1"/>
-          </a:fillRef>
-          <a:effectRef idx="0">
-            <a:schemeClr val="accent2"/>
-          </a:effectRef>
-          <a:fontRef idx="minor">
-            <a:schemeClr val="dk1"/>
-          </a:fontRef>
-        </p:style>
-        <p:txBody>
-          <a:bodyPr rtlCol="0" anchor="ctr"/>
-          <a:lstStyle/>
-          <a:p>
-            <a:pPr algn="ctr"/>
-            <a:r>
-              <a:rPr lang="en-US" dirty="0" smtClean="0"/>
-              <a:t>Receiver Base Station</a:t>
-            </a:r>
-          </a:p>
-          <a:p>
-            <a:pPr algn="ctr"/>
-            <a:r>
-              <a:rPr lang="en-US" dirty="0" smtClean="0"/>
-              <a:t>1 byte </a:t>
-            </a:r>
-            <a:endParaRPr lang="en-US" dirty="0"/>
-          </a:p>
-        </p:txBody>
-      </p:sp>
-      <p:sp>
-        <p:nvSpPr>
-          <p:cNvPr id="16" name="Rectangle 15"/>
-          <p:cNvSpPr/>
-          <p:nvPr/>
-        </p:nvSpPr>
-        <p:spPr>
-          <a:xfrm>
-            <a:off x="1526418" y="3707246"/>
-            <a:ext cx="1409700" cy="965200"/>
-          </a:xfrm>
-          <a:prstGeom prst="rect">
-            <a:avLst/>
-          </a:prstGeom>
-          <a:solidFill>
-            <a:schemeClr val="accent5">
-              <a:lumMod val="20000"/>
-              <a:lumOff val="80000"/>
-            </a:schemeClr>
-          </a:solidFill>
-          <a:ln/>
-        </p:spPr>
-        <p:style>
-          <a:lnRef idx="2">
-            <a:schemeClr val="accent2"/>
-          </a:lnRef>
-          <a:fillRef idx="1">
-            <a:schemeClr val="lt1"/>
-          </a:fillRef>
-          <a:effectRef idx="0">
-            <a:schemeClr val="accent2"/>
-          </a:effectRef>
-          <a:fontRef idx="minor">
-            <a:schemeClr val="dk1"/>
-          </a:fontRef>
-        </p:style>
-        <p:txBody>
-          <a:bodyPr rtlCol="0" anchor="ctr"/>
-          <a:lstStyle/>
-          <a:p>
-            <a:pPr algn="ctr"/>
-            <a:r>
-              <a:rPr lang="en-US" dirty="0" smtClean="0"/>
-              <a:t>Sender Base Station</a:t>
-            </a:r>
-          </a:p>
-          <a:p>
-            <a:pPr algn="ctr"/>
-            <a:r>
-              <a:rPr lang="en-US" dirty="0" smtClean="0"/>
-              <a:t>1 byte </a:t>
-            </a:r>
-            <a:endParaRPr lang="en-US" dirty="0"/>
-          </a:p>
-        </p:txBody>
-      </p:sp>
-      <p:sp>
-        <p:nvSpPr>
-          <p:cNvPr id="24" name="Rectangle 7"/>
+      <p:sp>
+        <p:nvSpPr>
+          <p:cNvPr id="14" name="Rectangle 7"/>
           <p:cNvSpPr txBox="1">
             <a:spLocks noChangeArrowheads="1"/>
           </p:cNvSpPr>
@@ -16656,19 +16573,286 @@
             </a:pPr>
             <a:r>
               <a:rPr lang="en-US" b="1" dirty="0" smtClean="0"/>
-              <a:t>The Routing between Base Stations:</a:t>
-            </a:r>
+              <a:t>Data Transmission with </a:t>
+            </a:r>
+            <a:r>
+              <a:rPr lang="en-US" b="1" dirty="0"/>
+              <a:t>Transceiver from Lab 2 </a:t>
+            </a:r>
+            <a:endParaRPr lang="en-US" b="1" dirty="0" smtClean="0"/>
           </a:p>
           <a:p>
             <a:endParaRPr lang="en-US" dirty="0"/>
           </a:p>
         </p:txBody>
       </p:sp>
-      <p:sp>
-        <p:nvSpPr>
-          <p:cNvPr id="25" name="Rectangle 7"/>
+      <p:graphicFrame>
+        <p:nvGraphicFramePr>
+          <p:cNvPr id="15" name="Table 14"/>
+          <p:cNvGraphicFramePr>
+            <a:graphicFrameLocks noGrp="1"/>
+          </p:cNvGraphicFramePr>
+          <p:nvPr>
+            <p:extLst>
+              <p:ext uri="{D42A27DB-BD31-4B8C-83A1-F6EECF244321}">
+                <p14:modId xmlns:p14="http://schemas.microsoft.com/office/powerpoint/2010/main" val="1708465962"/>
+              </p:ext>
+            </p:extLst>
+          </p:nvPr>
+        </p:nvGraphicFramePr>
+        <p:xfrm>
+          <a:off x="1589314" y="4510859"/>
+          <a:ext cx="4147457" cy="1960880"/>
+        </p:xfrm>
+        <a:graphic>
+          <a:graphicData uri="http://schemas.openxmlformats.org/drawingml/2006/table">
+            <a:tbl>
+              <a:tblPr firstRow="1" bandRow="1">
+                <a:tableStyleId>{5C22544A-7EE6-4342-B048-85BDC9FD1C3A}</a:tableStyleId>
+              </a:tblPr>
+              <a:tblGrid>
+                <a:gridCol w="1959429"/>
+                <a:gridCol w="2188028"/>
+              </a:tblGrid>
+              <a:tr h="275046">
+                <a:tc>
+                  <a:txBody>
+                    <a:bodyPr/>
+                    <a:lstStyle/>
+                    <a:p>
+                      <a:r>
+                        <a:rPr lang="en-US" dirty="0" smtClean="0"/>
+                        <a:t>Frame Type</a:t>
+                      </a:r>
+                      <a:r>
+                        <a:rPr lang="en-US" baseline="0" dirty="0" smtClean="0"/>
+                        <a:t> </a:t>
+                      </a:r>
+                      <a:endParaRPr lang="en-US" dirty="0"/>
+                    </a:p>
+                  </a:txBody>
+                  <a:tcPr/>
+                </a:tc>
+                <a:tc>
+                  <a:txBody>
+                    <a:bodyPr/>
+                    <a:lstStyle/>
+                    <a:p>
+                      <a:r>
+                        <a:rPr lang="en-US" dirty="0" smtClean="0"/>
+                        <a:t>Number Received</a:t>
+                      </a:r>
+                      <a:endParaRPr lang="en-US" dirty="0"/>
+                    </a:p>
+                  </a:txBody>
+                  <a:tcPr/>
+                </a:tc>
+              </a:tr>
+              <a:tr h="370840">
+                <a:tc>
+                  <a:txBody>
+                    <a:bodyPr/>
+                    <a:lstStyle/>
+                    <a:p>
+                      <a:pPr marL="0" marR="0" indent="0" algn="l" defTabSz="914400" rtl="0" eaLnBrk="1" fontAlgn="auto" latinLnBrk="0" hangingPunct="1">
+                        <a:lnSpc>
+                          <a:spcPct val="100000"/>
+                        </a:lnSpc>
+                        <a:spcBef>
+                          <a:spcPts val="0"/>
+                        </a:spcBef>
+                        <a:spcAft>
+                          <a:spcPts val="0"/>
+                        </a:spcAft>
+                        <a:buClrTx/>
+                        <a:buSzTx/>
+                        <a:buFontTx/>
+                        <a:buNone/>
+                        <a:tabLst/>
+                        <a:defRPr/>
+                      </a:pPr>
+                      <a:r>
+                        <a:rPr lang="en-US" dirty="0" smtClean="0"/>
+                        <a:t>ACKFRAME</a:t>
+                      </a:r>
+                    </a:p>
+                  </a:txBody>
+                  <a:tcPr/>
+                </a:tc>
+                <a:tc>
+                  <a:txBody>
+                    <a:bodyPr/>
+                    <a:lstStyle/>
+                    <a:p>
+                      <a:r>
+                        <a:rPr lang="en-US" dirty="0" smtClean="0"/>
+                        <a:t>0</a:t>
+                      </a:r>
+                      <a:endParaRPr lang="en-US" dirty="0"/>
+                    </a:p>
+                  </a:txBody>
+                  <a:tcPr/>
+                </a:tc>
+              </a:tr>
+              <a:tr h="370840">
+                <a:tc>
+                  <a:txBody>
+                    <a:bodyPr/>
+                    <a:lstStyle/>
+                    <a:p>
+                      <a:pPr marL="0" marR="0" indent="0" algn="l" defTabSz="914400" rtl="0" eaLnBrk="1" fontAlgn="auto" latinLnBrk="0" hangingPunct="1">
+                        <a:lnSpc>
+                          <a:spcPct val="100000"/>
+                        </a:lnSpc>
+                        <a:spcBef>
+                          <a:spcPts val="0"/>
+                        </a:spcBef>
+                        <a:spcAft>
+                          <a:spcPts val="0"/>
+                        </a:spcAft>
+                        <a:buClrTx/>
+                        <a:buSzTx/>
+                        <a:buFontTx/>
+                        <a:buNone/>
+                        <a:tabLst/>
+                        <a:defRPr/>
+                      </a:pPr>
+                      <a:r>
+                        <a:rPr lang="en-US" dirty="0" smtClean="0"/>
+                        <a:t>DATAFRAME</a:t>
+                      </a:r>
+                    </a:p>
+                    <a:p>
+                      <a:pPr marL="285750" indent="-285750">
+                        <a:buFont typeface="Arial" panose="020B0604020202020204" pitchFamily="34" charset="0"/>
+                        <a:buChar char="•"/>
+                      </a:pPr>
+                      <a:r>
+                        <a:rPr lang="en-US" sz="1600" dirty="0" smtClean="0"/>
+                        <a:t>Correct CRC</a:t>
+                      </a:r>
+                    </a:p>
+                    <a:p>
+                      <a:pPr marL="285750" indent="-285750">
+                        <a:buFont typeface="Arial" panose="020B0604020202020204" pitchFamily="34" charset="0"/>
+                        <a:buChar char="•"/>
+                      </a:pPr>
+                      <a:r>
+                        <a:rPr lang="en-US" sz="1600" dirty="0" smtClean="0"/>
+                        <a:t>Corrupt CRC</a:t>
+                      </a:r>
+                      <a:endParaRPr lang="en-US" sz="1600" dirty="0"/>
+                    </a:p>
+                  </a:txBody>
+                  <a:tcPr/>
+                </a:tc>
+                <a:tc>
+                  <a:txBody>
+                    <a:bodyPr/>
+                    <a:lstStyle/>
+                    <a:p>
+                      <a:r>
+                        <a:rPr lang="en-US" dirty="0" smtClean="0"/>
+                        <a:t>165</a:t>
+                      </a:r>
+                    </a:p>
+                    <a:p>
+                      <a:pPr marL="285750" indent="-285750">
+                        <a:buFont typeface="Arial" panose="020B0604020202020204" pitchFamily="34" charset="0"/>
+                        <a:buChar char="•"/>
+                      </a:pPr>
+                      <a:r>
+                        <a:rPr lang="en-US" sz="1600" dirty="0" smtClean="0"/>
+                        <a:t>161</a:t>
+                      </a:r>
+                    </a:p>
+                    <a:p>
+                      <a:pPr marL="285750" indent="-285750">
+                        <a:buFont typeface="Arial" panose="020B0604020202020204" pitchFamily="34" charset="0"/>
+                        <a:buChar char="•"/>
+                      </a:pPr>
+                      <a:r>
+                        <a:rPr lang="en-US" sz="1600" dirty="0" smtClean="0"/>
+                        <a:t>4</a:t>
+                      </a:r>
+                    </a:p>
+                  </a:txBody>
+                  <a:tcPr/>
+                </a:tc>
+              </a:tr>
+              <a:tr h="370840">
+                <a:tc>
+                  <a:txBody>
+                    <a:bodyPr/>
+                    <a:lstStyle/>
+                    <a:p>
+                      <a:pPr marL="0" marR="0" indent="0" algn="l" defTabSz="914400" rtl="0" eaLnBrk="1" fontAlgn="auto" latinLnBrk="0" hangingPunct="1">
+                        <a:lnSpc>
+                          <a:spcPct val="100000"/>
+                        </a:lnSpc>
+                        <a:spcBef>
+                          <a:spcPts val="0"/>
+                        </a:spcBef>
+                        <a:spcAft>
+                          <a:spcPts val="0"/>
+                        </a:spcAft>
+                        <a:buClrTx/>
+                        <a:buSzTx/>
+                        <a:buFontTx/>
+                        <a:buNone/>
+                        <a:tabLst/>
+                        <a:defRPr/>
+                      </a:pPr>
+                      <a:r>
+                        <a:rPr lang="en-US" dirty="0" smtClean="0"/>
+                        <a:t>INVALID</a:t>
+                      </a:r>
+                      <a:endParaRPr lang="en-US" dirty="0"/>
+                    </a:p>
+                  </a:txBody>
+                  <a:tcPr/>
+                </a:tc>
+                <a:tc>
+                  <a:txBody>
+                    <a:bodyPr/>
+                    <a:lstStyle/>
+                    <a:p>
+                      <a:pPr marL="0" marR="0" indent="0" algn="l" defTabSz="914400" rtl="0" eaLnBrk="1" fontAlgn="auto" latinLnBrk="0" hangingPunct="1">
+                        <a:lnSpc>
+                          <a:spcPct val="100000"/>
+                        </a:lnSpc>
+                        <a:spcBef>
+                          <a:spcPts val="0"/>
+                        </a:spcBef>
+                        <a:spcAft>
+                          <a:spcPts val="0"/>
+                        </a:spcAft>
+                        <a:buClrTx/>
+                        <a:buSzTx/>
+                        <a:buFontTx/>
+                        <a:buNone/>
+                        <a:tabLst/>
+                        <a:defRPr/>
+                      </a:pPr>
+                      <a:r>
+                        <a:rPr lang="en-US" dirty="0" smtClean="0"/>
+                        <a:t>3559</a:t>
+                      </a:r>
+                      <a:endParaRPr lang="en-US" dirty="0"/>
+                    </a:p>
+                  </a:txBody>
+                  <a:tcPr/>
+                </a:tc>
+              </a:tr>
+            </a:tbl>
+          </a:graphicData>
+        </a:graphic>
+      </p:graphicFrame>
+      <p:sp>
+        <p:nvSpPr>
+          <p:cNvPr id="16" name="Content Placeholder 2"/>
           <p:cNvSpPr>
-            <a:spLocks noGrp="1" noChangeArrowheads="1"/>
+            <a:spLocks noGrp="1"/>
           </p:cNvSpPr>
           <p:nvPr>
             <p:ph idx="1"/>
@@ -16676,42 +16860,107 @@
         </p:nvSpPr>
         <p:spPr>
           <a:xfrm>
-            <a:off x="1422399" y="1828800"/>
-            <a:ext cx="7511289" cy="1983671"/>
+            <a:off x="5550406" y="2373086"/>
+            <a:ext cx="3169050" cy="4060373"/>
           </a:xfrm>
         </p:spPr>
         <p:txBody>
           <a:bodyPr>
-            <a:normAutofit lnSpcReduction="10000"/>
+            <a:normAutofit fontScale="92500" lnSpcReduction="20000"/>
           </a:bodyPr>
           <a:lstStyle/>
           <a:p>
+            <a:pPr marL="402336" lvl="1" indent="0">
+              <a:buNone/>
+            </a:pPr>
+            <a:r>
+              <a:rPr lang="en-US" dirty="0"/>
+              <a:t>T</a:t>
+            </a:r>
             <a:r>
               <a:rPr lang="en-US" dirty="0" smtClean="0"/>
-              <a:t>Transmit the entire routing path </a:t>
-            </a:r>
-          </a:p>
-          <a:p>
-            <a:pPr lvl="1"/>
+              <a:t>he </a:t>
+            </a:r>
+            <a:r>
+              <a:rPr lang="en-US" dirty="0" err="1" smtClean="0"/>
+              <a:t>frameType</a:t>
+            </a:r>
             <a:r>
               <a:rPr lang="en-US" dirty="0" smtClean="0"/>
-              <a:t>This is very long</a:t>
-            </a:r>
-          </a:p>
-          <a:p>
-            <a:pPr lvl="1"/>
+              <a:t> changed without affecting the CRC for the header</a:t>
+            </a:r>
+          </a:p>
+          <a:p>
+            <a:pPr marL="402336" lvl="1" indent="0">
+              <a:buNone/>
+            </a:pPr>
+            <a:endParaRPr lang="en-US" dirty="0" smtClean="0"/>
+          </a:p>
+          <a:p>
+            <a:pPr marL="402336" lvl="1" indent="0">
+              <a:buNone/>
+            </a:pPr>
+            <a:endParaRPr lang="en-US" dirty="0" smtClean="0"/>
+          </a:p>
+          <a:p>
+            <a:pPr marL="402336" lvl="1" indent="0">
+              <a:buNone/>
+            </a:pPr>
             <a:r>
               <a:rPr lang="en-US" dirty="0" smtClean="0"/>
-              <a:t>It requires additional processing at the Base Station</a:t>
-            </a:r>
-            <a:endParaRPr lang="en-US" dirty="0"/>
+              <a:t>We increased the hamming distance between the values of the types of frames </a:t>
+            </a:r>
+            <a:endParaRPr lang="en-US" dirty="0" smtClean="0"/>
+          </a:p>
+        </p:txBody>
+      </p:sp>
+      <p:sp>
+        <p:nvSpPr>
+          <p:cNvPr id="11" name="Left Arrow 10"/>
+          <p:cNvSpPr/>
+          <p:nvPr/>
+        </p:nvSpPr>
+        <p:spPr>
+          <a:xfrm rot="346190">
+            <a:off x="4038257" y="2883920"/>
+            <a:ext cx="1860991" cy="315686"/>
+          </a:xfrm>
+          <a:prstGeom prst="leftArrow">
+            <a:avLst>
+              <a:gd name="adj1" fmla="val 47127"/>
+              <a:gd name="adj2" fmla="val 83333"/>
+            </a:avLst>
+          </a:prstGeom>
+        </p:spPr>
+        <p:style>
+          <a:lnRef idx="2">
+            <a:schemeClr val="accent1">
+              <a:shade val="50000"/>
+            </a:schemeClr>
+          </a:lnRef>
+          <a:fillRef idx="1">
+            <a:schemeClr val="accent1"/>
+          </a:fillRef>
+          <a:effectRef idx="0">
+            <a:schemeClr val="accent1"/>
+          </a:effectRef>
+          <a:fontRef idx="minor">
+            <a:schemeClr val="lt1"/>
+          </a:fontRef>
+        </p:style>
+        <p:txBody>
+          <a:bodyPr rtlCol="0" anchor="ctr"/>
+          <a:lstStyle/>
+          <a:p>
+            <a:pPr algn="ctr"/>
+            <a:endParaRPr lang="en-US"/>
           </a:p>
         </p:txBody>
       </p:sp>
     </p:spTree>
     <p:extLst>
       <p:ext uri="{BB962C8B-B14F-4D97-AF65-F5344CB8AC3E}">
-        <p14:creationId xmlns:p14="http://schemas.microsoft.com/office/powerpoint/2010/main" val="1373190816"/>
+        <p14:creationId xmlns:p14="http://schemas.microsoft.com/office/powerpoint/2010/main" val="2720606277"/>
       </p:ext>
     </p:extLst>
   </p:cSld>
@@ -16728,7 +16977,7 @@
 </p:sld>
 </file>
 
-<file path=ppt/slides/slide7.xml><?xml version="1.0" encoding="utf-8"?>
+<file path=ppt/slides/slide25.xml><?xml version="1.0" encoding="utf-8"?>
 <p:sld xmlns:a="http://schemas.openxmlformats.org/drawingml/2006/main" xmlns:r="http://schemas.openxmlformats.org/officeDocument/2006/relationships" xmlns:p="http://schemas.openxmlformats.org/presentationml/2006/main">
   <p:cSld>
     <p:spTree>
@@ -16755,6 +17004,81 @@
             <p:ph type="title"/>
           </p:nvPr>
         </p:nvSpPr>
+        <p:spPr>
+          <a:xfrm>
+            <a:off x="1435608" y="274638"/>
+            <a:ext cx="7498080" cy="6213248"/>
+          </a:xfrm>
+        </p:spPr>
+        <p:txBody>
+          <a:bodyPr>
+            <a:normAutofit/>
+          </a:bodyPr>
+          <a:lstStyle/>
+          <a:p>
+            <a:r>
+              <a:rPr lang="en-US" dirty="0" smtClean="0"/>
+              <a:t>‘End-to-End’ </a:t>
+            </a:r>
+            <a:r>
+              <a:rPr lang="en-US" dirty="0" smtClean="0"/>
+              <a:t>Simulation </a:t>
+            </a:r>
+            <a:r>
+              <a:rPr lang="en-US" dirty="0" smtClean="0"/>
+              <a:t>of Data Transmission and ACK Response</a:t>
+            </a:r>
+            <a:endParaRPr lang="en-US" dirty="0"/>
+          </a:p>
+        </p:txBody>
+      </p:sp>
+    </p:spTree>
+    <p:extLst>
+      <p:ext uri="{BB962C8B-B14F-4D97-AF65-F5344CB8AC3E}">
+        <p14:creationId xmlns:p14="http://schemas.microsoft.com/office/powerpoint/2010/main" val="3298929947"/>
+      </p:ext>
+    </p:extLst>
+  </p:cSld>
+  <p:clrMapOvr>
+    <a:masterClrMapping/>
+  </p:clrMapOvr>
+  <p:timing>
+    <p:tnLst>
+      <p:par>
+        <p:cTn id="1" dur="indefinite" restart="never" nodeType="tmRoot"/>
+      </p:par>
+    </p:tnLst>
+  </p:timing>
+</p:sld>
+</file>
+
+<file path=ppt/slides/slide26.xml><?xml version="1.0" encoding="utf-8"?>
+<p:sld xmlns:a="http://schemas.openxmlformats.org/drawingml/2006/main" xmlns:r="http://schemas.openxmlformats.org/officeDocument/2006/relationships" xmlns:p="http://schemas.openxmlformats.org/presentationml/2006/main">
+  <p:cSld>
+    <p:spTree>
+      <p:nvGrpSpPr>
+        <p:cNvPr id="1" name=""/>
+        <p:cNvGrpSpPr/>
+        <p:nvPr/>
+      </p:nvGrpSpPr>
+      <p:grpSpPr>
+        <a:xfrm>
+          <a:off x="0" y="0"/>
+          <a:ext cx="0" cy="0"/>
+          <a:chOff x="0" y="0"/>
+          <a:chExt cx="0" cy="0"/>
+        </a:xfrm>
+      </p:grpSpPr>
+      <p:sp>
+        <p:nvSpPr>
+          <p:cNvPr id="2" name="Title 1"/>
+          <p:cNvSpPr>
+            <a:spLocks noGrp="1"/>
+          </p:cNvSpPr>
+          <p:nvPr>
+            <p:ph type="title"/>
+          </p:nvPr>
+        </p:nvSpPr>
         <p:spPr/>
         <p:txBody>
           <a:bodyPr>
@@ -16764,6 +17088,335 @@
           <a:p>
             <a:r>
               <a:rPr lang="en-US" dirty="0" smtClean="0"/>
+              <a:t>The Limitations of the MAC Layer</a:t>
+            </a:r>
+            <a:endParaRPr lang="en-US" dirty="0"/>
+          </a:p>
+        </p:txBody>
+      </p:sp>
+      <p:sp>
+        <p:nvSpPr>
+          <p:cNvPr id="3" name="Content Placeholder 2"/>
+          <p:cNvSpPr>
+            <a:spLocks noGrp="1"/>
+          </p:cNvSpPr>
+          <p:nvPr>
+            <p:ph idx="1"/>
+          </p:nvPr>
+        </p:nvSpPr>
+        <p:spPr/>
+        <p:txBody>
+          <a:bodyPr/>
+          <a:lstStyle/>
+          <a:p>
+            <a:r>
+              <a:rPr lang="en-US" dirty="0" smtClean="0"/>
+              <a:t>The Physical layer is very important, we cannot compensate for poor data transmission</a:t>
+            </a:r>
+          </a:p>
+          <a:p>
+            <a:r>
+              <a:rPr lang="en-US" dirty="0" smtClean="0"/>
+              <a:t>Hamming distance of the frame type are very important</a:t>
+            </a:r>
+          </a:p>
+          <a:p>
+            <a:r>
+              <a:rPr lang="en-US" dirty="0" smtClean="0"/>
+              <a:t>More data types needed for the control messages in the system than for transmitting data.</a:t>
+            </a:r>
+          </a:p>
+          <a:p>
+            <a:r>
+              <a:rPr lang="en-US" dirty="0" smtClean="0"/>
+              <a:t>Verification of range and possible values</a:t>
+            </a:r>
+            <a:endParaRPr lang="en-US" dirty="0"/>
+          </a:p>
+        </p:txBody>
+      </p:sp>
+    </p:spTree>
+    <p:extLst>
+      <p:ext uri="{BB962C8B-B14F-4D97-AF65-F5344CB8AC3E}">
+        <p14:creationId xmlns:p14="http://schemas.microsoft.com/office/powerpoint/2010/main" val="567683459"/>
+      </p:ext>
+    </p:extLst>
+  </p:cSld>
+  <p:clrMapOvr>
+    <a:masterClrMapping/>
+  </p:clrMapOvr>
+  <p:timing>
+    <p:tnLst>
+      <p:par>
+        <p:cTn id="1" dur="indefinite" restart="never" nodeType="tmRoot"/>
+      </p:par>
+    </p:tnLst>
+  </p:timing>
+</p:sld>
+</file>
+
+<file path=ppt/slides/slide3.xml><?xml version="1.0" encoding="utf-8"?>
+<p:sld xmlns:a="http://schemas.openxmlformats.org/drawingml/2006/main" xmlns:r="http://schemas.openxmlformats.org/officeDocument/2006/relationships" xmlns:p="http://schemas.openxmlformats.org/presentationml/2006/main">
+  <p:cSld>
+    <p:spTree>
+      <p:nvGrpSpPr>
+        <p:cNvPr id="1" name=""/>
+        <p:cNvGrpSpPr/>
+        <p:nvPr/>
+      </p:nvGrpSpPr>
+      <p:grpSpPr>
+        <a:xfrm>
+          <a:off x="0" y="0"/>
+          <a:ext cx="0" cy="0"/>
+          <a:chOff x="0" y="0"/>
+          <a:chExt cx="0" cy="0"/>
+        </a:xfrm>
+      </p:grpSpPr>
+      <p:sp>
+        <p:nvSpPr>
+          <p:cNvPr id="2" name="Title 1"/>
+          <p:cNvSpPr>
+            <a:spLocks noGrp="1"/>
+          </p:cNvSpPr>
+          <p:nvPr>
+            <p:ph type="title"/>
+          </p:nvPr>
+        </p:nvSpPr>
+        <p:spPr/>
+        <p:txBody>
+          <a:bodyPr/>
+          <a:lstStyle/>
+          <a:p>
+            <a:r>
+              <a:rPr lang="en-US" dirty="0" smtClean="0"/>
+              <a:t>Section 2: Purpose</a:t>
+            </a:r>
+            <a:endParaRPr lang="en-US" dirty="0"/>
+          </a:p>
+        </p:txBody>
+      </p:sp>
+      <p:sp>
+        <p:nvSpPr>
+          <p:cNvPr id="3" name="Content Placeholder 2"/>
+          <p:cNvSpPr>
+            <a:spLocks noGrp="1"/>
+          </p:cNvSpPr>
+          <p:nvPr>
+            <p:ph idx="1"/>
+          </p:nvPr>
+        </p:nvSpPr>
+        <p:spPr/>
+        <p:txBody>
+          <a:bodyPr/>
+          <a:lstStyle/>
+          <a:p>
+            <a:r>
+              <a:rPr lang="en-US" dirty="0"/>
+              <a:t>Establishing end-to-end network resource allocation management in simplex mode</a:t>
+            </a:r>
+            <a:r>
+              <a:rPr lang="en-US" dirty="0" smtClean="0"/>
+              <a:t>.</a:t>
+            </a:r>
+          </a:p>
+          <a:p>
+            <a:pPr marL="82296" indent="0">
+              <a:buNone/>
+            </a:pPr>
+            <a:endParaRPr lang="en-US" dirty="0" smtClean="0"/>
+          </a:p>
+          <a:p>
+            <a:r>
+              <a:rPr lang="en-US" dirty="0" smtClean="0"/>
+              <a:t>Exchanging </a:t>
+            </a:r>
+            <a:r>
+              <a:rPr lang="en-US" dirty="0"/>
+              <a:t>of control information and message/ACK forwarding between the UEs and the BS units</a:t>
+            </a:r>
+            <a:r>
+              <a:rPr lang="en-US" dirty="0" smtClean="0"/>
+              <a:t>.</a:t>
+            </a:r>
+            <a:endParaRPr lang="en-US" dirty="0"/>
+          </a:p>
+        </p:txBody>
+      </p:sp>
+    </p:spTree>
+    <p:extLst>
+      <p:ext uri="{BB962C8B-B14F-4D97-AF65-F5344CB8AC3E}">
+        <p14:creationId xmlns:p14="http://schemas.microsoft.com/office/powerpoint/2010/main" val="1467797198"/>
+      </p:ext>
+    </p:extLst>
+  </p:cSld>
+  <p:clrMapOvr>
+    <a:masterClrMapping/>
+  </p:clrMapOvr>
+  <p:timing>
+    <p:tnLst>
+      <p:par>
+        <p:cTn id="1" dur="indefinite" restart="never" nodeType="tmRoot"/>
+      </p:par>
+    </p:tnLst>
+  </p:timing>
+</p:sld>
+</file>
+
+<file path=ppt/slides/slide4.xml><?xml version="1.0" encoding="utf-8"?>
+<p:sld xmlns:a="http://schemas.openxmlformats.org/drawingml/2006/main" xmlns:r="http://schemas.openxmlformats.org/officeDocument/2006/relationships" xmlns:p="http://schemas.openxmlformats.org/presentationml/2006/main">
+  <p:cSld>
+    <p:spTree>
+      <p:nvGrpSpPr>
+        <p:cNvPr id="1" name=""/>
+        <p:cNvGrpSpPr/>
+        <p:nvPr/>
+      </p:nvGrpSpPr>
+      <p:grpSpPr>
+        <a:xfrm>
+          <a:off x="0" y="0"/>
+          <a:ext cx="0" cy="0"/>
+          <a:chOff x="0" y="0"/>
+          <a:chExt cx="0" cy="0"/>
+        </a:xfrm>
+      </p:grpSpPr>
+      <p:sp>
+        <p:nvSpPr>
+          <p:cNvPr id="2" name="Title 1"/>
+          <p:cNvSpPr>
+            <a:spLocks noGrp="1"/>
+          </p:cNvSpPr>
+          <p:nvPr>
+            <p:ph type="title"/>
+          </p:nvPr>
+        </p:nvSpPr>
+        <p:spPr/>
+        <p:txBody>
+          <a:bodyPr>
+            <a:normAutofit fontScale="90000"/>
+          </a:bodyPr>
+          <a:lstStyle/>
+          <a:p>
+            <a:r>
+              <a:rPr lang="en-US" dirty="0" smtClean="0"/>
+              <a:t>Data Transmission in the MAC layer</a:t>
+            </a:r>
+            <a:endParaRPr lang="en-US" dirty="0"/>
+          </a:p>
+        </p:txBody>
+      </p:sp>
+      <p:sp>
+        <p:nvSpPr>
+          <p:cNvPr id="3" name="Content Placeholder 2"/>
+          <p:cNvSpPr>
+            <a:spLocks noGrp="1"/>
+          </p:cNvSpPr>
+          <p:nvPr>
+            <p:ph idx="1"/>
+          </p:nvPr>
+        </p:nvSpPr>
+        <p:spPr/>
+        <p:txBody>
+          <a:bodyPr/>
+          <a:lstStyle/>
+          <a:p>
+            <a:r>
+              <a:rPr lang="en-US" dirty="0" smtClean="0"/>
+              <a:t>The Evolution of the MAC Frame</a:t>
+            </a:r>
+          </a:p>
+          <a:p>
+            <a:r>
+              <a:rPr lang="en-US" dirty="0" smtClean="0"/>
+              <a:t>State Machine for the </a:t>
+            </a:r>
+            <a:r>
+              <a:rPr lang="en-US" dirty="0" smtClean="0"/>
+              <a:t>Frame </a:t>
+            </a:r>
+            <a:r>
+              <a:rPr lang="en-US" dirty="0" smtClean="0"/>
+              <a:t>Transmission</a:t>
+            </a:r>
+          </a:p>
+          <a:p>
+            <a:r>
+              <a:rPr lang="en-US" dirty="0" smtClean="0"/>
+              <a:t>ACK </a:t>
+            </a:r>
+            <a:r>
+              <a:rPr lang="en-US" dirty="0" smtClean="0"/>
+              <a:t>Timeout</a:t>
+            </a:r>
+          </a:p>
+          <a:p>
+            <a:r>
+              <a:rPr lang="en-US" dirty="0" smtClean="0"/>
+              <a:t>Other Features </a:t>
+            </a:r>
+            <a:r>
+              <a:rPr lang="en-US" dirty="0"/>
+              <a:t>Considered</a:t>
+            </a:r>
+            <a:endParaRPr lang="en-US" dirty="0" smtClean="0"/>
+          </a:p>
+        </p:txBody>
+      </p:sp>
+    </p:spTree>
+    <p:extLst>
+      <p:ext uri="{BB962C8B-B14F-4D97-AF65-F5344CB8AC3E}">
+        <p14:creationId xmlns:p14="http://schemas.microsoft.com/office/powerpoint/2010/main" val="1467797198"/>
+      </p:ext>
+    </p:extLst>
+  </p:cSld>
+  <p:clrMapOvr>
+    <a:masterClrMapping/>
+  </p:clrMapOvr>
+  <p:timing>
+    <p:tnLst>
+      <p:par>
+        <p:cTn id="1" dur="indefinite" restart="never" nodeType="tmRoot"/>
+      </p:par>
+    </p:tnLst>
+  </p:timing>
+</p:sld>
+</file>
+
+<file path=ppt/slides/slide5.xml><?xml version="1.0" encoding="utf-8"?>
+<p:sld xmlns:a="http://schemas.openxmlformats.org/drawingml/2006/main" xmlns:r="http://schemas.openxmlformats.org/officeDocument/2006/relationships" xmlns:p="http://schemas.openxmlformats.org/presentationml/2006/main">
+  <p:cSld>
+    <p:spTree>
+      <p:nvGrpSpPr>
+        <p:cNvPr id="1" name=""/>
+        <p:cNvGrpSpPr/>
+        <p:nvPr/>
+      </p:nvGrpSpPr>
+      <p:grpSpPr>
+        <a:xfrm>
+          <a:off x="0" y="0"/>
+          <a:ext cx="0" cy="0"/>
+          <a:chOff x="0" y="0"/>
+          <a:chExt cx="0" cy="0"/>
+        </a:xfrm>
+      </p:grpSpPr>
+      <p:sp>
+        <p:nvSpPr>
+          <p:cNvPr id="2" name="Title 1"/>
+          <p:cNvSpPr>
+            <a:spLocks noGrp="1"/>
+          </p:cNvSpPr>
+          <p:nvPr>
+            <p:ph type="title"/>
+          </p:nvPr>
+        </p:nvSpPr>
+        <p:spPr/>
+        <p:txBody>
+          <a:bodyPr>
+            <a:normAutofit fontScale="90000"/>
+          </a:bodyPr>
+          <a:lstStyle/>
+          <a:p>
+            <a:r>
+              <a:rPr lang="en-US" dirty="0" smtClean="0"/>
               <a:t>The evolution of </a:t>
             </a:r>
             <a:r>
@@ -16775,14 +17428,70 @@
       </p:sp>
       <p:sp>
         <p:nvSpPr>
+          <p:cNvPr id="20" name="Rectangle 7"/>
+          <p:cNvSpPr>
+            <a:spLocks noGrp="1" noChangeArrowheads="1"/>
+          </p:cNvSpPr>
+          <p:nvPr>
+            <p:ph idx="1"/>
+          </p:nvPr>
+        </p:nvSpPr>
+        <p:spPr>
+          <a:xfrm>
+            <a:off x="1422399" y="1447800"/>
+            <a:ext cx="7511289" cy="2971800"/>
+          </a:xfrm>
+        </p:spPr>
+        <p:txBody>
+          <a:bodyPr>
+            <a:normAutofit lnSpcReduction="10000"/>
+          </a:bodyPr>
+          <a:lstStyle/>
+          <a:p>
+            <a:r>
+              <a:rPr lang="en-US" dirty="0"/>
+              <a:t>The package format must be small enough that it is easy to handle </a:t>
+            </a:r>
+          </a:p>
+          <a:p>
+            <a:r>
+              <a:rPr lang="en-US" dirty="0"/>
+              <a:t>It must also convey useful information</a:t>
+            </a:r>
+          </a:p>
+          <a:p>
+            <a:pPr lvl="1"/>
+            <a:r>
+              <a:rPr lang="en-US" dirty="0"/>
+              <a:t>Receiver UE</a:t>
+            </a:r>
+          </a:p>
+          <a:p>
+            <a:pPr lvl="1"/>
+            <a:r>
+              <a:rPr lang="en-US" dirty="0"/>
+              <a:t>Sender UE</a:t>
+            </a:r>
+          </a:p>
+          <a:p>
+            <a:pPr lvl="1"/>
+            <a:r>
+              <a:rPr lang="en-US" dirty="0"/>
+              <a:t>Data</a:t>
+            </a:r>
+          </a:p>
+        </p:txBody>
+      </p:sp>
+      <p:sp>
+        <p:nvSpPr>
           <p:cNvPr id="21" name="Rectangle 20"/>
           <p:cNvSpPr/>
           <p:nvPr/>
         </p:nvSpPr>
         <p:spPr>
           <a:xfrm>
-            <a:off x="2721429" y="5142898"/>
-            <a:ext cx="1382484" cy="868434"/>
+            <a:off x="2383971" y="5142898"/>
+            <a:ext cx="1349830" cy="868434"/>
           </a:xfrm>
           <a:prstGeom prst="rect">
             <a:avLst/>
@@ -16841,8 +17550,8 @@
         </p:nvSpPr>
         <p:spPr>
           <a:xfrm>
-            <a:off x="4103913" y="5142897"/>
-            <a:ext cx="1266371" cy="868434"/>
+            <a:off x="3733801" y="5142897"/>
+            <a:ext cx="1306285" cy="868434"/>
           </a:xfrm>
           <a:prstGeom prst="rect">
             <a:avLst/>
@@ -16901,8 +17610,8 @@
         </p:nvSpPr>
         <p:spPr>
           <a:xfrm>
-            <a:off x="5370285" y="5142898"/>
-            <a:ext cx="3522134" cy="868434"/>
+            <a:off x="5040086" y="5142898"/>
+            <a:ext cx="3852333" cy="868434"/>
           </a:xfrm>
           <a:prstGeom prst="rect">
             <a:avLst/>
@@ -16944,6 +17653,242 @@
           </a:p>
         </p:txBody>
       </p:sp>
+    </p:spTree>
+    <p:extLst>
+      <p:ext uri="{BB962C8B-B14F-4D97-AF65-F5344CB8AC3E}">
+        <p14:creationId xmlns:p14="http://schemas.microsoft.com/office/powerpoint/2010/main" val="2524205937"/>
+      </p:ext>
+    </p:extLst>
+  </p:cSld>
+  <p:clrMapOvr>
+    <a:masterClrMapping/>
+  </p:clrMapOvr>
+  <p:timing>
+    <p:tnLst>
+      <p:par>
+        <p:cTn id="1" dur="indefinite" restart="never" nodeType="tmRoot"/>
+      </p:par>
+    </p:tnLst>
+  </p:timing>
+</p:sld>
+</file>
+
+<file path=ppt/slides/slide6.xml><?xml version="1.0" encoding="utf-8"?>
+<p:sld xmlns:a="http://schemas.openxmlformats.org/drawingml/2006/main" xmlns:r="http://schemas.openxmlformats.org/officeDocument/2006/relationships" xmlns:p="http://schemas.openxmlformats.org/presentationml/2006/main">
+  <p:cSld>
+    <p:spTree>
+      <p:nvGrpSpPr>
+        <p:cNvPr id="1" name=""/>
+        <p:cNvGrpSpPr/>
+        <p:nvPr/>
+      </p:nvGrpSpPr>
+      <p:grpSpPr>
+        <a:xfrm>
+          <a:off x="0" y="0"/>
+          <a:ext cx="0" cy="0"/>
+          <a:chOff x="0" y="0"/>
+          <a:chExt cx="0" cy="0"/>
+        </a:xfrm>
+      </p:grpSpPr>
+      <p:sp>
+        <p:nvSpPr>
+          <p:cNvPr id="2" name="Title 1"/>
+          <p:cNvSpPr>
+            <a:spLocks noGrp="1"/>
+          </p:cNvSpPr>
+          <p:nvPr>
+            <p:ph type="title"/>
+          </p:nvPr>
+        </p:nvSpPr>
+        <p:spPr/>
+        <p:txBody>
+          <a:bodyPr>
+            <a:normAutofit fontScale="90000"/>
+          </a:bodyPr>
+          <a:lstStyle/>
+          <a:p>
+            <a:r>
+              <a:rPr lang="en-US" dirty="0" smtClean="0"/>
+              <a:t>The evolution of </a:t>
+            </a:r>
+            <a:r>
+              <a:rPr lang="en-US" dirty="0"/>
+              <a:t>the MAC Frame</a:t>
+            </a:r>
+          </a:p>
+        </p:txBody>
+      </p:sp>
+      <p:sp>
+        <p:nvSpPr>
+          <p:cNvPr id="21" name="Rectangle 20"/>
+          <p:cNvSpPr/>
+          <p:nvPr/>
+        </p:nvSpPr>
+        <p:spPr>
+          <a:xfrm>
+            <a:off x="2721429" y="5142898"/>
+            <a:ext cx="1382484" cy="868434"/>
+          </a:xfrm>
+          <a:prstGeom prst="rect">
+            <a:avLst/>
+          </a:prstGeom>
+          <a:solidFill>
+            <a:schemeClr val="accent6">
+              <a:lumMod val="20000"/>
+              <a:lumOff val="80000"/>
+            </a:schemeClr>
+          </a:solidFill>
+          <a:ln>
+            <a:solidFill>
+              <a:schemeClr val="tx1"/>
+            </a:solidFill>
+          </a:ln>
+        </p:spPr>
+        <p:style>
+          <a:lnRef idx="2">
+            <a:schemeClr val="accent6"/>
+          </a:lnRef>
+          <a:fillRef idx="1">
+            <a:schemeClr val="lt1"/>
+          </a:fillRef>
+          <a:effectRef idx="0">
+            <a:schemeClr val="accent6"/>
+          </a:effectRef>
+          <a:fontRef idx="minor">
+            <a:schemeClr val="dk1"/>
+          </a:fontRef>
+        </p:style>
+        <p:txBody>
+          <a:bodyPr rtlCol="0" anchor="ctr"/>
+          <a:lstStyle/>
+          <a:p>
+            <a:pPr algn="ctr"/>
+            <a:r>
+              <a:rPr lang="en-US" dirty="0" smtClean="0"/>
+              <a:t>Receiver UE</a:t>
+            </a:r>
+          </a:p>
+          <a:p>
+            <a:pPr algn="ctr"/>
+            <a:r>
+              <a:rPr lang="en-US" dirty="0" smtClean="0"/>
+              <a:t>1 byte </a:t>
+            </a:r>
+            <a:endParaRPr lang="en-US" dirty="0"/>
+          </a:p>
+        </p:txBody>
+      </p:sp>
+      <p:sp>
+        <p:nvSpPr>
+          <p:cNvPr id="22" name="Rectangle 21"/>
+          <p:cNvSpPr/>
+          <p:nvPr/>
+        </p:nvSpPr>
+        <p:spPr>
+          <a:xfrm>
+            <a:off x="4103913" y="5142897"/>
+            <a:ext cx="1266371" cy="868434"/>
+          </a:xfrm>
+          <a:prstGeom prst="rect">
+            <a:avLst/>
+          </a:prstGeom>
+          <a:solidFill>
+            <a:schemeClr val="tx2">
+              <a:lumMod val="20000"/>
+              <a:lumOff val="80000"/>
+            </a:schemeClr>
+          </a:solidFill>
+          <a:ln>
+            <a:solidFill>
+              <a:schemeClr val="tx1"/>
+            </a:solidFill>
+          </a:ln>
+        </p:spPr>
+        <p:style>
+          <a:lnRef idx="2">
+            <a:schemeClr val="accent6"/>
+          </a:lnRef>
+          <a:fillRef idx="1">
+            <a:schemeClr val="lt1"/>
+          </a:fillRef>
+          <a:effectRef idx="0">
+            <a:schemeClr val="accent6"/>
+          </a:effectRef>
+          <a:fontRef idx="minor">
+            <a:schemeClr val="dk1"/>
+          </a:fontRef>
+        </p:style>
+        <p:txBody>
+          <a:bodyPr rtlCol="0" anchor="ctr"/>
+          <a:lstStyle/>
+          <a:p>
+            <a:pPr algn="ctr"/>
+            <a:r>
+              <a:rPr lang="en-US" dirty="0" smtClean="0"/>
+              <a:t>Sender UE</a:t>
+            </a:r>
+          </a:p>
+          <a:p>
+            <a:pPr algn="ctr"/>
+            <a:r>
+              <a:rPr lang="en-US" dirty="0" smtClean="0"/>
+              <a:t>1 byte </a:t>
+            </a:r>
+            <a:endParaRPr lang="en-US" dirty="0"/>
+          </a:p>
+        </p:txBody>
+      </p:sp>
+      <p:sp>
+        <p:nvSpPr>
+          <p:cNvPr id="23" name="Rectangle 22"/>
+          <p:cNvSpPr/>
+          <p:nvPr/>
+        </p:nvSpPr>
+        <p:spPr>
+          <a:xfrm>
+            <a:off x="5370285" y="5142898"/>
+            <a:ext cx="3522134" cy="868434"/>
+          </a:xfrm>
+          <a:prstGeom prst="rect">
+            <a:avLst/>
+          </a:prstGeom>
+          <a:solidFill>
+            <a:schemeClr val="bg1">
+              <a:lumMod val="95000"/>
+            </a:schemeClr>
+          </a:solidFill>
+          <a:ln>
+            <a:solidFill>
+              <a:schemeClr val="tx1"/>
+            </a:solidFill>
+          </a:ln>
+        </p:spPr>
+        <p:style>
+          <a:lnRef idx="2">
+            <a:schemeClr val="accent6"/>
+          </a:lnRef>
+          <a:fillRef idx="1">
+            <a:schemeClr val="lt1"/>
+          </a:fillRef>
+          <a:effectRef idx="0">
+            <a:schemeClr val="accent6"/>
+          </a:effectRef>
+          <a:fontRef idx="minor">
+            <a:schemeClr val="dk1"/>
+          </a:fontRef>
+        </p:style>
+        <p:txBody>
+          <a:bodyPr rtlCol="0" anchor="ctr"/>
+          <a:lstStyle/>
+          <a:p>
+            <a:pPr algn="ctr"/>
+            <a:r>
+              <a:rPr lang="en-US" dirty="0" smtClean="0"/>
+              <a:t>Data</a:t>
+            </a:r>
+          </a:p>
+        </p:txBody>
+      </p:sp>
       <p:sp>
         <p:nvSpPr>
           <p:cNvPr id="7" name="Rectangle 6"/>
@@ -16988,7 +17933,7 @@
             <a:pPr algn="ctr"/>
             <a:r>
               <a:rPr lang="en-US" dirty="0" smtClean="0"/>
-              <a:t>Option 2</a:t>
+              <a:t>Option 1</a:t>
             </a:r>
             <a:endParaRPr lang="en-US" dirty="0"/>
           </a:p>
@@ -17002,8 +17947,8 @@
         </p:nvSpPr>
         <p:spPr>
           <a:xfrm>
-            <a:off x="1643744" y="3812471"/>
-            <a:ext cx="1519764" cy="867228"/>
+            <a:off x="1968584" y="3812471"/>
+            <a:ext cx="1166501" cy="867228"/>
           </a:xfrm>
           <a:prstGeom prst="rect">
             <a:avLst/>
@@ -17089,57 +18034,169 @@
       </p:sp>
       <p:sp>
         <p:nvSpPr>
-          <p:cNvPr id="12" name="Rectangle 7"/>
-          <p:cNvSpPr>
-            <a:spLocks noGrp="1" noChangeArrowheads="1"/>
-          </p:cNvSpPr>
-          <p:nvPr>
-            <p:ph idx="1"/>
-          </p:nvPr>
-        </p:nvSpPr>
-        <p:spPr>
-          <a:xfrm>
-            <a:off x="1422399" y="1817915"/>
-            <a:ext cx="7511289" cy="1976416"/>
-          </a:xfrm>
-        </p:spPr>
-        <p:txBody>
-          <a:bodyPr>
-            <a:normAutofit lnSpcReduction="10000"/>
-          </a:bodyPr>
-          <a:lstStyle/>
-          <a:p>
+          <p:cNvPr id="14" name="Rectangle 13"/>
+          <p:cNvSpPr/>
+          <p:nvPr/>
+        </p:nvSpPr>
+        <p:spPr>
+          <a:xfrm>
+            <a:off x="4307718" y="3692727"/>
+            <a:ext cx="1062566" cy="965200"/>
+          </a:xfrm>
+          <a:prstGeom prst="rect">
+            <a:avLst/>
+          </a:prstGeom>
+          <a:solidFill>
+            <a:schemeClr val="bg1"/>
+          </a:solidFill>
+          <a:ln>
+            <a:solidFill>
+              <a:schemeClr val="bg1"/>
+            </a:solidFill>
+          </a:ln>
+        </p:spPr>
+        <p:style>
+          <a:lnRef idx="2">
+            <a:schemeClr val="accent2"/>
+          </a:lnRef>
+          <a:fillRef idx="1">
+            <a:schemeClr val="lt1"/>
+          </a:fillRef>
+          <a:effectRef idx="0">
+            <a:schemeClr val="accent2"/>
+          </a:effectRef>
+          <a:fontRef idx="minor">
+            <a:schemeClr val="dk1"/>
+          </a:fontRef>
+        </p:style>
+        <p:txBody>
+          <a:bodyPr rtlCol="0" anchor="ctr"/>
+          <a:lstStyle/>
+          <a:p>
+            <a:pPr algn="ctr"/>
             <a:r>
               <a:rPr lang="en-US" dirty="0" smtClean="0"/>
-              <a:t>Transmit a code for one of the 6 paths  </a:t>
-            </a:r>
-          </a:p>
-          <a:p>
-            <a:pPr lvl="1"/>
-            <a:r>
-              <a:rPr lang="en-US" dirty="0"/>
-              <a:t>Does not depend on how the network is initialized</a:t>
-            </a:r>
-          </a:p>
-          <a:p>
-            <a:pPr lvl="1"/>
+              <a:t>Option 1</a:t>
+            </a:r>
+            <a:endParaRPr lang="en-US" dirty="0"/>
+          </a:p>
+        </p:txBody>
+      </p:sp>
+      <p:sp>
+        <p:nvSpPr>
+          <p:cNvPr id="15" name="Rectangle 14"/>
+          <p:cNvSpPr/>
+          <p:nvPr/>
+        </p:nvSpPr>
+        <p:spPr>
+          <a:xfrm>
+            <a:off x="2936118" y="3707246"/>
+            <a:ext cx="1371600" cy="965200"/>
+          </a:xfrm>
+          <a:prstGeom prst="rect">
+            <a:avLst/>
+          </a:prstGeom>
+          <a:solidFill>
+            <a:schemeClr val="accent1">
+              <a:lumMod val="20000"/>
+              <a:lumOff val="80000"/>
+            </a:schemeClr>
+          </a:solidFill>
+          <a:ln/>
+        </p:spPr>
+        <p:style>
+          <a:lnRef idx="2">
+            <a:schemeClr val="accent2"/>
+          </a:lnRef>
+          <a:fillRef idx="1">
+            <a:schemeClr val="lt1"/>
+          </a:fillRef>
+          <a:effectRef idx="0">
+            <a:schemeClr val="accent2"/>
+          </a:effectRef>
+          <a:fontRef idx="minor">
+            <a:schemeClr val="dk1"/>
+          </a:fontRef>
+        </p:style>
+        <p:txBody>
+          <a:bodyPr rtlCol="0" anchor="ctr"/>
+          <a:lstStyle/>
+          <a:p>
+            <a:pPr algn="ctr"/>
             <a:r>
               <a:rPr lang="en-US" dirty="0" smtClean="0"/>
-              <a:t>Not scalable </a:t>
-            </a:r>
-          </a:p>
-          <a:p>
-            <a:pPr lvl="1"/>
+              <a:t>Receiver Base Station</a:t>
+            </a:r>
+          </a:p>
+          <a:p>
+            <a:pPr algn="ctr"/>
+            <a:r>
+              <a:rPr lang="en-US" dirty="0" smtClean="0"/>
+              <a:t>1 byte </a:t>
+            </a:r>
             <a:endParaRPr lang="en-US" dirty="0"/>
           </a:p>
-          <a:p>
+        </p:txBody>
+      </p:sp>
+      <p:sp>
+        <p:nvSpPr>
+          <p:cNvPr id="16" name="Rectangle 15"/>
+          <p:cNvSpPr/>
+          <p:nvPr/>
+        </p:nvSpPr>
+        <p:spPr>
+          <a:xfrm>
+            <a:off x="1526418" y="3707246"/>
+            <a:ext cx="1409700" cy="965200"/>
+          </a:xfrm>
+          <a:prstGeom prst="rect">
+            <a:avLst/>
+          </a:prstGeom>
+          <a:solidFill>
+            <a:schemeClr val="accent5">
+              <a:lumMod val="20000"/>
+              <a:lumOff val="80000"/>
+            </a:schemeClr>
+          </a:solidFill>
+          <a:ln/>
+        </p:spPr>
+        <p:style>
+          <a:lnRef idx="2">
+            <a:schemeClr val="accent2"/>
+          </a:lnRef>
+          <a:fillRef idx="1">
+            <a:schemeClr val="lt1"/>
+          </a:fillRef>
+          <a:effectRef idx="0">
+            <a:schemeClr val="accent2"/>
+          </a:effectRef>
+          <a:fontRef idx="minor">
+            <a:schemeClr val="dk1"/>
+          </a:fontRef>
+        </p:style>
+        <p:txBody>
+          <a:bodyPr rtlCol="0" anchor="ctr"/>
+          <a:lstStyle/>
+          <a:p>
+            <a:pPr algn="ctr"/>
+            <a:r>
+              <a:rPr lang="en-US" dirty="0" smtClean="0"/>
+              <a:t>Sender Base Station</a:t>
+            </a:r>
+          </a:p>
+          <a:p>
+            <a:pPr algn="ctr"/>
+            <a:r>
+              <a:rPr lang="en-US" dirty="0" smtClean="0"/>
+              <a:t>1 byte </a:t>
+            </a:r>
             <a:endParaRPr lang="en-US" dirty="0"/>
           </a:p>
         </p:txBody>
       </p:sp>
       <p:sp>
         <p:nvSpPr>
-          <p:cNvPr id="13" name="Rectangle 7"/>
+          <p:cNvPr id="24" name="Rectangle 7"/>
           <p:cNvSpPr txBox="1">
             <a:spLocks noChangeArrowheads="1"/>
           </p:cNvSpPr>
@@ -17361,6 +18418,917 @@
             </a:r>
           </a:p>
           <a:p>
+            <a:endParaRPr lang="en-US" dirty="0"/>
+          </a:p>
+        </p:txBody>
+      </p:sp>
+      <p:sp>
+        <p:nvSpPr>
+          <p:cNvPr id="25" name="Rectangle 7"/>
+          <p:cNvSpPr>
+            <a:spLocks noGrp="1" noChangeArrowheads="1"/>
+          </p:cNvSpPr>
+          <p:nvPr>
+            <p:ph idx="1"/>
+          </p:nvPr>
+        </p:nvSpPr>
+        <p:spPr>
+          <a:xfrm>
+            <a:off x="1422399" y="1828800"/>
+            <a:ext cx="7511289" cy="1983671"/>
+          </a:xfrm>
+        </p:spPr>
+        <p:txBody>
+          <a:bodyPr>
+            <a:normAutofit lnSpcReduction="10000"/>
+          </a:bodyPr>
+          <a:lstStyle/>
+          <a:p>
+            <a:r>
+              <a:rPr lang="en-US" dirty="0" smtClean="0"/>
+              <a:t>Transmit the entire routing path </a:t>
+            </a:r>
+          </a:p>
+          <a:p>
+            <a:pPr lvl="1"/>
+            <a:r>
+              <a:rPr lang="en-US" dirty="0" smtClean="0"/>
+              <a:t>This is very long</a:t>
+            </a:r>
+          </a:p>
+          <a:p>
+            <a:pPr lvl="1"/>
+            <a:r>
+              <a:rPr lang="en-US" dirty="0" smtClean="0"/>
+              <a:t>It requires additional processing at the Base Station</a:t>
+            </a:r>
+            <a:endParaRPr lang="en-US" dirty="0"/>
+          </a:p>
+        </p:txBody>
+      </p:sp>
+    </p:spTree>
+    <p:extLst>
+      <p:ext uri="{BB962C8B-B14F-4D97-AF65-F5344CB8AC3E}">
+        <p14:creationId xmlns:p14="http://schemas.microsoft.com/office/powerpoint/2010/main" val="1373190816"/>
+      </p:ext>
+    </p:extLst>
+  </p:cSld>
+  <p:clrMapOvr>
+    <a:masterClrMapping/>
+  </p:clrMapOvr>
+  <p:timing>
+    <p:tnLst>
+      <p:par>
+        <p:cTn id="1" dur="indefinite" restart="never" nodeType="tmRoot"/>
+      </p:par>
+    </p:tnLst>
+  </p:timing>
+</p:sld>
+</file>
+
+<file path=ppt/slides/slide7.xml><?xml version="1.0" encoding="utf-8"?>
+<p:sld xmlns:a="http://schemas.openxmlformats.org/drawingml/2006/main" xmlns:r="http://schemas.openxmlformats.org/officeDocument/2006/relationships" xmlns:p="http://schemas.openxmlformats.org/presentationml/2006/main">
+  <p:cSld>
+    <p:spTree>
+      <p:nvGrpSpPr>
+        <p:cNvPr id="1" name=""/>
+        <p:cNvGrpSpPr/>
+        <p:nvPr/>
+      </p:nvGrpSpPr>
+      <p:grpSpPr>
+        <a:xfrm>
+          <a:off x="0" y="0"/>
+          <a:ext cx="0" cy="0"/>
+          <a:chOff x="0" y="0"/>
+          <a:chExt cx="0" cy="0"/>
+        </a:xfrm>
+      </p:grpSpPr>
+      <p:sp>
+        <p:nvSpPr>
+          <p:cNvPr id="2" name="Title 1"/>
+          <p:cNvSpPr>
+            <a:spLocks noGrp="1"/>
+          </p:cNvSpPr>
+          <p:nvPr>
+            <p:ph type="title"/>
+          </p:nvPr>
+        </p:nvSpPr>
+        <p:spPr/>
+        <p:txBody>
+          <a:bodyPr>
+            <a:normAutofit fontScale="90000"/>
+          </a:bodyPr>
+          <a:lstStyle/>
+          <a:p>
+            <a:r>
+              <a:rPr lang="en-US" dirty="0" smtClean="0"/>
+              <a:t>The evolution of </a:t>
+            </a:r>
+            <a:r>
+              <a:rPr lang="en-US" dirty="0"/>
+              <a:t>the MAC Frame</a:t>
+            </a:r>
+          </a:p>
+        </p:txBody>
+      </p:sp>
+      <p:sp>
+        <p:nvSpPr>
+          <p:cNvPr id="21" name="Rectangle 20"/>
+          <p:cNvSpPr/>
+          <p:nvPr/>
+        </p:nvSpPr>
+        <p:spPr>
+          <a:xfrm>
+            <a:off x="2721429" y="5142898"/>
+            <a:ext cx="1382484" cy="868434"/>
+          </a:xfrm>
+          <a:prstGeom prst="rect">
+            <a:avLst/>
+          </a:prstGeom>
+          <a:solidFill>
+            <a:schemeClr val="accent6">
+              <a:lumMod val="20000"/>
+              <a:lumOff val="80000"/>
+            </a:schemeClr>
+          </a:solidFill>
+          <a:ln>
+            <a:solidFill>
+              <a:schemeClr val="tx1"/>
+            </a:solidFill>
+          </a:ln>
+        </p:spPr>
+        <p:style>
+          <a:lnRef idx="2">
+            <a:schemeClr val="accent6"/>
+          </a:lnRef>
+          <a:fillRef idx="1">
+            <a:schemeClr val="lt1"/>
+          </a:fillRef>
+          <a:effectRef idx="0">
+            <a:schemeClr val="accent6"/>
+          </a:effectRef>
+          <a:fontRef idx="minor">
+            <a:schemeClr val="dk1"/>
+          </a:fontRef>
+        </p:style>
+        <p:txBody>
+          <a:bodyPr rtlCol="0" anchor="ctr"/>
+          <a:lstStyle/>
+          <a:p>
+            <a:pPr algn="ctr"/>
+            <a:r>
+              <a:rPr lang="en-US" dirty="0" smtClean="0"/>
+              <a:t>Receiver UE</a:t>
+            </a:r>
+          </a:p>
+          <a:p>
+            <a:pPr algn="ctr"/>
+            <a:r>
+              <a:rPr lang="en-US" dirty="0" smtClean="0"/>
+              <a:t>1 byte </a:t>
+            </a:r>
+            <a:endParaRPr lang="en-US" dirty="0"/>
+          </a:p>
+        </p:txBody>
+      </p:sp>
+      <p:sp>
+        <p:nvSpPr>
+          <p:cNvPr id="22" name="Rectangle 21"/>
+          <p:cNvSpPr/>
+          <p:nvPr/>
+        </p:nvSpPr>
+        <p:spPr>
+          <a:xfrm>
+            <a:off x="4103913" y="5142897"/>
+            <a:ext cx="1266371" cy="868434"/>
+          </a:xfrm>
+          <a:prstGeom prst="rect">
+            <a:avLst/>
+          </a:prstGeom>
+          <a:solidFill>
+            <a:schemeClr val="tx2">
+              <a:lumMod val="20000"/>
+              <a:lumOff val="80000"/>
+            </a:schemeClr>
+          </a:solidFill>
+          <a:ln>
+            <a:solidFill>
+              <a:schemeClr val="tx1"/>
+            </a:solidFill>
+          </a:ln>
+        </p:spPr>
+        <p:style>
+          <a:lnRef idx="2">
+            <a:schemeClr val="accent6"/>
+          </a:lnRef>
+          <a:fillRef idx="1">
+            <a:schemeClr val="lt1"/>
+          </a:fillRef>
+          <a:effectRef idx="0">
+            <a:schemeClr val="accent6"/>
+          </a:effectRef>
+          <a:fontRef idx="minor">
+            <a:schemeClr val="dk1"/>
+          </a:fontRef>
+        </p:style>
+        <p:txBody>
+          <a:bodyPr rtlCol="0" anchor="ctr"/>
+          <a:lstStyle/>
+          <a:p>
+            <a:pPr algn="ctr"/>
+            <a:r>
+              <a:rPr lang="en-US" dirty="0" smtClean="0"/>
+              <a:t>Sender UE</a:t>
+            </a:r>
+          </a:p>
+          <a:p>
+            <a:pPr algn="ctr"/>
+            <a:r>
+              <a:rPr lang="en-US" dirty="0" smtClean="0"/>
+              <a:t>1 byte </a:t>
+            </a:r>
+            <a:endParaRPr lang="en-US" dirty="0"/>
+          </a:p>
+        </p:txBody>
+      </p:sp>
+      <p:sp>
+        <p:nvSpPr>
+          <p:cNvPr id="23" name="Rectangle 22"/>
+          <p:cNvSpPr/>
+          <p:nvPr/>
+        </p:nvSpPr>
+        <p:spPr>
+          <a:xfrm>
+            <a:off x="5370285" y="5142898"/>
+            <a:ext cx="3522134" cy="868434"/>
+          </a:xfrm>
+          <a:prstGeom prst="rect">
+            <a:avLst/>
+          </a:prstGeom>
+          <a:solidFill>
+            <a:schemeClr val="bg1">
+              <a:lumMod val="95000"/>
+            </a:schemeClr>
+          </a:solidFill>
+          <a:ln>
+            <a:solidFill>
+              <a:schemeClr val="tx1"/>
+            </a:solidFill>
+          </a:ln>
+        </p:spPr>
+        <p:style>
+          <a:lnRef idx="2">
+            <a:schemeClr val="accent6"/>
+          </a:lnRef>
+          <a:fillRef idx="1">
+            <a:schemeClr val="lt1"/>
+          </a:fillRef>
+          <a:effectRef idx="0">
+            <a:schemeClr val="accent6"/>
+          </a:effectRef>
+          <a:fontRef idx="minor">
+            <a:schemeClr val="dk1"/>
+          </a:fontRef>
+        </p:style>
+        <p:txBody>
+          <a:bodyPr rtlCol="0" anchor="ctr"/>
+          <a:lstStyle/>
+          <a:p>
+            <a:pPr algn="ctr"/>
+            <a:r>
+              <a:rPr lang="en-US" dirty="0" smtClean="0"/>
+              <a:t>Data</a:t>
+            </a:r>
+          </a:p>
+        </p:txBody>
+      </p:sp>
+      <p:sp>
+        <p:nvSpPr>
+          <p:cNvPr id="7" name="Rectangle 6"/>
+          <p:cNvSpPr/>
+          <p:nvPr/>
+        </p:nvSpPr>
+        <p:spPr>
+          <a:xfrm>
+            <a:off x="3163508" y="3794331"/>
+            <a:ext cx="1062566" cy="885368"/>
+          </a:xfrm>
+          <a:prstGeom prst="rect">
+            <a:avLst/>
+          </a:prstGeom>
+          <a:solidFill>
+            <a:schemeClr val="bg1"/>
+          </a:solidFill>
+          <a:ln>
+            <a:solidFill>
+              <a:schemeClr val="bg1"/>
+            </a:solidFill>
+          </a:ln>
+        </p:spPr>
+        <p:style>
+          <a:lnRef idx="2">
+            <a:schemeClr val="accent2"/>
+          </a:lnRef>
+          <a:fillRef idx="1">
+            <a:schemeClr val="lt1"/>
+          </a:fillRef>
+          <a:effectRef idx="0">
+            <a:schemeClr val="accent2"/>
+          </a:effectRef>
+          <a:fontRef idx="minor">
+            <a:schemeClr val="dk1"/>
+          </a:fontRef>
+        </p:style>
+        <p:txBody>
+          <a:bodyPr rtlCol="0" anchor="ctr"/>
+          <a:lstStyle/>
+          <a:p>
+            <a:pPr algn="ctr"/>
+            <a:r>
+              <a:rPr lang="en-US" dirty="0" smtClean="0"/>
+              <a:t>Option 2</a:t>
+            </a:r>
+            <a:endParaRPr lang="en-US" dirty="0"/>
+          </a:p>
+        </p:txBody>
+      </p:sp>
+      <p:sp>
+        <p:nvSpPr>
+          <p:cNvPr id="8" name="Rectangle 7"/>
+          <p:cNvSpPr/>
+          <p:nvPr/>
+        </p:nvSpPr>
+        <p:spPr>
+          <a:xfrm>
+            <a:off x="1643744" y="3812471"/>
+            <a:ext cx="1519764" cy="867228"/>
+          </a:xfrm>
+          <a:prstGeom prst="rect">
+            <a:avLst/>
+          </a:prstGeom>
+          <a:solidFill>
+            <a:srgbClr val="F6D0FE"/>
+          </a:solidFill>
+          <a:ln/>
+        </p:spPr>
+        <p:style>
+          <a:lnRef idx="2">
+            <a:schemeClr val="accent2"/>
+          </a:lnRef>
+          <a:fillRef idx="1">
+            <a:schemeClr val="lt1"/>
+          </a:fillRef>
+          <a:effectRef idx="0">
+            <a:schemeClr val="accent2"/>
+          </a:effectRef>
+          <a:fontRef idx="minor">
+            <a:schemeClr val="dk1"/>
+          </a:fontRef>
+        </p:style>
+        <p:txBody>
+          <a:bodyPr rtlCol="0" anchor="ctr"/>
+          <a:lstStyle/>
+          <a:p>
+            <a:pPr algn="ctr"/>
+            <a:r>
+              <a:rPr lang="en-US" dirty="0" smtClean="0"/>
+              <a:t>Routing Path </a:t>
+            </a:r>
+          </a:p>
+          <a:p>
+            <a:pPr algn="ctr"/>
+            <a:r>
+              <a:rPr lang="en-US" dirty="0" smtClean="0"/>
+              <a:t>1 bytes </a:t>
+            </a:r>
+            <a:endParaRPr lang="en-US" dirty="0"/>
+          </a:p>
+        </p:txBody>
+      </p:sp>
+      <p:sp>
+        <p:nvSpPr>
+          <p:cNvPr id="9" name="Down Arrow 8"/>
+          <p:cNvSpPr/>
+          <p:nvPr/>
+        </p:nvSpPr>
+        <p:spPr>
+          <a:xfrm rot="1524949">
+            <a:off x="2047592" y="4802141"/>
+            <a:ext cx="583114" cy="499666"/>
+          </a:xfrm>
+          <a:prstGeom prst="downArrow">
+            <a:avLst/>
+          </a:prstGeom>
+        </p:spPr>
+        <p:style>
+          <a:lnRef idx="2">
+            <a:schemeClr val="accent2">
+              <a:shade val="50000"/>
+            </a:schemeClr>
+          </a:lnRef>
+          <a:fillRef idx="1">
+            <a:schemeClr val="accent2"/>
+          </a:fillRef>
+          <a:effectRef idx="0">
+            <a:schemeClr val="accent2"/>
+          </a:effectRef>
+          <a:fontRef idx="minor">
+            <a:schemeClr val="lt1"/>
+          </a:fontRef>
+        </p:style>
+        <p:txBody>
+          <a:bodyPr rtlCol="0" anchor="ctr"/>
+          <a:lstStyle/>
+          <a:p>
+            <a:pPr algn="ctr"/>
+            <a:endParaRPr lang="en-US"/>
+          </a:p>
+        </p:txBody>
+      </p:sp>
+      <p:sp>
+        <p:nvSpPr>
+          <p:cNvPr id="12" name="Rectangle 7"/>
+          <p:cNvSpPr>
+            <a:spLocks noGrp="1" noChangeArrowheads="1"/>
+          </p:cNvSpPr>
+          <p:nvPr>
+            <p:ph idx="1"/>
+          </p:nvPr>
+        </p:nvSpPr>
+        <p:spPr>
+          <a:xfrm>
+            <a:off x="1422399" y="1817915"/>
+            <a:ext cx="7511289" cy="1976416"/>
+          </a:xfrm>
+        </p:spPr>
+        <p:txBody>
+          <a:bodyPr>
+            <a:normAutofit/>
+          </a:bodyPr>
+          <a:lstStyle/>
+          <a:p>
+            <a:pPr lvl="1"/>
+            <a:endParaRPr lang="en-US" dirty="0"/>
+          </a:p>
+          <a:p>
+            <a:endParaRPr lang="en-US" dirty="0"/>
+          </a:p>
+        </p:txBody>
+      </p:sp>
+      <p:sp>
+        <p:nvSpPr>
+          <p:cNvPr id="13" name="Rectangle 7"/>
+          <p:cNvSpPr txBox="1">
+            <a:spLocks noChangeArrowheads="1"/>
+          </p:cNvSpPr>
+          <p:nvPr/>
+        </p:nvSpPr>
+        <p:spPr>
+          <a:xfrm>
+            <a:off x="981453" y="1197429"/>
+            <a:ext cx="7511289" cy="1066800"/>
+          </a:xfrm>
+          <a:prstGeom prst="rect">
+            <a:avLst/>
+          </a:prstGeom>
+        </p:spPr>
+        <p:txBody>
+          <a:bodyPr>
+            <a:normAutofit/>
+          </a:bodyPr>
+          <a:lstStyle>
+            <a:lvl1pPr marL="365760" indent="-283464" algn="l" rtl="0" eaLnBrk="1" latinLnBrk="0" hangingPunct="1">
+              <a:lnSpc>
+                <a:spcPct val="100000"/>
+              </a:lnSpc>
+              <a:spcBef>
+                <a:spcPts val="600"/>
+              </a:spcBef>
+              <a:buClr>
+                <a:schemeClr val="accent1"/>
+              </a:buClr>
+              <a:buSzPct val="80000"/>
+              <a:buFont typeface="Wingdings 2"/>
+              <a:buChar char=""/>
+              <a:defRPr kumimoji="0" sz="3200" kern="1200">
+                <a:solidFill>
+                  <a:schemeClr val="tx1"/>
+                </a:solidFill>
+                <a:latin typeface="+mn-lt"/>
+                <a:ea typeface="+mn-ea"/>
+                <a:cs typeface="+mn-cs"/>
+              </a:defRPr>
+            </a:lvl1pPr>
+            <a:lvl2pPr marL="640080" indent="-237744" algn="l" rtl="0" eaLnBrk="1" latinLnBrk="0" hangingPunct="1">
+              <a:lnSpc>
+                <a:spcPct val="100000"/>
+              </a:lnSpc>
+              <a:spcBef>
+                <a:spcPts val="550"/>
+              </a:spcBef>
+              <a:buClr>
+                <a:schemeClr val="accent1"/>
+              </a:buClr>
+              <a:buFont typeface="Verdana"/>
+              <a:buChar char="◦"/>
+              <a:defRPr kumimoji="0" sz="2800" kern="1200">
+                <a:solidFill>
+                  <a:schemeClr val="tx1"/>
+                </a:solidFill>
+                <a:latin typeface="+mn-lt"/>
+                <a:ea typeface="+mn-ea"/>
+                <a:cs typeface="+mn-cs"/>
+              </a:defRPr>
+            </a:lvl2pPr>
+            <a:lvl3pPr marL="886968" indent="-228600" algn="l" rtl="0" eaLnBrk="1" latinLnBrk="0" hangingPunct="1">
+              <a:lnSpc>
+                <a:spcPct val="100000"/>
+              </a:lnSpc>
+              <a:spcBef>
+                <a:spcPct val="20000"/>
+              </a:spcBef>
+              <a:buClr>
+                <a:schemeClr val="accent2"/>
+              </a:buClr>
+              <a:buFont typeface="Wingdings 2"/>
+              <a:buChar char=""/>
+              <a:defRPr kumimoji="0" sz="2400" kern="1200">
+                <a:solidFill>
+                  <a:schemeClr val="tx1"/>
+                </a:solidFill>
+                <a:latin typeface="+mn-lt"/>
+                <a:ea typeface="+mn-ea"/>
+                <a:cs typeface="+mn-cs"/>
+              </a:defRPr>
+            </a:lvl3pPr>
+            <a:lvl4pPr marL="1097280" indent="-173736" algn="l" rtl="0" eaLnBrk="1" latinLnBrk="0" hangingPunct="1">
+              <a:lnSpc>
+                <a:spcPct val="100000"/>
+              </a:lnSpc>
+              <a:spcBef>
+                <a:spcPct val="20000"/>
+              </a:spcBef>
+              <a:buClr>
+                <a:schemeClr val="accent3"/>
+              </a:buClr>
+              <a:buFont typeface="Wingdings 2"/>
+              <a:buChar char=""/>
+              <a:defRPr kumimoji="0" sz="2000" kern="1200">
+                <a:solidFill>
+                  <a:schemeClr val="tx1"/>
+                </a:solidFill>
+                <a:latin typeface="+mn-lt"/>
+                <a:ea typeface="+mn-ea"/>
+                <a:cs typeface="+mn-cs"/>
+              </a:defRPr>
+            </a:lvl4pPr>
+            <a:lvl5pPr marL="1298448" indent="-182880" algn="l" rtl="0" eaLnBrk="1" latinLnBrk="0" hangingPunct="1">
+              <a:lnSpc>
+                <a:spcPct val="100000"/>
+              </a:lnSpc>
+              <a:spcBef>
+                <a:spcPct val="20000"/>
+              </a:spcBef>
+              <a:buClr>
+                <a:schemeClr val="accent4"/>
+              </a:buClr>
+              <a:buFont typeface="Wingdings 2"/>
+              <a:buChar char=""/>
+              <a:defRPr kumimoji="0" sz="2000" kern="1200">
+                <a:solidFill>
+                  <a:schemeClr val="tx1"/>
+                </a:solidFill>
+                <a:latin typeface="+mn-lt"/>
+                <a:ea typeface="+mn-ea"/>
+                <a:cs typeface="+mn-cs"/>
+              </a:defRPr>
+            </a:lvl5pPr>
+            <a:lvl6pPr marL="1508760" indent="-182880" algn="l" rtl="0" eaLnBrk="1" latinLnBrk="0" hangingPunct="1">
+              <a:lnSpc>
+                <a:spcPct val="100000"/>
+              </a:lnSpc>
+              <a:spcBef>
+                <a:spcPct val="20000"/>
+              </a:spcBef>
+              <a:buClr>
+                <a:schemeClr val="accent5"/>
+              </a:buClr>
+              <a:buFont typeface="Wingdings 2"/>
+              <a:buChar char=""/>
+              <a:defRPr kumimoji="0" sz="2000" kern="1200">
+                <a:solidFill>
+                  <a:schemeClr val="tx1"/>
+                </a:solidFill>
+                <a:latin typeface="+mn-lt"/>
+                <a:ea typeface="+mn-ea"/>
+                <a:cs typeface="+mn-cs"/>
+              </a:defRPr>
+            </a:lvl6pPr>
+            <a:lvl7pPr marL="1719072" indent="-182880" algn="l" rtl="0" eaLnBrk="1" latinLnBrk="0" hangingPunct="1">
+              <a:lnSpc>
+                <a:spcPct val="100000"/>
+              </a:lnSpc>
+              <a:spcBef>
+                <a:spcPct val="20000"/>
+              </a:spcBef>
+              <a:buClr>
+                <a:schemeClr val="accent6"/>
+              </a:buClr>
+              <a:buFont typeface="Wingdings 2"/>
+              <a:buChar char=""/>
+              <a:defRPr kumimoji="0" sz="2000" kern="1200">
+                <a:solidFill>
+                  <a:schemeClr val="tx1"/>
+                </a:solidFill>
+                <a:latin typeface="+mn-lt"/>
+                <a:ea typeface="+mn-ea"/>
+                <a:cs typeface="+mn-cs"/>
+              </a:defRPr>
+            </a:lvl7pPr>
+            <a:lvl8pPr marL="1920240" indent="-182880" algn="l" rtl="0" eaLnBrk="1" latinLnBrk="0" hangingPunct="1">
+              <a:lnSpc>
+                <a:spcPct val="100000"/>
+              </a:lnSpc>
+              <a:spcBef>
+                <a:spcPct val="20000"/>
+              </a:spcBef>
+              <a:buClr>
+                <a:schemeClr val="accent6"/>
+              </a:buClr>
+              <a:buFont typeface="Wingdings 2"/>
+              <a:buChar char=""/>
+              <a:defRPr kumimoji="0" sz="2000" kern="1200">
+                <a:solidFill>
+                  <a:schemeClr val="tx1"/>
+                </a:solidFill>
+                <a:latin typeface="+mn-lt"/>
+                <a:ea typeface="+mn-ea"/>
+                <a:cs typeface="+mn-cs"/>
+              </a:defRPr>
+            </a:lvl8pPr>
+            <a:lvl9pPr marL="2130552" indent="-182880" algn="l" rtl="0" eaLnBrk="1" latinLnBrk="0" hangingPunct="1">
+              <a:lnSpc>
+                <a:spcPct val="100000"/>
+              </a:lnSpc>
+              <a:spcBef>
+                <a:spcPct val="20000"/>
+              </a:spcBef>
+              <a:buClr>
+                <a:schemeClr val="accent6"/>
+              </a:buClr>
+              <a:buFont typeface="Wingdings 2"/>
+              <a:buChar char=""/>
+              <a:defRPr kumimoji="0" sz="2000" kern="1200">
+                <a:solidFill>
+                  <a:schemeClr val="tx1"/>
+                </a:solidFill>
+                <a:latin typeface="+mn-lt"/>
+                <a:ea typeface="+mn-ea"/>
+                <a:cs typeface="+mn-cs"/>
+              </a:defRPr>
+            </a:lvl9pPr>
+            <a:extLst/>
+          </a:lstStyle>
+          <a:p>
+            <a:pPr marL="82296" indent="0">
+              <a:buNone/>
+            </a:pPr>
+            <a:r>
+              <a:rPr lang="en-US" b="1" dirty="0" smtClean="0"/>
+              <a:t>The Routing between Base Stations:</a:t>
+            </a:r>
+          </a:p>
+          <a:p>
+            <a:endParaRPr lang="en-US" dirty="0"/>
+          </a:p>
+        </p:txBody>
+      </p:sp>
+      <p:sp>
+        <p:nvSpPr>
+          <p:cNvPr id="11" name="Rectangle 7"/>
+          <p:cNvSpPr txBox="1">
+            <a:spLocks noChangeArrowheads="1"/>
+          </p:cNvSpPr>
+          <p:nvPr/>
+        </p:nvSpPr>
+        <p:spPr>
+          <a:xfrm>
+            <a:off x="1422399" y="1828800"/>
+            <a:ext cx="7511289" cy="1983671"/>
+          </a:xfrm>
+          <a:prstGeom prst="rect">
+            <a:avLst/>
+          </a:prstGeom>
+        </p:spPr>
+        <p:txBody>
+          <a:bodyPr>
+            <a:normAutofit/>
+          </a:bodyPr>
+          <a:lstStyle>
+            <a:lvl1pPr marL="365760" indent="-283464" algn="l" rtl="0" eaLnBrk="1" latinLnBrk="0" hangingPunct="1">
+              <a:lnSpc>
+                <a:spcPct val="100000"/>
+              </a:lnSpc>
+              <a:spcBef>
+                <a:spcPts val="600"/>
+              </a:spcBef>
+              <a:buClr>
+                <a:schemeClr val="accent1"/>
+              </a:buClr>
+              <a:buSzPct val="80000"/>
+              <a:buFont typeface="Wingdings 2"/>
+              <a:buChar char=""/>
+              <a:defRPr kumimoji="0" sz="3200" kern="1200">
+                <a:solidFill>
+                  <a:schemeClr val="tx1"/>
+                </a:solidFill>
+                <a:latin typeface="+mn-lt"/>
+                <a:ea typeface="+mn-ea"/>
+                <a:cs typeface="+mn-cs"/>
+              </a:defRPr>
+            </a:lvl1pPr>
+            <a:lvl2pPr marL="640080" indent="-237744" algn="l" rtl="0" eaLnBrk="1" latinLnBrk="0" hangingPunct="1">
+              <a:lnSpc>
+                <a:spcPct val="100000"/>
+              </a:lnSpc>
+              <a:spcBef>
+                <a:spcPts val="550"/>
+              </a:spcBef>
+              <a:buClr>
+                <a:schemeClr val="accent1"/>
+              </a:buClr>
+              <a:buFont typeface="Verdana"/>
+              <a:buChar char="◦"/>
+              <a:defRPr kumimoji="0" sz="2800" kern="1200">
+                <a:solidFill>
+                  <a:schemeClr val="tx1"/>
+                </a:solidFill>
+                <a:latin typeface="+mn-lt"/>
+                <a:ea typeface="+mn-ea"/>
+                <a:cs typeface="+mn-cs"/>
+              </a:defRPr>
+            </a:lvl2pPr>
+            <a:lvl3pPr marL="886968" indent="-228600" algn="l" rtl="0" eaLnBrk="1" latinLnBrk="0" hangingPunct="1">
+              <a:lnSpc>
+                <a:spcPct val="100000"/>
+              </a:lnSpc>
+              <a:spcBef>
+                <a:spcPct val="20000"/>
+              </a:spcBef>
+              <a:buClr>
+                <a:schemeClr val="accent2"/>
+              </a:buClr>
+              <a:buFont typeface="Wingdings 2"/>
+              <a:buChar char=""/>
+              <a:defRPr kumimoji="0" sz="2400" kern="1200">
+                <a:solidFill>
+                  <a:schemeClr val="tx1"/>
+                </a:solidFill>
+                <a:latin typeface="+mn-lt"/>
+                <a:ea typeface="+mn-ea"/>
+                <a:cs typeface="+mn-cs"/>
+              </a:defRPr>
+            </a:lvl3pPr>
+            <a:lvl4pPr marL="1097280" indent="-173736" algn="l" rtl="0" eaLnBrk="1" latinLnBrk="0" hangingPunct="1">
+              <a:lnSpc>
+                <a:spcPct val="100000"/>
+              </a:lnSpc>
+              <a:spcBef>
+                <a:spcPct val="20000"/>
+              </a:spcBef>
+              <a:buClr>
+                <a:schemeClr val="accent3"/>
+              </a:buClr>
+              <a:buFont typeface="Wingdings 2"/>
+              <a:buChar char=""/>
+              <a:defRPr kumimoji="0" sz="2000" kern="1200">
+                <a:solidFill>
+                  <a:schemeClr val="tx1"/>
+                </a:solidFill>
+                <a:latin typeface="+mn-lt"/>
+                <a:ea typeface="+mn-ea"/>
+                <a:cs typeface="+mn-cs"/>
+              </a:defRPr>
+            </a:lvl4pPr>
+            <a:lvl5pPr marL="1298448" indent="-182880" algn="l" rtl="0" eaLnBrk="1" latinLnBrk="0" hangingPunct="1">
+              <a:lnSpc>
+                <a:spcPct val="100000"/>
+              </a:lnSpc>
+              <a:spcBef>
+                <a:spcPct val="20000"/>
+              </a:spcBef>
+              <a:buClr>
+                <a:schemeClr val="accent4"/>
+              </a:buClr>
+              <a:buFont typeface="Wingdings 2"/>
+              <a:buChar char=""/>
+              <a:defRPr kumimoji="0" sz="2000" kern="1200">
+                <a:solidFill>
+                  <a:schemeClr val="tx1"/>
+                </a:solidFill>
+                <a:latin typeface="+mn-lt"/>
+                <a:ea typeface="+mn-ea"/>
+                <a:cs typeface="+mn-cs"/>
+              </a:defRPr>
+            </a:lvl5pPr>
+            <a:lvl6pPr marL="1508760" indent="-182880" algn="l" rtl="0" eaLnBrk="1" latinLnBrk="0" hangingPunct="1">
+              <a:lnSpc>
+                <a:spcPct val="100000"/>
+              </a:lnSpc>
+              <a:spcBef>
+                <a:spcPct val="20000"/>
+              </a:spcBef>
+              <a:buClr>
+                <a:schemeClr val="accent5"/>
+              </a:buClr>
+              <a:buFont typeface="Wingdings 2"/>
+              <a:buChar char=""/>
+              <a:defRPr kumimoji="0" sz="2000" kern="1200">
+                <a:solidFill>
+                  <a:schemeClr val="tx1"/>
+                </a:solidFill>
+                <a:latin typeface="+mn-lt"/>
+                <a:ea typeface="+mn-ea"/>
+                <a:cs typeface="+mn-cs"/>
+              </a:defRPr>
+            </a:lvl6pPr>
+            <a:lvl7pPr marL="1719072" indent="-182880" algn="l" rtl="0" eaLnBrk="1" latinLnBrk="0" hangingPunct="1">
+              <a:lnSpc>
+                <a:spcPct val="100000"/>
+              </a:lnSpc>
+              <a:spcBef>
+                <a:spcPct val="20000"/>
+              </a:spcBef>
+              <a:buClr>
+                <a:schemeClr val="accent6"/>
+              </a:buClr>
+              <a:buFont typeface="Wingdings 2"/>
+              <a:buChar char=""/>
+              <a:defRPr kumimoji="0" sz="2000" kern="1200">
+                <a:solidFill>
+                  <a:schemeClr val="tx1"/>
+                </a:solidFill>
+                <a:latin typeface="+mn-lt"/>
+                <a:ea typeface="+mn-ea"/>
+                <a:cs typeface="+mn-cs"/>
+              </a:defRPr>
+            </a:lvl7pPr>
+            <a:lvl8pPr marL="1920240" indent="-182880" algn="l" rtl="0" eaLnBrk="1" latinLnBrk="0" hangingPunct="1">
+              <a:lnSpc>
+                <a:spcPct val="100000"/>
+              </a:lnSpc>
+              <a:spcBef>
+                <a:spcPct val="20000"/>
+              </a:spcBef>
+              <a:buClr>
+                <a:schemeClr val="accent6"/>
+              </a:buClr>
+              <a:buFont typeface="Wingdings 2"/>
+              <a:buChar char=""/>
+              <a:defRPr kumimoji="0" sz="2000" kern="1200">
+                <a:solidFill>
+                  <a:schemeClr val="tx1"/>
+                </a:solidFill>
+                <a:latin typeface="+mn-lt"/>
+                <a:ea typeface="+mn-ea"/>
+                <a:cs typeface="+mn-cs"/>
+              </a:defRPr>
+            </a:lvl8pPr>
+            <a:lvl9pPr marL="2130552" indent="-182880" algn="l" rtl="0" eaLnBrk="1" latinLnBrk="0" hangingPunct="1">
+              <a:lnSpc>
+                <a:spcPct val="100000"/>
+              </a:lnSpc>
+              <a:spcBef>
+                <a:spcPct val="20000"/>
+              </a:spcBef>
+              <a:buClr>
+                <a:schemeClr val="accent6"/>
+              </a:buClr>
+              <a:buFont typeface="Wingdings 2"/>
+              <a:buChar char=""/>
+              <a:defRPr kumimoji="0" sz="2000" kern="1200">
+                <a:solidFill>
+                  <a:schemeClr val="tx1"/>
+                </a:solidFill>
+                <a:latin typeface="+mn-lt"/>
+                <a:ea typeface="+mn-ea"/>
+                <a:cs typeface="+mn-cs"/>
+              </a:defRPr>
+            </a:lvl9pPr>
+            <a:extLst/>
+          </a:lstStyle>
+          <a:p>
+            <a:r>
+              <a:rPr lang="en-US" dirty="0" smtClean="0"/>
+              <a:t>Transmit the next stage in the path</a:t>
+            </a:r>
+          </a:p>
+          <a:p>
+            <a:pPr lvl="1"/>
+            <a:r>
+              <a:rPr lang="en-US" dirty="0" smtClean="0"/>
+              <a:t>The Base Station must change the value of this field every time </a:t>
+            </a:r>
             <a:endParaRPr lang="en-US" dirty="0"/>
           </a:p>
         </p:txBody>

--- a/4305 Final Presentation.pptx
+++ b/4305 Final Presentation.pptx
@@ -134,7 +134,7 @@
   </p:defaultTextStyle>
   <p:extLst>
     <p:ext uri="{EFAFB233-063F-42B5-8137-9DF3F51BA10A}">
-      <p15:sldGuideLst xmlns:p15="http://schemas.microsoft.com/office/powerpoint/2012/main" xmlns="">
+      <p15:sldGuideLst xmlns:p15="http://schemas.microsoft.com/office/powerpoint/2012/main">
         <p15:guide id="1" orient="horz" pos="2160">
           <p15:clr>
             <a:srgbClr val="A4A3A4"/>
@@ -233,7 +233,7 @@
           <a:p>
             <a:fld id="{6459ED96-DF12-483F-B249-3EE4C1135568}" type="datetimeFigureOut">
               <a:rPr lang="en-US" smtClean="0"/>
-              <a:t>3/1/2015</a:t>
+              <a:t>3/2/2015</a:t>
             </a:fld>
             <a:endParaRPr lang="en-US"/>
           </a:p>
@@ -808,7 +808,7 @@
           <a:p>
             <a:fld id="{55D98BF2-13E2-4999-948A-7CB22F3ECB2B}" type="datetimeFigureOut">
               <a:rPr lang="en-US" smtClean="0"/>
-              <a:t>3/1/2015</a:t>
+              <a:t>3/2/2015</a:t>
             </a:fld>
             <a:endParaRPr lang="en-US"/>
           </a:p>
@@ -1121,7 +1121,7 @@
           <a:p>
             <a:fld id="{55D98BF2-13E2-4999-948A-7CB22F3ECB2B}" type="datetimeFigureOut">
               <a:rPr lang="en-US" smtClean="0"/>
-              <a:t>3/1/2015</a:t>
+              <a:t>3/2/2015</a:t>
             </a:fld>
             <a:endParaRPr lang="en-US"/>
           </a:p>
@@ -1306,7 +1306,7 @@
           <a:p>
             <a:fld id="{55D98BF2-13E2-4999-948A-7CB22F3ECB2B}" type="datetimeFigureOut">
               <a:rPr lang="en-US" smtClean="0"/>
-              <a:t>3/1/2015</a:t>
+              <a:t>3/2/2015</a:t>
             </a:fld>
             <a:endParaRPr lang="en-US"/>
           </a:p>
@@ -1481,7 +1481,7 @@
           <a:p>
             <a:fld id="{55D98BF2-13E2-4999-948A-7CB22F3ECB2B}" type="datetimeFigureOut">
               <a:rPr lang="en-US" smtClean="0"/>
-              <a:t>3/1/2015</a:t>
+              <a:t>3/2/2015</a:t>
             </a:fld>
             <a:endParaRPr lang="en-US"/>
           </a:p>
@@ -1749,7 +1749,7 @@
           <a:p>
             <a:fld id="{55D98BF2-13E2-4999-948A-7CB22F3ECB2B}" type="datetimeFigureOut">
               <a:rPr lang="en-US" smtClean="0"/>
-              <a:t>3/1/2015</a:t>
+              <a:t>3/2/2015</a:t>
             </a:fld>
             <a:endParaRPr lang="en-US"/>
           </a:p>
@@ -2217,7 +2217,7 @@
           <a:p>
             <a:fld id="{55D98BF2-13E2-4999-948A-7CB22F3ECB2B}" type="datetimeFigureOut">
               <a:rPr lang="en-US" smtClean="0"/>
-              <a:t>3/1/2015</a:t>
+              <a:t>3/2/2015</a:t>
             </a:fld>
             <a:endParaRPr lang="en-US"/>
           </a:p>
@@ -2706,7 +2706,7 @@
           <a:p>
             <a:fld id="{55D98BF2-13E2-4999-948A-7CB22F3ECB2B}" type="datetimeFigureOut">
               <a:rPr lang="en-US" smtClean="0"/>
-              <a:t>3/1/2015</a:t>
+              <a:t>3/2/2015</a:t>
             </a:fld>
             <a:endParaRPr lang="en-US"/>
           </a:p>
@@ -2832,7 +2832,7 @@
           <a:p>
             <a:fld id="{55D98BF2-13E2-4999-948A-7CB22F3ECB2B}" type="datetimeFigureOut">
               <a:rPr lang="en-US" smtClean="0"/>
-              <a:t>3/1/2015</a:t>
+              <a:t>3/2/2015</a:t>
             </a:fld>
             <a:endParaRPr lang="en-US"/>
           </a:p>
@@ -2976,7 +2976,7 @@
           <a:p>
             <a:fld id="{55D98BF2-13E2-4999-948A-7CB22F3ECB2B}" type="datetimeFigureOut">
               <a:rPr lang="en-US" smtClean="0"/>
-              <a:t>3/1/2015</a:t>
+              <a:t>3/2/2015</a:t>
             </a:fld>
             <a:endParaRPr lang="en-US"/>
           </a:p>
@@ -3298,7 +3298,7 @@
           <a:p>
             <a:fld id="{55D98BF2-13E2-4999-948A-7CB22F3ECB2B}" type="datetimeFigureOut">
               <a:rPr lang="en-US" smtClean="0"/>
-              <a:t>3/1/2015</a:t>
+              <a:t>3/2/2015</a:t>
             </a:fld>
             <a:endParaRPr lang="en-US"/>
           </a:p>
@@ -3432,7 +3432,7 @@
           <a:p>
             <a:fld id="{55D98BF2-13E2-4999-948A-7CB22F3ECB2B}" type="datetimeFigureOut">
               <a:rPr lang="en-US" smtClean="0"/>
-              <a:t>3/1/2015</a:t>
+              <a:t>3/2/2015</a:t>
             </a:fld>
             <a:endParaRPr lang="en-US"/>
           </a:p>
@@ -4213,7 +4213,7 @@
           <a:p>
             <a:fld id="{55D98BF2-13E2-4999-948A-7CB22F3ECB2B}" type="datetimeFigureOut">
               <a:rPr lang="en-US" smtClean="0"/>
-              <a:t>3/1/2015</a:t>
+              <a:t>3/2/2015</a:t>
             </a:fld>
             <a:endParaRPr lang="en-US"/>
           </a:p>
@@ -8248,13 +8248,13 @@
         </p:spPr>
         <p:style>
           <a:lnRef idx="1">
-            <a:schemeClr val="accent1"/>
+            <a:schemeClr val="accent2"/>
           </a:lnRef>
           <a:fillRef idx="2">
-            <a:schemeClr val="accent1"/>
+            <a:schemeClr val="accent2"/>
           </a:fillRef>
           <a:effectRef idx="1">
-            <a:schemeClr val="accent1"/>
+            <a:schemeClr val="accent2"/>
           </a:effectRef>
           <a:fontRef idx="minor">
             <a:schemeClr val="dk1"/>
@@ -8515,13 +8515,13 @@
         </p:spPr>
         <p:style>
           <a:lnRef idx="1">
-            <a:schemeClr val="accent1"/>
+            <a:schemeClr val="accent2"/>
           </a:lnRef>
           <a:fillRef idx="2">
-            <a:schemeClr val="accent1"/>
+            <a:schemeClr val="accent2"/>
           </a:fillRef>
           <a:effectRef idx="1">
-            <a:schemeClr val="accent1"/>
+            <a:schemeClr val="accent2"/>
           </a:effectRef>
           <a:fontRef idx="minor">
             <a:schemeClr val="dk1"/>
@@ -8589,13 +8589,13 @@
         </p:spPr>
         <p:style>
           <a:lnRef idx="1">
-            <a:schemeClr val="accent1"/>
+            <a:schemeClr val="accent2"/>
           </a:lnRef>
           <a:fillRef idx="2">
-            <a:schemeClr val="accent1"/>
+            <a:schemeClr val="accent2"/>
           </a:fillRef>
           <a:effectRef idx="1">
-            <a:schemeClr val="accent1"/>
+            <a:schemeClr val="accent2"/>
           </a:effectRef>
           <a:fontRef idx="minor">
             <a:schemeClr val="dk1"/>
@@ -11462,7 +11462,7 @@
         <p:spPr>
           <a:xfrm>
             <a:off x="1755318" y="1229996"/>
-            <a:ext cx="3069773" cy="369332"/>
+            <a:ext cx="3069773" cy="646331"/>
           </a:xfrm>
           <a:prstGeom prst="rect">
             <a:avLst/>
@@ -11477,7 +11477,17 @@
           <a:p>
             <a:r>
               <a:rPr lang="en-US" dirty="0" smtClean="0"/>
-              <a:t>Shortest message</a:t>
+              <a:t>Shortest </a:t>
+            </a:r>
+            <a:r>
+              <a:rPr lang="en-US" dirty="0" smtClean="0"/>
+              <a:t>message</a:t>
+            </a:r>
+          </a:p>
+          <a:p>
+            <a:r>
+              <a:rPr lang="en-US" dirty="0" smtClean="0"/>
+              <a:t>UE2 to UE1</a:t>
             </a:r>
             <a:endParaRPr lang="en-US" dirty="0"/>
           </a:p>
@@ -12126,7 +12136,7 @@
         <p:spPr>
           <a:xfrm>
             <a:off x="1817906" y="3527201"/>
-            <a:ext cx="3271159" cy="369332"/>
+            <a:ext cx="3271159" cy="646331"/>
           </a:xfrm>
           <a:prstGeom prst="rect">
             <a:avLst/>
@@ -12141,7 +12151,17 @@
           <a:p>
             <a:r>
               <a:rPr lang="en-US" dirty="0" smtClean="0"/>
-              <a:t>Longest message:</a:t>
+              <a:t>Longest </a:t>
+            </a:r>
+            <a:r>
+              <a:rPr lang="en-US" dirty="0" smtClean="0"/>
+              <a:t>message</a:t>
+            </a:r>
+          </a:p>
+          <a:p>
+            <a:r>
+              <a:rPr lang="en-US" dirty="0" smtClean="0"/>
+              <a:t>UE3 to UE1</a:t>
             </a:r>
             <a:endParaRPr lang="en-US" dirty="0"/>
           </a:p>
@@ -14075,10 +14095,6 @@
               <a:rPr lang="en-US" dirty="0" smtClean="0"/>
               <a:t>Implementation</a:t>
             </a:r>
-            <a:r>
-              <a:rPr lang="en-US" dirty="0" smtClean="0"/>
-              <a:t/>
-            </a:r>
             <a:br>
               <a:rPr lang="en-US" dirty="0" smtClean="0"/>
             </a:br>
@@ -15050,11 +15066,6 @@
               </a:rPr>
               <a:t>Maximum size of data field</a:t>
             </a:r>
-            <a:endParaRPr lang="en-US" dirty="0">
-              <a:solidFill>
-                <a:prstClr val="black"/>
-              </a:solidFill>
-            </a:endParaRPr>
           </a:p>
         </p:txBody>
       </p:sp>
@@ -15155,18 +15166,11 @@
           </a:p>
           <a:p>
             <a:r>
-              <a:rPr lang="en-US" sz="2400" dirty="0" err="1" smtClean="0">
-                <a:latin typeface="Arial" panose="020B0604020202020204" pitchFamily="34" charset="0"/>
-                <a:cs typeface="Arial" panose="020B0604020202020204" pitchFamily="34" charset="0"/>
-              </a:rPr>
-              <a:t>Matlab</a:t>
-            </a:r>
-            <a:r>
               <a:rPr lang="en-US" sz="2400" dirty="0" smtClean="0">
                 <a:latin typeface="Arial" panose="020B0604020202020204" pitchFamily="34" charset="0"/>
                 <a:cs typeface="Arial" panose="020B0604020202020204" pitchFamily="34" charset="0"/>
               </a:rPr>
-              <a:t> Code</a:t>
+              <a:t>Implementation</a:t>
             </a:r>
             <a:endParaRPr lang="en-US" sz="2000" dirty="0" smtClean="0">
               <a:latin typeface="Arial" panose="020B0604020202020204" pitchFamily="34" charset="0"/>
@@ -15201,7 +15205,7 @@
                 <a:latin typeface="Arial" panose="020B0604020202020204" pitchFamily="34" charset="0"/>
                 <a:cs typeface="Arial" panose="020B0604020202020204" pitchFamily="34" charset="0"/>
               </a:rPr>
-              <a:t>The Limitations of the MAC Layer</a:t>
+              <a:t>Lessons Learned</a:t>
             </a:r>
             <a:endParaRPr lang="en-US" sz="2000" dirty="0" smtClean="0"/>
           </a:p>
@@ -15719,11 +15723,7 @@
           <a:p>
             <a:r>
               <a:rPr lang="en-US" dirty="0" smtClean="0"/>
-              <a:t>Interfacing with the Physical </a:t>
-            </a:r>
-            <a:r>
-              <a:rPr lang="en-US" dirty="0" smtClean="0"/>
-              <a:t>Modules</a:t>
+              <a:t>Interfacing with the Physical Modules</a:t>
             </a:r>
             <a:endParaRPr lang="en-US" dirty="0"/>
           </a:p>
@@ -15755,11 +15755,7 @@
             <a:pPr lvl="1"/>
             <a:r>
               <a:rPr lang="en-US" dirty="0" smtClean="0"/>
-              <a:t>Format </a:t>
-            </a:r>
-            <a:r>
-              <a:rPr lang="en-US" dirty="0" smtClean="0"/>
-              <a:t>of the bits that are generated by </a:t>
+              <a:t>Format of the bits that are generated by </a:t>
             </a:r>
             <a:r>
               <a:rPr lang="en-US" dirty="0" err="1" smtClean="0"/>
@@ -15781,7 +15777,6 @@
               <a:rPr lang="en-US" dirty="0" smtClean="0"/>
               <a:t>Order of the bits</a:t>
             </a:r>
-            <a:endParaRPr lang="en-US" dirty="0" smtClean="0"/>
           </a:p>
           <a:p>
             <a:pPr lvl="1"/>
@@ -15803,7 +15798,6 @@
               <a:rPr lang="en-US" dirty="0" smtClean="0"/>
               <a:t>Callbacks </a:t>
             </a:r>
-            <a:endParaRPr lang="en-US" dirty="0" smtClean="0"/>
           </a:p>
           <a:p>
             <a:r>
@@ -15817,7 +15811,6 @@
               <a:rPr lang="en-US" dirty="0" smtClean="0"/>
               <a:t>Additional processing to route the message</a:t>
             </a:r>
-            <a:endParaRPr lang="en-US" dirty="0" smtClean="0"/>
           </a:p>
           <a:p>
             <a:pPr marL="402336" lvl="1" indent="0">
@@ -15883,15 +15876,7 @@
           <a:p>
             <a:r>
               <a:rPr lang="en-US" dirty="0" smtClean="0"/>
-              <a:t>Interfacing with the </a:t>
-            </a:r>
-            <a:r>
-              <a:rPr lang="en-US" dirty="0" smtClean="0"/>
-              <a:t>N</a:t>
-            </a:r>
-            <a:r>
-              <a:rPr lang="en-US" dirty="0" smtClean="0"/>
-              <a:t>etwork Modules</a:t>
+              <a:t>Interfacing with the Network Modules</a:t>
             </a:r>
             <a:endParaRPr lang="en-US" dirty="0"/>
           </a:p>
@@ -15934,15 +15919,7 @@
             </a:r>
             <a:r>
               <a:rPr lang="en-US" dirty="0" smtClean="0"/>
-              <a:t>he </a:t>
-            </a:r>
-            <a:r>
-              <a:rPr lang="en-US" dirty="0" smtClean="0"/>
-              <a:t>same basic frame </a:t>
-            </a:r>
-            <a:r>
-              <a:rPr lang="en-US" dirty="0" smtClean="0"/>
-              <a:t>construction is used</a:t>
+              <a:t>he same basic frame construction is used</a:t>
             </a:r>
           </a:p>
           <a:p>
@@ -16866,7 +16843,7 @@
         </p:spPr>
         <p:txBody>
           <a:bodyPr>
-            <a:normAutofit fontScale="92500" lnSpcReduction="20000"/>
+            <a:normAutofit fontScale="77500" lnSpcReduction="20000"/>
           </a:bodyPr>
           <a:lstStyle/>
           <a:p>
@@ -16874,12 +16851,12 @@
               <a:buNone/>
             </a:pPr>
             <a:r>
-              <a:rPr lang="en-US" dirty="0"/>
-              <a:t>T</a:t>
-            </a:r>
-            <a:r>
               <a:rPr lang="en-US" dirty="0" smtClean="0"/>
-              <a:t>he </a:t>
+              <a:t>False </a:t>
+            </a:r>
+            <a:r>
+              <a:rPr lang="en-US" dirty="0" smtClean="0"/>
+              <a:t>Detection of ACK frame because similar </a:t>
             </a:r>
             <a:r>
               <a:rPr lang="en-US" dirty="0" err="1" smtClean="0"/>
@@ -16887,8 +16864,9 @@
             </a:r>
             <a:r>
               <a:rPr lang="en-US" dirty="0" smtClean="0"/>
-              <a:t> changed without affecting the CRC for the header</a:t>
-            </a:r>
+              <a:t> numeric representation. </a:t>
+            </a:r>
+            <a:endParaRPr lang="en-US" dirty="0" smtClean="0"/>
           </a:p>
           <a:p>
             <a:pPr marL="402336" lvl="1" indent="0">
@@ -16908,7 +16886,11 @@
             </a:pPr>
             <a:r>
               <a:rPr lang="en-US" dirty="0" smtClean="0"/>
-              <a:t>We increased the hamming distance between the values of the types of frames </a:t>
+              <a:t>We increased the hamming distance between the values of the types of </a:t>
+            </a:r>
+            <a:r>
+              <a:rPr lang="en-US" dirty="0" smtClean="0"/>
+              <a:t>frames to avoid false detection </a:t>
             </a:r>
             <a:endParaRPr lang="en-US" dirty="0" smtClean="0"/>
           </a:p>
@@ -17018,15 +17000,11 @@
           <a:p>
             <a:r>
               <a:rPr lang="en-US" dirty="0" smtClean="0"/>
-              <a:t>‘End-to-End’ </a:t>
+              <a:t>‘End-to-End’ Simulation of Data Transmission and ACK </a:t>
             </a:r>
             <a:r>
               <a:rPr lang="en-US" dirty="0" smtClean="0"/>
-              <a:t>Simulation </a:t>
-            </a:r>
-            <a:r>
-              <a:rPr lang="en-US" dirty="0" smtClean="0"/>
-              <a:t>of Data Transmission and ACK Response</a:t>
+              <a:t>Response Using Team 4’s Transceiver</a:t>
             </a:r>
             <a:endParaRPr lang="en-US" dirty="0"/>
           </a:p>
@@ -17082,13 +17060,13 @@
         <p:spPr/>
         <p:txBody>
           <a:bodyPr>
-            <a:normAutofit fontScale="90000"/>
+            <a:normAutofit/>
           </a:bodyPr>
           <a:lstStyle/>
           <a:p>
             <a:r>
               <a:rPr lang="en-US" dirty="0" smtClean="0"/>
-              <a:t>The Limitations of the MAC Layer</a:t>
+              <a:t>Lessons Learned</a:t>
             </a:r>
             <a:endParaRPr lang="en-US" dirty="0"/>
           </a:p>
@@ -17106,12 +17084,49 @@
         </p:nvSpPr>
         <p:spPr/>
         <p:txBody>
-          <a:bodyPr/>
+          <a:bodyPr>
+            <a:normAutofit fontScale="92500" lnSpcReduction="20000"/>
+          </a:bodyPr>
           <a:lstStyle/>
           <a:p>
             <a:r>
               <a:rPr lang="en-US" dirty="0" smtClean="0"/>
-              <a:t>The Physical layer is very important, we cannot compensate for poor data transmission</a:t>
+              <a:t>The Physical layer is very important, we cannot compensate for </a:t>
+            </a:r>
+            <a:r>
+              <a:rPr lang="en-US" dirty="0" smtClean="0"/>
+              <a:t>unreliable </a:t>
+            </a:r>
+            <a:r>
+              <a:rPr lang="en-US" dirty="0" smtClean="0"/>
+              <a:t>data </a:t>
+            </a:r>
+            <a:r>
+              <a:rPr lang="en-US" dirty="0"/>
+              <a:t>transmission. </a:t>
+            </a:r>
+            <a:endParaRPr lang="en-US" dirty="0" smtClean="0"/>
+          </a:p>
+          <a:p>
+            <a:r>
+              <a:rPr lang="en-US" dirty="0" smtClean="0"/>
+              <a:t>We can accommodate erroneous data through verifying the data range </a:t>
+            </a:r>
+            <a:r>
+              <a:rPr lang="en-US" dirty="0"/>
+              <a:t>and </a:t>
+            </a:r>
+            <a:r>
+              <a:rPr lang="en-US" dirty="0" smtClean="0"/>
+              <a:t>considering possible </a:t>
+            </a:r>
+            <a:r>
+              <a:rPr lang="en-US" dirty="0"/>
+              <a:t>received </a:t>
+            </a:r>
+            <a:r>
+              <a:rPr lang="en-US" dirty="0" smtClean="0"/>
+              <a:t>values </a:t>
             </a:r>
           </a:p>
           <a:p>
@@ -17123,15 +17138,29 @@
           <a:p>
             <a:r>
               <a:rPr lang="en-US" dirty="0" smtClean="0"/>
-              <a:t>More data types needed for the control messages in the system than for transmitting data.</a:t>
-            </a:r>
-          </a:p>
-          <a:p>
+              <a:t>More </a:t>
+            </a:r>
             <a:r>
               <a:rPr lang="en-US" dirty="0" smtClean="0"/>
-              <a:t>Verification of range and possible values</a:t>
-            </a:r>
-            <a:endParaRPr lang="en-US" dirty="0"/>
+              <a:t>data </a:t>
+            </a:r>
+            <a:r>
+              <a:rPr lang="en-US" smtClean="0"/>
+              <a:t>types </a:t>
+            </a:r>
+            <a:r>
+              <a:rPr lang="en-US" smtClean="0"/>
+              <a:t>are needed </a:t>
+            </a:r>
+            <a:r>
+              <a:rPr lang="en-US" dirty="0" smtClean="0"/>
+              <a:t>for the control messages in the system than for transmitting data</a:t>
+            </a:r>
+            <a:r>
+              <a:rPr lang="en-US" dirty="0" smtClean="0"/>
+              <a:t>.</a:t>
+            </a:r>
+            <a:endParaRPr lang="en-US" dirty="0" smtClean="0"/>
           </a:p>
         </p:txBody>
       </p:sp>
@@ -17189,7 +17218,7 @@
           <a:p>
             <a:r>
               <a:rPr lang="en-US" dirty="0" smtClean="0"/>
-              <a:t>Section 2: Purpose</a:t>
+              <a:t>Purpose</a:t>
             </a:r>
             <a:endParaRPr lang="en-US" dirty="0"/>
           </a:p>
@@ -17327,25 +17356,13 @@
           <a:p>
             <a:r>
               <a:rPr lang="en-US" dirty="0" smtClean="0"/>
-              <a:t>State Machine for the </a:t>
-            </a:r>
+              <a:t>State Machine for the Frame Transmission</a:t>
+            </a:r>
+          </a:p>
+          <a:p>
             <a:r>
               <a:rPr lang="en-US" dirty="0" smtClean="0"/>
-              <a:t>Frame </a:t>
-            </a:r>
-            <a:r>
-              <a:rPr lang="en-US" dirty="0" smtClean="0"/>
-              <a:t>Transmission</a:t>
-            </a:r>
-          </a:p>
-          <a:p>
-            <a:r>
-              <a:rPr lang="en-US" dirty="0" smtClean="0"/>
-              <a:t>ACK </a:t>
-            </a:r>
-            <a:r>
-              <a:rPr lang="en-US" dirty="0" smtClean="0"/>
-              <a:t>Timeout</a:t>
+              <a:t>ACK Timeout</a:t>
             </a:r>
           </a:p>
           <a:p>

--- a/4305 Final Presentation.pptx
+++ b/4305 Final Presentation.pptx
@@ -4918,18 +4918,15 @@
         <p:spPr/>
         <p:txBody>
           <a:bodyPr>
-            <a:normAutofit fontScale="90000"/>
+            <a:normAutofit/>
           </a:bodyPr>
           <a:lstStyle/>
           <a:p>
             <a:r>
-              <a:rPr lang="en-US" dirty="0" smtClean="0"/>
-              <a:t>The evolution of </a:t>
-            </a:r>
-            <a:r>
               <a:rPr lang="en-US" dirty="0"/>
-              <a:t>the MAC Frame</a:t>
-            </a:r>
+              <a:t>Building the MAC Frame</a:t>
+            </a:r>
+            <a:endParaRPr lang="en-US" dirty="0"/>
           </a:p>
         </p:txBody>
       </p:sp>
@@ -5705,18 +5702,15 @@
         <p:spPr/>
         <p:txBody>
           <a:bodyPr>
-            <a:normAutofit fontScale="90000"/>
+            <a:normAutofit/>
           </a:bodyPr>
           <a:lstStyle/>
           <a:p>
             <a:r>
-              <a:rPr lang="en-US" dirty="0" smtClean="0"/>
-              <a:t>The evolution of </a:t>
-            </a:r>
-            <a:r>
               <a:rPr lang="en-US" dirty="0"/>
-              <a:t>the MAC Frame</a:t>
-            </a:r>
+              <a:t>Building the MAC Frame</a:t>
+            </a:r>
+            <a:endParaRPr lang="en-US" dirty="0"/>
           </a:p>
         </p:txBody>
       </p:sp>
@@ -6574,18 +6568,15 @@
         <p:spPr/>
         <p:txBody>
           <a:bodyPr>
-            <a:normAutofit fontScale="90000"/>
+            <a:normAutofit/>
           </a:bodyPr>
           <a:lstStyle/>
           <a:p>
             <a:r>
-              <a:rPr lang="en-US" dirty="0" smtClean="0"/>
-              <a:t>The evolution of </a:t>
-            </a:r>
-            <a:r>
               <a:rPr lang="en-US" dirty="0"/>
-              <a:t>the MAC Frame</a:t>
-            </a:r>
+              <a:t>Building the MAC Frame</a:t>
+            </a:r>
+            <a:endParaRPr lang="en-US" dirty="0"/>
           </a:p>
         </p:txBody>
       </p:sp>
@@ -17142,14 +17133,10 @@
             </a:r>
             <a:r>
               <a:rPr lang="en-US" dirty="0" smtClean="0"/>
-              <a:t>data </a:t>
-            </a:r>
-            <a:r>
-              <a:rPr lang="en-US" smtClean="0"/>
-              <a:t>types </a:t>
-            </a:r>
-            <a:r>
-              <a:rPr lang="en-US" smtClean="0"/>
+              <a:t>data types </a:t>
+            </a:r>
+            <a:r>
+              <a:rPr lang="en-US" dirty="0" smtClean="0"/>
               <a:t>are needed </a:t>
             </a:r>
             <a:r>
@@ -17428,17 +17415,17 @@
         <p:spPr/>
         <p:txBody>
           <a:bodyPr>
-            <a:normAutofit fontScale="90000"/>
+            <a:normAutofit/>
           </a:bodyPr>
           <a:lstStyle/>
           <a:p>
             <a:r>
               <a:rPr lang="en-US" dirty="0" smtClean="0"/>
-              <a:t>The evolution of </a:t>
+              <a:t>Building the </a:t>
             </a:r>
             <a:r>
               <a:rPr lang="en-US" dirty="0"/>
-              <a:t>the MAC Frame</a:t>
+              <a:t>MAC Frame</a:t>
             </a:r>
           </a:p>
         </p:txBody>
@@ -17720,18 +17707,15 @@
         <p:spPr/>
         <p:txBody>
           <a:bodyPr>
-            <a:normAutofit fontScale="90000"/>
+            <a:normAutofit/>
           </a:bodyPr>
           <a:lstStyle/>
           <a:p>
             <a:r>
-              <a:rPr lang="en-US" dirty="0" smtClean="0"/>
-              <a:t>The evolution of </a:t>
-            </a:r>
-            <a:r>
               <a:rPr lang="en-US" dirty="0"/>
-              <a:t>the MAC Frame</a:t>
-            </a:r>
+              <a:t>Building the MAC Frame</a:t>
+            </a:r>
+            <a:endParaRPr lang="en-US" dirty="0"/>
           </a:p>
         </p:txBody>
       </p:sp>
@@ -18533,18 +18517,15 @@
         <p:spPr/>
         <p:txBody>
           <a:bodyPr>
-            <a:normAutofit fontScale="90000"/>
+            <a:normAutofit/>
           </a:bodyPr>
           <a:lstStyle/>
           <a:p>
             <a:r>
-              <a:rPr lang="en-US" dirty="0" smtClean="0"/>
-              <a:t>The evolution of </a:t>
-            </a:r>
-            <a:r>
               <a:rPr lang="en-US" dirty="0"/>
-              <a:t>the MAC Frame</a:t>
-            </a:r>
+              <a:t>Building the MAC Frame</a:t>
+            </a:r>
+            <a:endParaRPr lang="en-US" dirty="0"/>
           </a:p>
         </p:txBody>
       </p:sp>
@@ -19400,18 +19381,15 @@
         <p:spPr/>
         <p:txBody>
           <a:bodyPr>
-            <a:normAutofit fontScale="90000"/>
+            <a:normAutofit/>
           </a:bodyPr>
           <a:lstStyle/>
           <a:p>
             <a:r>
-              <a:rPr lang="en-US" dirty="0" smtClean="0"/>
-              <a:t>The evolution of </a:t>
-            </a:r>
-            <a:r>
               <a:rPr lang="en-US" dirty="0"/>
-              <a:t>the MAC Frame</a:t>
-            </a:r>
+              <a:t>Building the MAC Frame</a:t>
+            </a:r>
+            <a:endParaRPr lang="en-US" dirty="0"/>
           </a:p>
         </p:txBody>
       </p:sp>
@@ -20023,13 +20001,13 @@
         <p:spPr/>
         <p:txBody>
           <a:bodyPr>
-            <a:normAutofit fontScale="90000"/>
+            <a:normAutofit/>
           </a:bodyPr>
           <a:lstStyle/>
           <a:p>
             <a:r>
-              <a:rPr lang="en-US" dirty="0" smtClean="0"/>
-              <a:t>The evolution of the MAC Frame</a:t>
+              <a:rPr lang="en-US" dirty="0"/>
+              <a:t>Building the MAC Frame</a:t>
             </a:r>
             <a:endParaRPr lang="en-US" dirty="0"/>
           </a:p>
